--- a/docs/projektplan/Planung.pptx
+++ b/docs/projektplan/Planung.pptx
@@ -6,8 +6,9 @@
   </p:sldMasterIdLst>
   <p:sldIdLst>
     <p:sldId id="258" r:id="rId2"/>
-    <p:sldId id="259" r:id="rId3"/>
-    <p:sldId id="260" r:id="rId4"/>
+    <p:sldId id="261" r:id="rId3"/>
+    <p:sldId id="259" r:id="rId4"/>
+    <p:sldId id="260" r:id="rId5"/>
   </p:sldIdLst>
   <p:sldSz cx="12192000" cy="6858000"/>
   <p:notesSz cx="6858000" cy="9144000"/>
@@ -106,6 +107,11 @@
       </a:defRPr>
     </a:lvl9pPr>
   </p:defaultTextStyle>
+  <p:extLst>
+    <p:ext uri="{EFAFB233-063F-42B5-8137-9DF3F51BA10A}">
+      <p15:sldGuideLst xmlns:p15="http://schemas.microsoft.com/office/powerpoint/2012/main"/>
+    </p:ext>
+  </p:extLst>
 </p:presentation>
 </file>
 
@@ -6797,6 +6803,212 @@
           </a:p>
         </p:txBody>
       </p:sp>
+      <p:sp>
+        <p:nvSpPr>
+          <p:cNvPr id="90" name="Line 7"/>
+          <p:cNvSpPr/>
+          <p:nvPr/>
+        </p:nvSpPr>
+        <p:spPr>
+          <a:xfrm>
+            <a:off x="5927760" y="2099880"/>
+            <a:ext cx="360" cy="660600"/>
+          </a:xfrm>
+          <a:prstGeom prst="line">
+            <a:avLst/>
+          </a:prstGeom>
+          <a:ln w="38160">
+            <a:solidFill>
+              <a:schemeClr val="accent1"/>
+            </a:solidFill>
+            <a:miter/>
+          </a:ln>
+        </p:spPr>
+        <p:style>
+          <a:lnRef idx="0">
+            <a:scrgbClr r="0" g="0" b="0"/>
+          </a:lnRef>
+          <a:fillRef idx="0">
+            <a:scrgbClr r="0" g="0" b="0"/>
+          </a:fillRef>
+          <a:effectRef idx="0">
+            <a:scrgbClr r="0" g="0" b="0"/>
+          </a:effectRef>
+          <a:fontRef idx="minor"/>
+        </p:style>
+      </p:sp>
+      <p:sp>
+        <p:nvSpPr>
+          <p:cNvPr id="91" name="CustomShape 66"/>
+          <p:cNvSpPr/>
+          <p:nvPr/>
+        </p:nvSpPr>
+        <p:spPr>
+          <a:xfrm>
+            <a:off x="5884200" y="1891800"/>
+            <a:ext cx="1002240" cy="207720"/>
+          </a:xfrm>
+          <a:prstGeom prst="rect">
+            <a:avLst/>
+          </a:prstGeom>
+          <a:noFill/>
+          <a:ln>
+            <a:noFill/>
+          </a:ln>
+        </p:spPr>
+        <p:style>
+          <a:lnRef idx="0">
+            <a:scrgbClr r="0" g="0" b="0"/>
+          </a:lnRef>
+          <a:fillRef idx="0">
+            <a:scrgbClr r="0" g="0" b="0"/>
+          </a:fillRef>
+          <a:effectRef idx="0">
+            <a:scrgbClr r="0" g="0" b="0"/>
+          </a:effectRef>
+          <a:fontRef idx="minor"/>
+        </p:style>
+        <p:txBody>
+          <a:bodyPr lIns="28080" tIns="28080" rIns="28080" bIns="28080"/>
+          <a:lstStyle/>
+          <a:p>
+            <a:pPr>
+              <a:lnSpc>
+                <a:spcPct val="100000"/>
+              </a:lnSpc>
+            </a:pPr>
+            <a:r>
+              <a:rPr lang="de-CH" sz="900" b="1" strike="noStrike" spc="-1" dirty="0">
+                <a:solidFill>
+                  <a:srgbClr val="000000"/>
+                </a:solidFill>
+                <a:uFill>
+                  <a:solidFill>
+                    <a:srgbClr val="FFFFFF"/>
+                  </a:solidFill>
+                </a:uFill>
+                <a:latin typeface="Arial"/>
+                <a:ea typeface="ヒラギノ角ゴ ProN W3"/>
+              </a:rPr>
+              <a:t>Alpha</a:t>
+            </a:r>
+            <a:endParaRPr lang="de-CH" sz="1800" b="0" strike="noStrike" spc="-1" dirty="0">
+              <a:solidFill>
+                <a:srgbClr val="000000"/>
+              </a:solidFill>
+              <a:uFill>
+                <a:solidFill>
+                  <a:srgbClr val="FFFFFF"/>
+                </a:solidFill>
+              </a:uFill>
+              <a:latin typeface="Arial"/>
+            </a:endParaRPr>
+          </a:p>
+        </p:txBody>
+      </p:sp>
+      <p:sp>
+        <p:nvSpPr>
+          <p:cNvPr id="92" name="Line 7"/>
+          <p:cNvSpPr/>
+          <p:nvPr/>
+        </p:nvSpPr>
+        <p:spPr>
+          <a:xfrm>
+            <a:off x="6986880" y="2099880"/>
+            <a:ext cx="360" cy="660600"/>
+          </a:xfrm>
+          <a:prstGeom prst="line">
+            <a:avLst/>
+          </a:prstGeom>
+          <a:ln w="38160">
+            <a:solidFill>
+              <a:schemeClr val="accent1"/>
+            </a:solidFill>
+            <a:miter/>
+          </a:ln>
+        </p:spPr>
+        <p:style>
+          <a:lnRef idx="0">
+            <a:scrgbClr r="0" g="0" b="0"/>
+          </a:lnRef>
+          <a:fillRef idx="0">
+            <a:scrgbClr r="0" g="0" b="0"/>
+          </a:fillRef>
+          <a:effectRef idx="0">
+            <a:scrgbClr r="0" g="0" b="0"/>
+          </a:effectRef>
+          <a:fontRef idx="minor"/>
+        </p:style>
+      </p:sp>
+      <p:sp>
+        <p:nvSpPr>
+          <p:cNvPr id="93" name="CustomShape 66"/>
+          <p:cNvSpPr/>
+          <p:nvPr/>
+        </p:nvSpPr>
+        <p:spPr>
+          <a:xfrm>
+            <a:off x="6943320" y="1891800"/>
+            <a:ext cx="1002240" cy="207720"/>
+          </a:xfrm>
+          <a:prstGeom prst="rect">
+            <a:avLst/>
+          </a:prstGeom>
+          <a:noFill/>
+          <a:ln>
+            <a:noFill/>
+          </a:ln>
+        </p:spPr>
+        <p:style>
+          <a:lnRef idx="0">
+            <a:scrgbClr r="0" g="0" b="0"/>
+          </a:lnRef>
+          <a:fillRef idx="0">
+            <a:scrgbClr r="0" g="0" b="0"/>
+          </a:fillRef>
+          <a:effectRef idx="0">
+            <a:scrgbClr r="0" g="0" b="0"/>
+          </a:effectRef>
+          <a:fontRef idx="minor"/>
+        </p:style>
+        <p:txBody>
+          <a:bodyPr lIns="28080" tIns="28080" rIns="28080" bIns="28080"/>
+          <a:lstStyle/>
+          <a:p>
+            <a:pPr>
+              <a:lnSpc>
+                <a:spcPct val="100000"/>
+              </a:lnSpc>
+            </a:pPr>
+            <a:r>
+              <a:rPr lang="de-CH" sz="900" b="1" strike="noStrike" spc="-1" dirty="0">
+                <a:solidFill>
+                  <a:srgbClr val="000000"/>
+                </a:solidFill>
+                <a:uFill>
+                  <a:solidFill>
+                    <a:srgbClr val="FFFFFF"/>
+                  </a:solidFill>
+                </a:uFill>
+                <a:latin typeface="Arial"/>
+                <a:ea typeface="ヒラギノ角ゴ ProN W3"/>
+              </a:rPr>
+              <a:t>Beta</a:t>
+            </a:r>
+            <a:endParaRPr lang="de-CH" sz="1800" b="0" strike="noStrike" spc="-1" dirty="0">
+              <a:solidFill>
+                <a:srgbClr val="000000"/>
+              </a:solidFill>
+              <a:uFill>
+                <a:solidFill>
+                  <a:srgbClr val="FFFFFF"/>
+                </a:solidFill>
+              </a:uFill>
+              <a:latin typeface="Arial"/>
+            </a:endParaRPr>
+          </a:p>
+        </p:txBody>
+      </p:sp>
     </p:spTree>
     <p:extLst>
       <p:ext uri="{BB962C8B-B14F-4D97-AF65-F5344CB8AC3E}">
@@ -6854,12 +7066,2367 @@
           <a:chExt cx="0" cy="0"/>
         </a:xfrm>
       </p:grpSpPr>
+      <p:sp>
+        <p:nvSpPr>
+          <p:cNvPr id="4" name="Line 71"/>
+          <p:cNvSpPr/>
+          <p:nvPr/>
+        </p:nvSpPr>
+        <p:spPr>
+          <a:xfrm rot="5400000">
+            <a:off x="1609920" y="-321855"/>
+            <a:ext cx="360" cy="1428840"/>
+          </a:xfrm>
+          <a:prstGeom prst="line">
+            <a:avLst/>
+          </a:prstGeom>
+          <a:ln w="38160">
+            <a:solidFill>
+              <a:schemeClr val="accent1"/>
+            </a:solidFill>
+            <a:miter/>
+          </a:ln>
+        </p:spPr>
+        <p:style>
+          <a:lnRef idx="0">
+            <a:scrgbClr r="0" g="0" b="0"/>
+          </a:lnRef>
+          <a:fillRef idx="0">
+            <a:scrgbClr r="0" g="0" b="0"/>
+          </a:fillRef>
+          <a:effectRef idx="0">
+            <a:scrgbClr r="0" g="0" b="0"/>
+          </a:effectRef>
+          <a:fontRef idx="minor"/>
+        </p:style>
+      </p:sp>
+      <p:sp>
+        <p:nvSpPr>
+          <p:cNvPr id="2" name="Line 31"/>
+          <p:cNvSpPr/>
+          <p:nvPr/>
+        </p:nvSpPr>
+        <p:spPr>
+          <a:xfrm flipH="1">
+            <a:off x="871328" y="59107"/>
+            <a:ext cx="0" cy="6180049"/>
+          </a:xfrm>
+          <a:prstGeom prst="line">
+            <a:avLst/>
+          </a:prstGeom>
+          <a:ln w="38160">
+            <a:solidFill>
+              <a:schemeClr val="accent3">
+                <a:lumMod val="40000"/>
+                <a:lumOff val="60000"/>
+              </a:schemeClr>
+            </a:solidFill>
+            <a:miter/>
+          </a:ln>
+        </p:spPr>
+        <p:style>
+          <a:lnRef idx="0">
+            <a:scrgbClr r="0" g="0" b="0"/>
+          </a:lnRef>
+          <a:fillRef idx="0">
+            <a:scrgbClr r="0" g="0" b="0"/>
+          </a:fillRef>
+          <a:effectRef idx="0">
+            <a:scrgbClr r="0" g="0" b="0"/>
+          </a:effectRef>
+          <a:fontRef idx="minor"/>
+        </p:style>
+      </p:sp>
+      <p:sp>
+        <p:nvSpPr>
+          <p:cNvPr id="3" name="CustomShape 37"/>
+          <p:cNvSpPr/>
+          <p:nvPr/>
+        </p:nvSpPr>
+        <p:spPr>
+          <a:xfrm rot="5400000">
+            <a:off x="822662" y="335919"/>
+            <a:ext cx="144720" cy="135000"/>
+          </a:xfrm>
+          <a:prstGeom prst="ellipse">
+            <a:avLst/>
+          </a:prstGeom>
+          <a:solidFill>
+            <a:schemeClr val="accent1"/>
+          </a:solidFill>
+          <a:ln w="25560">
+            <a:noFill/>
+          </a:ln>
+        </p:spPr>
+        <p:style>
+          <a:lnRef idx="0">
+            <a:scrgbClr r="0" g="0" b="0"/>
+          </a:lnRef>
+          <a:fillRef idx="0">
+            <a:scrgbClr r="0" g="0" b="0"/>
+          </a:fillRef>
+          <a:effectRef idx="0">
+            <a:scrgbClr r="0" g="0" b="0"/>
+          </a:effectRef>
+          <a:fontRef idx="minor"/>
+        </p:style>
+      </p:sp>
+      <p:sp>
+        <p:nvSpPr>
+          <p:cNvPr id="5" name="CustomShape 72"/>
+          <p:cNvSpPr/>
+          <p:nvPr/>
+        </p:nvSpPr>
+        <p:spPr>
+          <a:xfrm>
+            <a:off x="2335616" y="331059"/>
+            <a:ext cx="2345714" cy="410887"/>
+          </a:xfrm>
+          <a:prstGeom prst="rect">
+            <a:avLst/>
+          </a:prstGeom>
+          <a:noFill/>
+          <a:ln>
+            <a:noFill/>
+          </a:ln>
+        </p:spPr>
+        <p:style>
+          <a:lnRef idx="0">
+            <a:scrgbClr r="0" g="0" b="0"/>
+          </a:lnRef>
+          <a:fillRef idx="0">
+            <a:scrgbClr r="0" g="0" b="0"/>
+          </a:fillRef>
+          <a:effectRef idx="0">
+            <a:scrgbClr r="0" g="0" b="0"/>
+          </a:effectRef>
+          <a:fontRef idx="minor"/>
+        </p:style>
+        <p:txBody>
+          <a:bodyPr lIns="28080" tIns="28080" rIns="28080" bIns="28080"/>
+          <a:lstStyle/>
+          <a:p>
+            <a:pPr>
+              <a:lnSpc>
+                <a:spcPct val="100000"/>
+              </a:lnSpc>
+            </a:pPr>
+            <a:r>
+              <a:rPr lang="de-CH" sz="900" b="1" strike="noStrike" spc="-1" dirty="0">
+                <a:solidFill>
+                  <a:srgbClr val="000000"/>
+                </a:solidFill>
+                <a:uFill>
+                  <a:solidFill>
+                    <a:srgbClr val="FFFFFF"/>
+                  </a:solidFill>
+                </a:uFill>
+                <a:latin typeface="Arial"/>
+                <a:ea typeface="ヒラギノ角ゴ ProN W3"/>
+              </a:rPr>
+              <a:t>MS Inception</a:t>
+            </a:r>
+          </a:p>
+          <a:p>
+            <a:pPr>
+              <a:lnSpc>
+                <a:spcPct val="100000"/>
+              </a:lnSpc>
+            </a:pPr>
+            <a:r>
+              <a:rPr lang="de-CH" sz="900" spc="-1" dirty="0">
+                <a:solidFill>
+                  <a:srgbClr val="000000"/>
+                </a:solidFill>
+                <a:uFill>
+                  <a:solidFill>
+                    <a:srgbClr val="FFFFFF"/>
+                  </a:solidFill>
+                </a:uFill>
+                <a:latin typeface="Arial"/>
+              </a:rPr>
+              <a:t>01.03.2017</a:t>
+            </a:r>
+          </a:p>
+          <a:p>
+            <a:pPr>
+              <a:lnSpc>
+                <a:spcPct val="100000"/>
+              </a:lnSpc>
+            </a:pPr>
+            <a:r>
+              <a:rPr lang="de-CH" sz="900" strike="noStrike" spc="-1" dirty="0">
+                <a:solidFill>
+                  <a:srgbClr val="000000"/>
+                </a:solidFill>
+                <a:uFill>
+                  <a:solidFill>
+                    <a:srgbClr val="FFFFFF"/>
+                  </a:solidFill>
+                </a:uFill>
+                <a:latin typeface="Arial"/>
+              </a:rPr>
+              <a:t>Kickoff, Projektantrag, </a:t>
+            </a:r>
+            <a:r>
+              <a:rPr lang="de-CH" sz="900" strike="noStrike" spc="-1" dirty="0" err="1">
+                <a:solidFill>
+                  <a:srgbClr val="000000"/>
+                </a:solidFill>
+                <a:uFill>
+                  <a:solidFill>
+                    <a:srgbClr val="FFFFFF"/>
+                  </a:solidFill>
+                </a:uFill>
+                <a:latin typeface="Arial"/>
+              </a:rPr>
+              <a:t>Gitlab</a:t>
+            </a:r>
+            <a:r>
+              <a:rPr lang="de-CH" sz="900" strike="noStrike" spc="-1" dirty="0">
+                <a:solidFill>
+                  <a:srgbClr val="000000"/>
+                </a:solidFill>
+                <a:uFill>
+                  <a:solidFill>
+                    <a:srgbClr val="FFFFFF"/>
+                  </a:solidFill>
+                </a:uFill>
+                <a:latin typeface="Arial"/>
+              </a:rPr>
+              <a:t> einrichten</a:t>
+            </a:r>
+            <a:endParaRPr lang="de-CH" sz="1800" strike="noStrike" spc="-1" dirty="0">
+              <a:solidFill>
+                <a:srgbClr val="000000"/>
+              </a:solidFill>
+              <a:uFill>
+                <a:solidFill>
+                  <a:srgbClr val="FFFFFF"/>
+                </a:solidFill>
+              </a:uFill>
+              <a:latin typeface="Arial"/>
+            </a:endParaRPr>
+          </a:p>
+        </p:txBody>
+      </p:sp>
+      <p:sp>
+        <p:nvSpPr>
+          <p:cNvPr id="6" name="Line 71"/>
+          <p:cNvSpPr/>
+          <p:nvPr/>
+        </p:nvSpPr>
+        <p:spPr>
+          <a:xfrm rot="5400000">
+            <a:off x="1609200" y="178413"/>
+            <a:ext cx="360" cy="1428840"/>
+          </a:xfrm>
+          <a:prstGeom prst="line">
+            <a:avLst/>
+          </a:prstGeom>
+          <a:ln w="38160">
+            <a:solidFill>
+              <a:schemeClr val="accent1"/>
+            </a:solidFill>
+            <a:miter/>
+          </a:ln>
+        </p:spPr>
+        <p:style>
+          <a:lnRef idx="0">
+            <a:scrgbClr r="0" g="0" b="0"/>
+          </a:lnRef>
+          <a:fillRef idx="0">
+            <a:scrgbClr r="0" g="0" b="0"/>
+          </a:fillRef>
+          <a:effectRef idx="0">
+            <a:scrgbClr r="0" g="0" b="0"/>
+          </a:effectRef>
+          <a:fontRef idx="minor"/>
+        </p:style>
+      </p:sp>
+      <p:sp>
+        <p:nvSpPr>
+          <p:cNvPr id="7" name="CustomShape 37"/>
+          <p:cNvSpPr/>
+          <p:nvPr/>
+        </p:nvSpPr>
+        <p:spPr>
+          <a:xfrm rot="5400000">
+            <a:off x="824400" y="836185"/>
+            <a:ext cx="144720" cy="135000"/>
+          </a:xfrm>
+          <a:prstGeom prst="ellipse">
+            <a:avLst/>
+          </a:prstGeom>
+          <a:solidFill>
+            <a:schemeClr val="accent1"/>
+          </a:solidFill>
+          <a:ln w="25560">
+            <a:noFill/>
+          </a:ln>
+        </p:spPr>
+        <p:style>
+          <a:lnRef idx="0">
+            <a:scrgbClr r="0" g="0" b="0"/>
+          </a:lnRef>
+          <a:fillRef idx="0">
+            <a:scrgbClr r="0" g="0" b="0"/>
+          </a:fillRef>
+          <a:effectRef idx="0">
+            <a:scrgbClr r="0" g="0" b="0"/>
+          </a:effectRef>
+          <a:fontRef idx="minor"/>
+        </p:style>
+      </p:sp>
+      <p:sp>
+        <p:nvSpPr>
+          <p:cNvPr id="8" name="CustomShape 72"/>
+          <p:cNvSpPr/>
+          <p:nvPr/>
+        </p:nvSpPr>
+        <p:spPr>
+          <a:xfrm>
+            <a:off x="2335616" y="831325"/>
+            <a:ext cx="2345714" cy="410887"/>
+          </a:xfrm>
+          <a:prstGeom prst="rect">
+            <a:avLst/>
+          </a:prstGeom>
+          <a:noFill/>
+          <a:ln>
+            <a:noFill/>
+          </a:ln>
+        </p:spPr>
+        <p:style>
+          <a:lnRef idx="0">
+            <a:scrgbClr r="0" g="0" b="0"/>
+          </a:lnRef>
+          <a:fillRef idx="0">
+            <a:scrgbClr r="0" g="0" b="0"/>
+          </a:fillRef>
+          <a:effectRef idx="0">
+            <a:scrgbClr r="0" g="0" b="0"/>
+          </a:effectRef>
+          <a:fontRef idx="minor"/>
+        </p:style>
+        <p:txBody>
+          <a:bodyPr lIns="28080" tIns="28080" rIns="28080" bIns="28080"/>
+          <a:lstStyle/>
+          <a:p>
+            <a:pPr>
+              <a:lnSpc>
+                <a:spcPct val="100000"/>
+              </a:lnSpc>
+            </a:pPr>
+            <a:r>
+              <a:rPr lang="de-CH" sz="900" b="1" strike="noStrike" spc="-1" dirty="0">
+                <a:solidFill>
+                  <a:srgbClr val="000000"/>
+                </a:solidFill>
+                <a:uFill>
+                  <a:solidFill>
+                    <a:srgbClr val="FFFFFF"/>
+                  </a:solidFill>
+                </a:uFill>
+                <a:latin typeface="Arial"/>
+                <a:ea typeface="ヒラギノ角ゴ ProN W3"/>
+              </a:rPr>
+              <a:t>MS Projektplan</a:t>
+            </a:r>
+          </a:p>
+          <a:p>
+            <a:pPr>
+              <a:lnSpc>
+                <a:spcPct val="100000"/>
+              </a:lnSpc>
+            </a:pPr>
+            <a:r>
+              <a:rPr lang="de-CH" sz="900" spc="-1" dirty="0">
+                <a:solidFill>
+                  <a:srgbClr val="000000"/>
+                </a:solidFill>
+                <a:uFill>
+                  <a:solidFill>
+                    <a:srgbClr val="FFFFFF"/>
+                  </a:solidFill>
+                </a:uFill>
+                <a:latin typeface="Arial"/>
+              </a:rPr>
+              <a:t>03.03.2017</a:t>
+            </a:r>
+          </a:p>
+          <a:p>
+            <a:pPr>
+              <a:lnSpc>
+                <a:spcPct val="100000"/>
+              </a:lnSpc>
+            </a:pPr>
+            <a:r>
+              <a:rPr lang="de-CH" sz="900" strike="noStrike" spc="-1" dirty="0">
+                <a:solidFill>
+                  <a:srgbClr val="000000"/>
+                </a:solidFill>
+                <a:uFill>
+                  <a:solidFill>
+                    <a:srgbClr val="FFFFFF"/>
+                  </a:solidFill>
+                </a:uFill>
+                <a:latin typeface="Arial"/>
+              </a:rPr>
+              <a:t>Projektplan einreichen</a:t>
+            </a:r>
+            <a:endParaRPr lang="de-CH" sz="1800" strike="noStrike" spc="-1" dirty="0">
+              <a:solidFill>
+                <a:srgbClr val="000000"/>
+              </a:solidFill>
+              <a:uFill>
+                <a:solidFill>
+                  <a:srgbClr val="FFFFFF"/>
+                </a:solidFill>
+              </a:uFill>
+              <a:latin typeface="Arial"/>
+            </a:endParaRPr>
+          </a:p>
+        </p:txBody>
+      </p:sp>
+      <p:sp>
+        <p:nvSpPr>
+          <p:cNvPr id="9" name="Line 71"/>
+          <p:cNvSpPr/>
+          <p:nvPr/>
+        </p:nvSpPr>
+        <p:spPr>
+          <a:xfrm rot="5400000">
+            <a:off x="1609200" y="680400"/>
+            <a:ext cx="360" cy="1428840"/>
+          </a:xfrm>
+          <a:prstGeom prst="line">
+            <a:avLst/>
+          </a:prstGeom>
+          <a:ln w="38160">
+            <a:solidFill>
+              <a:srgbClr val="FF0000"/>
+            </a:solidFill>
+            <a:miter/>
+          </a:ln>
+        </p:spPr>
+        <p:style>
+          <a:lnRef idx="0">
+            <a:scrgbClr r="0" g="0" b="0"/>
+          </a:lnRef>
+          <a:fillRef idx="0">
+            <a:scrgbClr r="0" g="0" b="0"/>
+          </a:fillRef>
+          <a:effectRef idx="0">
+            <a:scrgbClr r="0" g="0" b="0"/>
+          </a:effectRef>
+          <a:fontRef idx="minor"/>
+        </p:style>
+      </p:sp>
+      <p:sp>
+        <p:nvSpPr>
+          <p:cNvPr id="10" name="CustomShape 37"/>
+          <p:cNvSpPr/>
+          <p:nvPr/>
+        </p:nvSpPr>
+        <p:spPr>
+          <a:xfrm rot="5400000">
+            <a:off x="824400" y="1332000"/>
+            <a:ext cx="144720" cy="135000"/>
+          </a:xfrm>
+          <a:prstGeom prst="ellipse">
+            <a:avLst/>
+          </a:prstGeom>
+          <a:solidFill>
+            <a:srgbClr val="FF0000"/>
+          </a:solidFill>
+          <a:ln w="25560">
+            <a:noFill/>
+          </a:ln>
+        </p:spPr>
+        <p:style>
+          <a:lnRef idx="0">
+            <a:scrgbClr r="0" g="0" b="0"/>
+          </a:lnRef>
+          <a:fillRef idx="0">
+            <a:scrgbClr r="0" g="0" b="0"/>
+          </a:fillRef>
+          <a:effectRef idx="0">
+            <a:scrgbClr r="0" g="0" b="0"/>
+          </a:effectRef>
+          <a:fontRef idx="minor"/>
+        </p:style>
+      </p:sp>
+      <p:sp>
+        <p:nvSpPr>
+          <p:cNvPr id="11" name="CustomShape 72"/>
+          <p:cNvSpPr/>
+          <p:nvPr/>
+        </p:nvSpPr>
+        <p:spPr>
+          <a:xfrm>
+            <a:off x="2335615" y="1327140"/>
+            <a:ext cx="3763627" cy="410887"/>
+          </a:xfrm>
+          <a:prstGeom prst="rect">
+            <a:avLst/>
+          </a:prstGeom>
+          <a:noFill/>
+          <a:ln>
+            <a:noFill/>
+          </a:ln>
+        </p:spPr>
+        <p:style>
+          <a:lnRef idx="0">
+            <a:scrgbClr r="0" g="0" b="0"/>
+          </a:lnRef>
+          <a:fillRef idx="0">
+            <a:scrgbClr r="0" g="0" b="0"/>
+          </a:fillRef>
+          <a:effectRef idx="0">
+            <a:scrgbClr r="0" g="0" b="0"/>
+          </a:effectRef>
+          <a:fontRef idx="minor"/>
+        </p:style>
+        <p:txBody>
+          <a:bodyPr lIns="28080" tIns="28080" rIns="28080" bIns="28080"/>
+          <a:lstStyle/>
+          <a:p>
+            <a:pPr>
+              <a:lnSpc>
+                <a:spcPct val="100000"/>
+              </a:lnSpc>
+            </a:pPr>
+            <a:r>
+              <a:rPr lang="de-CH" sz="900" b="1" strike="noStrike" spc="-1" dirty="0">
+                <a:solidFill>
+                  <a:srgbClr val="000000"/>
+                </a:solidFill>
+                <a:uFill>
+                  <a:solidFill>
+                    <a:srgbClr val="FFFFFF"/>
+                  </a:solidFill>
+                </a:uFill>
+                <a:latin typeface="Arial"/>
+                <a:ea typeface="ヒラギノ角ゴ ProN W3"/>
+              </a:rPr>
+              <a:t>RV1 Projektplan</a:t>
+            </a:r>
+          </a:p>
+          <a:p>
+            <a:pPr>
+              <a:lnSpc>
+                <a:spcPct val="100000"/>
+              </a:lnSpc>
+            </a:pPr>
+            <a:r>
+              <a:rPr lang="de-CH" sz="900" spc="-1" dirty="0">
+                <a:solidFill>
+                  <a:srgbClr val="000000"/>
+                </a:solidFill>
+                <a:uFill>
+                  <a:solidFill>
+                    <a:srgbClr val="FFFFFF"/>
+                  </a:solidFill>
+                </a:uFill>
+                <a:latin typeface="Arial"/>
+              </a:rPr>
+              <a:t>09.03.2017</a:t>
+            </a:r>
+          </a:p>
+          <a:p>
+            <a:pPr>
+              <a:lnSpc>
+                <a:spcPct val="100000"/>
+              </a:lnSpc>
+            </a:pPr>
+            <a:r>
+              <a:rPr lang="de-CH" sz="900" spc="-1" dirty="0">
+                <a:solidFill>
+                  <a:srgbClr val="000000"/>
+                </a:solidFill>
+                <a:uFill>
+                  <a:solidFill>
+                    <a:srgbClr val="FFFFFF"/>
+                  </a:solidFill>
+                </a:uFill>
+                <a:latin typeface="Arial"/>
+              </a:rPr>
+              <a:t>Review Projektplan mit Zeitplan und aktuellen Iterationsplänen</a:t>
+            </a:r>
+            <a:endParaRPr lang="de-CH" sz="900" spc="-1" dirty="0">
+              <a:solidFill>
+                <a:srgbClr val="000000"/>
+              </a:solidFill>
+              <a:uFill>
+                <a:solidFill>
+                  <a:srgbClr val="FFFFFF"/>
+                </a:solidFill>
+              </a:uFill>
+              <a:latin typeface="Arial"/>
+            </a:endParaRPr>
+          </a:p>
+        </p:txBody>
+      </p:sp>
+      <p:sp>
+        <p:nvSpPr>
+          <p:cNvPr id="12" name="Line 71"/>
+          <p:cNvSpPr/>
+          <p:nvPr/>
+        </p:nvSpPr>
+        <p:spPr>
+          <a:xfrm rot="5400000">
+            <a:off x="1621736" y="1183141"/>
+            <a:ext cx="360" cy="1428840"/>
+          </a:xfrm>
+          <a:prstGeom prst="line">
+            <a:avLst/>
+          </a:prstGeom>
+          <a:ln w="38160">
+            <a:solidFill>
+              <a:srgbClr val="FF0000"/>
+            </a:solidFill>
+            <a:miter/>
+          </a:ln>
+        </p:spPr>
+        <p:style>
+          <a:lnRef idx="0">
+            <a:scrgbClr r="0" g="0" b="0"/>
+          </a:lnRef>
+          <a:fillRef idx="0">
+            <a:scrgbClr r="0" g="0" b="0"/>
+          </a:fillRef>
+          <a:effectRef idx="0">
+            <a:scrgbClr r="0" g="0" b="0"/>
+          </a:effectRef>
+          <a:fontRef idx="minor"/>
+        </p:style>
+      </p:sp>
+      <p:sp>
+        <p:nvSpPr>
+          <p:cNvPr id="13" name="CustomShape 37"/>
+          <p:cNvSpPr/>
+          <p:nvPr/>
+        </p:nvSpPr>
+        <p:spPr>
+          <a:xfrm rot="5400000">
+            <a:off x="834478" y="1840915"/>
+            <a:ext cx="144720" cy="135000"/>
+          </a:xfrm>
+          <a:prstGeom prst="ellipse">
+            <a:avLst/>
+          </a:prstGeom>
+          <a:solidFill>
+            <a:srgbClr val="FF0000"/>
+          </a:solidFill>
+          <a:ln w="25560">
+            <a:noFill/>
+          </a:ln>
+        </p:spPr>
+        <p:style>
+          <a:lnRef idx="0">
+            <a:scrgbClr r="0" g="0" b="0"/>
+          </a:lnRef>
+          <a:fillRef idx="0">
+            <a:scrgbClr r="0" g="0" b="0"/>
+          </a:fillRef>
+          <a:effectRef idx="0">
+            <a:scrgbClr r="0" g="0" b="0"/>
+          </a:effectRef>
+          <a:fontRef idx="minor"/>
+        </p:style>
+      </p:sp>
+      <p:sp>
+        <p:nvSpPr>
+          <p:cNvPr id="14" name="Line 71"/>
+          <p:cNvSpPr/>
+          <p:nvPr/>
+        </p:nvSpPr>
+        <p:spPr>
+          <a:xfrm rot="5400000">
+            <a:off x="1621016" y="1683409"/>
+            <a:ext cx="360" cy="1428840"/>
+          </a:xfrm>
+          <a:prstGeom prst="line">
+            <a:avLst/>
+          </a:prstGeom>
+          <a:ln w="38160">
+            <a:solidFill>
+              <a:schemeClr val="accent1"/>
+            </a:solidFill>
+            <a:miter/>
+          </a:ln>
+        </p:spPr>
+        <p:style>
+          <a:lnRef idx="0">
+            <a:scrgbClr r="0" g="0" b="0"/>
+          </a:lnRef>
+          <a:fillRef idx="0">
+            <a:scrgbClr r="0" g="0" b="0"/>
+          </a:fillRef>
+          <a:effectRef idx="0">
+            <a:scrgbClr r="0" g="0" b="0"/>
+          </a:effectRef>
+          <a:fontRef idx="minor"/>
+        </p:style>
+      </p:sp>
+      <p:sp>
+        <p:nvSpPr>
+          <p:cNvPr id="15" name="CustomShape 37"/>
+          <p:cNvSpPr/>
+          <p:nvPr/>
+        </p:nvSpPr>
+        <p:spPr>
+          <a:xfrm rot="5400000">
+            <a:off x="836216" y="2341181"/>
+            <a:ext cx="144720" cy="135000"/>
+          </a:xfrm>
+          <a:prstGeom prst="ellipse">
+            <a:avLst/>
+          </a:prstGeom>
+          <a:solidFill>
+            <a:schemeClr val="accent1"/>
+          </a:solidFill>
+          <a:ln w="25560">
+            <a:noFill/>
+          </a:ln>
+        </p:spPr>
+        <p:style>
+          <a:lnRef idx="0">
+            <a:scrgbClr r="0" g="0" b="0"/>
+          </a:lnRef>
+          <a:fillRef idx="0">
+            <a:scrgbClr r="0" g="0" b="0"/>
+          </a:fillRef>
+          <a:effectRef idx="0">
+            <a:scrgbClr r="0" g="0" b="0"/>
+          </a:effectRef>
+          <a:fontRef idx="minor"/>
+        </p:style>
+      </p:sp>
+      <p:sp>
+        <p:nvSpPr>
+          <p:cNvPr id="16" name="Line 71"/>
+          <p:cNvSpPr/>
+          <p:nvPr/>
+        </p:nvSpPr>
+        <p:spPr>
+          <a:xfrm rot="5400000">
+            <a:off x="1621016" y="2185396"/>
+            <a:ext cx="360" cy="1428840"/>
+          </a:xfrm>
+          <a:prstGeom prst="line">
+            <a:avLst/>
+          </a:prstGeom>
+          <a:ln w="38160">
+            <a:solidFill>
+              <a:srgbClr val="FF0000"/>
+            </a:solidFill>
+            <a:miter/>
+          </a:ln>
+        </p:spPr>
+        <p:style>
+          <a:lnRef idx="0">
+            <a:scrgbClr r="0" g="0" b="0"/>
+          </a:lnRef>
+          <a:fillRef idx="0">
+            <a:scrgbClr r="0" g="0" b="0"/>
+          </a:fillRef>
+          <a:effectRef idx="0">
+            <a:scrgbClr r="0" g="0" b="0"/>
+          </a:effectRef>
+          <a:fontRef idx="minor"/>
+        </p:style>
+      </p:sp>
+      <p:sp>
+        <p:nvSpPr>
+          <p:cNvPr id="17" name="CustomShape 37"/>
+          <p:cNvSpPr/>
+          <p:nvPr/>
+        </p:nvSpPr>
+        <p:spPr>
+          <a:xfrm rot="5400000">
+            <a:off x="836216" y="2836996"/>
+            <a:ext cx="144720" cy="135000"/>
+          </a:xfrm>
+          <a:prstGeom prst="ellipse">
+            <a:avLst/>
+          </a:prstGeom>
+          <a:solidFill>
+            <a:srgbClr val="FF0000"/>
+          </a:solidFill>
+          <a:ln w="25560">
+            <a:noFill/>
+          </a:ln>
+        </p:spPr>
+        <p:style>
+          <a:lnRef idx="0">
+            <a:scrgbClr r="0" g="0" b="0"/>
+          </a:lnRef>
+          <a:fillRef idx="0">
+            <a:scrgbClr r="0" g="0" b="0"/>
+          </a:fillRef>
+          <a:effectRef idx="0">
+            <a:scrgbClr r="0" g="0" b="0"/>
+          </a:effectRef>
+          <a:fontRef idx="minor"/>
+        </p:style>
+      </p:sp>
+      <p:sp>
+        <p:nvSpPr>
+          <p:cNvPr id="18" name="Line 71"/>
+          <p:cNvSpPr/>
+          <p:nvPr/>
+        </p:nvSpPr>
+        <p:spPr>
+          <a:xfrm rot="5400000">
+            <a:off x="1621736" y="2692904"/>
+            <a:ext cx="360" cy="1428840"/>
+          </a:xfrm>
+          <a:prstGeom prst="line">
+            <a:avLst/>
+          </a:prstGeom>
+          <a:ln w="38160">
+            <a:solidFill>
+              <a:srgbClr val="FF0000"/>
+            </a:solidFill>
+            <a:miter/>
+          </a:ln>
+        </p:spPr>
+        <p:style>
+          <a:lnRef idx="0">
+            <a:scrgbClr r="0" g="0" b="0"/>
+          </a:lnRef>
+          <a:fillRef idx="0">
+            <a:scrgbClr r="0" g="0" b="0"/>
+          </a:fillRef>
+          <a:effectRef idx="0">
+            <a:scrgbClr r="0" g="0" b="0"/>
+          </a:effectRef>
+          <a:fontRef idx="minor"/>
+        </p:style>
+      </p:sp>
+      <p:sp>
+        <p:nvSpPr>
+          <p:cNvPr id="19" name="CustomShape 37"/>
+          <p:cNvSpPr/>
+          <p:nvPr/>
+        </p:nvSpPr>
+        <p:spPr>
+          <a:xfrm rot="5400000">
+            <a:off x="834478" y="3350678"/>
+            <a:ext cx="144720" cy="135000"/>
+          </a:xfrm>
+          <a:prstGeom prst="ellipse">
+            <a:avLst/>
+          </a:prstGeom>
+          <a:solidFill>
+            <a:srgbClr val="FF0000"/>
+          </a:solidFill>
+          <a:ln w="25560">
+            <a:noFill/>
+          </a:ln>
+        </p:spPr>
+        <p:style>
+          <a:lnRef idx="0">
+            <a:scrgbClr r="0" g="0" b="0"/>
+          </a:lnRef>
+          <a:fillRef idx="0">
+            <a:scrgbClr r="0" g="0" b="0"/>
+          </a:fillRef>
+          <a:effectRef idx="0">
+            <a:scrgbClr r="0" g="0" b="0"/>
+          </a:effectRef>
+          <a:fontRef idx="minor"/>
+        </p:style>
+      </p:sp>
+      <p:sp>
+        <p:nvSpPr>
+          <p:cNvPr id="20" name="Line 71"/>
+          <p:cNvSpPr/>
+          <p:nvPr/>
+        </p:nvSpPr>
+        <p:spPr>
+          <a:xfrm rot="5400000">
+            <a:off x="1621016" y="4195225"/>
+            <a:ext cx="360" cy="1428840"/>
+          </a:xfrm>
+          <a:prstGeom prst="line">
+            <a:avLst/>
+          </a:prstGeom>
+          <a:ln w="38160">
+            <a:solidFill>
+              <a:schemeClr val="accent1"/>
+            </a:solidFill>
+            <a:miter/>
+          </a:ln>
+        </p:spPr>
+        <p:style>
+          <a:lnRef idx="0">
+            <a:scrgbClr r="0" g="0" b="0"/>
+          </a:lnRef>
+          <a:fillRef idx="0">
+            <a:scrgbClr r="0" g="0" b="0"/>
+          </a:fillRef>
+          <a:effectRef idx="0">
+            <a:scrgbClr r="0" g="0" b="0"/>
+          </a:effectRef>
+          <a:fontRef idx="minor"/>
+        </p:style>
+      </p:sp>
+      <p:sp>
+        <p:nvSpPr>
+          <p:cNvPr id="21" name="CustomShape 37"/>
+          <p:cNvSpPr/>
+          <p:nvPr/>
+        </p:nvSpPr>
+        <p:spPr>
+          <a:xfrm rot="5400000">
+            <a:off x="836216" y="3850944"/>
+            <a:ext cx="144720" cy="135000"/>
+          </a:xfrm>
+          <a:prstGeom prst="ellipse">
+            <a:avLst/>
+          </a:prstGeom>
+          <a:solidFill>
+            <a:schemeClr val="accent1"/>
+          </a:solidFill>
+          <a:ln w="25560">
+            <a:noFill/>
+          </a:ln>
+        </p:spPr>
+        <p:style>
+          <a:lnRef idx="0">
+            <a:scrgbClr r="0" g="0" b="0"/>
+          </a:lnRef>
+          <a:fillRef idx="0">
+            <a:scrgbClr r="0" g="0" b="0"/>
+          </a:fillRef>
+          <a:effectRef idx="0">
+            <a:scrgbClr r="0" g="0" b="0"/>
+          </a:effectRef>
+          <a:fontRef idx="minor"/>
+        </p:style>
+      </p:sp>
+      <p:sp>
+        <p:nvSpPr>
+          <p:cNvPr id="22" name="Line 71"/>
+          <p:cNvSpPr/>
+          <p:nvPr/>
+        </p:nvSpPr>
+        <p:spPr>
+          <a:xfrm rot="5400000">
+            <a:off x="1621016" y="4697212"/>
+            <a:ext cx="360" cy="1428840"/>
+          </a:xfrm>
+          <a:prstGeom prst="line">
+            <a:avLst/>
+          </a:prstGeom>
+          <a:ln w="38160">
+            <a:solidFill>
+              <a:schemeClr val="accent1"/>
+            </a:solidFill>
+            <a:miter/>
+          </a:ln>
+        </p:spPr>
+        <p:style>
+          <a:lnRef idx="0">
+            <a:scrgbClr r="0" g="0" b="0"/>
+          </a:lnRef>
+          <a:fillRef idx="0">
+            <a:scrgbClr r="0" g="0" b="0"/>
+          </a:fillRef>
+          <a:effectRef idx="0">
+            <a:scrgbClr r="0" g="0" b="0"/>
+          </a:effectRef>
+          <a:fontRef idx="minor"/>
+        </p:style>
+      </p:sp>
+      <p:sp>
+        <p:nvSpPr>
+          <p:cNvPr id="23" name="CustomShape 37"/>
+          <p:cNvSpPr/>
+          <p:nvPr/>
+        </p:nvSpPr>
+        <p:spPr>
+          <a:xfrm rot="5400000">
+            <a:off x="836216" y="4346759"/>
+            <a:ext cx="144720" cy="135000"/>
+          </a:xfrm>
+          <a:prstGeom prst="ellipse">
+            <a:avLst/>
+          </a:prstGeom>
+          <a:solidFill>
+            <a:schemeClr val="accent1"/>
+          </a:solidFill>
+          <a:ln w="25560">
+            <a:noFill/>
+          </a:ln>
+        </p:spPr>
+        <p:style>
+          <a:lnRef idx="0">
+            <a:scrgbClr r="0" g="0" b="0"/>
+          </a:lnRef>
+          <a:fillRef idx="0">
+            <a:scrgbClr r="0" g="0" b="0"/>
+          </a:fillRef>
+          <a:effectRef idx="0">
+            <a:scrgbClr r="0" g="0" b="0"/>
+          </a:effectRef>
+          <a:fontRef idx="minor"/>
+        </p:style>
+      </p:sp>
+      <p:sp>
+        <p:nvSpPr>
+          <p:cNvPr id="24" name="Line 71"/>
+          <p:cNvSpPr/>
+          <p:nvPr/>
+        </p:nvSpPr>
+        <p:spPr>
+          <a:xfrm rot="5400000">
+            <a:off x="1621736" y="5186487"/>
+            <a:ext cx="360" cy="1428840"/>
+          </a:xfrm>
+          <a:prstGeom prst="line">
+            <a:avLst/>
+          </a:prstGeom>
+          <a:ln w="38160">
+            <a:solidFill>
+              <a:srgbClr val="FF0000"/>
+            </a:solidFill>
+            <a:miter/>
+          </a:ln>
+        </p:spPr>
+        <p:style>
+          <a:lnRef idx="0">
+            <a:scrgbClr r="0" g="0" b="0"/>
+          </a:lnRef>
+          <a:fillRef idx="0">
+            <a:scrgbClr r="0" g="0" b="0"/>
+          </a:fillRef>
+          <a:effectRef idx="0">
+            <a:scrgbClr r="0" g="0" b="0"/>
+          </a:effectRef>
+          <a:fontRef idx="minor"/>
+        </p:style>
+      </p:sp>
+      <p:sp>
+        <p:nvSpPr>
+          <p:cNvPr id="25" name="CustomShape 37"/>
+          <p:cNvSpPr/>
+          <p:nvPr/>
+        </p:nvSpPr>
+        <p:spPr>
+          <a:xfrm rot="5400000">
+            <a:off x="834478" y="5840428"/>
+            <a:ext cx="144720" cy="135000"/>
+          </a:xfrm>
+          <a:prstGeom prst="ellipse">
+            <a:avLst/>
+          </a:prstGeom>
+          <a:solidFill>
+            <a:srgbClr val="FF0000"/>
+          </a:solidFill>
+          <a:ln w="25560">
+            <a:noFill/>
+          </a:ln>
+        </p:spPr>
+        <p:style>
+          <a:lnRef idx="0">
+            <a:scrgbClr r="0" g="0" b="0"/>
+          </a:lnRef>
+          <a:fillRef idx="0">
+            <a:scrgbClr r="0" g="0" b="0"/>
+          </a:fillRef>
+          <a:effectRef idx="0">
+            <a:scrgbClr r="0" g="0" b="0"/>
+          </a:effectRef>
+          <a:fontRef idx="minor"/>
+        </p:style>
+      </p:sp>
+      <p:sp>
+        <p:nvSpPr>
+          <p:cNvPr id="30" name="CustomShape 72"/>
+          <p:cNvSpPr/>
+          <p:nvPr/>
+        </p:nvSpPr>
+        <p:spPr>
+          <a:xfrm>
+            <a:off x="2359248" y="1836055"/>
+            <a:ext cx="3973458" cy="410887"/>
+          </a:xfrm>
+          <a:prstGeom prst="rect">
+            <a:avLst/>
+          </a:prstGeom>
+          <a:noFill/>
+          <a:ln>
+            <a:noFill/>
+          </a:ln>
+        </p:spPr>
+        <p:style>
+          <a:lnRef idx="0">
+            <a:scrgbClr r="0" g="0" b="0"/>
+          </a:lnRef>
+          <a:fillRef idx="0">
+            <a:scrgbClr r="0" g="0" b="0"/>
+          </a:fillRef>
+          <a:effectRef idx="0">
+            <a:scrgbClr r="0" g="0" b="0"/>
+          </a:effectRef>
+          <a:fontRef idx="minor"/>
+        </p:style>
+        <p:txBody>
+          <a:bodyPr lIns="28080" tIns="28080" rIns="28080" bIns="28080"/>
+          <a:lstStyle/>
+          <a:p>
+            <a:pPr>
+              <a:lnSpc>
+                <a:spcPct val="100000"/>
+              </a:lnSpc>
+            </a:pPr>
+            <a:r>
+              <a:rPr lang="de-CH" sz="900" b="1" strike="noStrike" spc="-1" dirty="0">
+                <a:solidFill>
+                  <a:srgbClr val="000000"/>
+                </a:solidFill>
+                <a:uFill>
+                  <a:solidFill>
+                    <a:srgbClr val="FFFFFF"/>
+                  </a:solidFill>
+                </a:uFill>
+                <a:latin typeface="Arial"/>
+                <a:ea typeface="ヒラギノ角ゴ ProN W3"/>
+              </a:rPr>
+              <a:t>RV2 Anforderung und Analyse</a:t>
+            </a:r>
+          </a:p>
+          <a:p>
+            <a:pPr>
+              <a:lnSpc>
+                <a:spcPct val="100000"/>
+              </a:lnSpc>
+            </a:pPr>
+            <a:r>
+              <a:rPr lang="de-CH" sz="900" spc="-1" dirty="0">
+                <a:solidFill>
+                  <a:srgbClr val="000000"/>
+                </a:solidFill>
+                <a:uFill>
+                  <a:solidFill>
+                    <a:srgbClr val="FFFFFF"/>
+                  </a:solidFill>
+                </a:uFill>
+                <a:latin typeface="Arial"/>
+              </a:rPr>
+              <a:t>23.03.2017</a:t>
+            </a:r>
+          </a:p>
+          <a:p>
+            <a:pPr>
+              <a:lnSpc>
+                <a:spcPct val="100000"/>
+              </a:lnSpc>
+            </a:pPr>
+            <a:r>
+              <a:rPr lang="de-CH" sz="900" spc="-1" dirty="0">
+                <a:solidFill>
+                  <a:srgbClr val="000000"/>
+                </a:solidFill>
+                <a:uFill>
+                  <a:solidFill>
+                    <a:srgbClr val="FFFFFF"/>
+                  </a:solidFill>
+                </a:uFill>
+                <a:latin typeface="Arial"/>
+              </a:rPr>
+              <a:t>Review der Anforderungsspezifikation und der Domainanalyse</a:t>
+            </a:r>
+            <a:endParaRPr lang="de-CH" sz="900" spc="-1" dirty="0">
+              <a:solidFill>
+                <a:srgbClr val="000000"/>
+              </a:solidFill>
+              <a:uFill>
+                <a:solidFill>
+                  <a:srgbClr val="FFFFFF"/>
+                </a:solidFill>
+              </a:uFill>
+              <a:latin typeface="Arial"/>
+            </a:endParaRPr>
+          </a:p>
+        </p:txBody>
+      </p:sp>
+      <p:sp>
+        <p:nvSpPr>
+          <p:cNvPr id="31" name="CustomShape 72"/>
+          <p:cNvSpPr/>
+          <p:nvPr/>
+        </p:nvSpPr>
+        <p:spPr>
+          <a:xfrm>
+            <a:off x="2359247" y="2331870"/>
+            <a:ext cx="4498753" cy="410887"/>
+          </a:xfrm>
+          <a:prstGeom prst="rect">
+            <a:avLst/>
+          </a:prstGeom>
+          <a:noFill/>
+          <a:ln>
+            <a:noFill/>
+          </a:ln>
+        </p:spPr>
+        <p:style>
+          <a:lnRef idx="0">
+            <a:scrgbClr r="0" g="0" b="0"/>
+          </a:lnRef>
+          <a:fillRef idx="0">
+            <a:scrgbClr r="0" g="0" b="0"/>
+          </a:fillRef>
+          <a:effectRef idx="0">
+            <a:scrgbClr r="0" g="0" b="0"/>
+          </a:effectRef>
+          <a:fontRef idx="minor"/>
+        </p:style>
+        <p:txBody>
+          <a:bodyPr lIns="28080" tIns="28080" rIns="28080" bIns="28080"/>
+          <a:lstStyle/>
+          <a:p>
+            <a:pPr>
+              <a:lnSpc>
+                <a:spcPct val="100000"/>
+              </a:lnSpc>
+            </a:pPr>
+            <a:r>
+              <a:rPr lang="de-CH" sz="900" b="1" strike="noStrike" spc="-1" dirty="0">
+                <a:solidFill>
+                  <a:srgbClr val="000000"/>
+                </a:solidFill>
+                <a:uFill>
+                  <a:solidFill>
+                    <a:srgbClr val="FFFFFF"/>
+                  </a:solidFill>
+                </a:uFill>
+                <a:latin typeface="Arial"/>
+                <a:ea typeface="ヒラギノ角ゴ ProN W3"/>
+              </a:rPr>
+              <a:t>MS Elaboration</a:t>
+            </a:r>
+          </a:p>
+          <a:p>
+            <a:pPr>
+              <a:lnSpc>
+                <a:spcPct val="100000"/>
+              </a:lnSpc>
+            </a:pPr>
+            <a:r>
+              <a:rPr lang="de-CH" sz="900" spc="-1" dirty="0">
+                <a:solidFill>
+                  <a:srgbClr val="000000"/>
+                </a:solidFill>
+                <a:uFill>
+                  <a:solidFill>
+                    <a:srgbClr val="FFFFFF"/>
+                  </a:solidFill>
+                </a:uFill>
+                <a:latin typeface="Arial"/>
+              </a:rPr>
+              <a:t>30.03.2017</a:t>
+            </a:r>
+          </a:p>
+          <a:p>
+            <a:pPr>
+              <a:lnSpc>
+                <a:spcPct val="100000"/>
+              </a:lnSpc>
+            </a:pPr>
+            <a:r>
+              <a:rPr lang="de-CH" sz="900" spc="-1" dirty="0" err="1">
+                <a:solidFill>
+                  <a:srgbClr val="000000"/>
+                </a:solidFill>
+                <a:uFill>
+                  <a:solidFill>
+                    <a:srgbClr val="FFFFFF"/>
+                  </a:solidFill>
+                </a:uFill>
+                <a:latin typeface="Arial"/>
+              </a:rPr>
+              <a:t>Use</a:t>
+            </a:r>
+            <a:r>
+              <a:rPr lang="de-CH" sz="900" spc="-1" dirty="0">
+                <a:solidFill>
+                  <a:srgbClr val="000000"/>
+                </a:solidFill>
+                <a:uFill>
+                  <a:solidFill>
+                    <a:srgbClr val="FFFFFF"/>
+                  </a:solidFill>
+                </a:uFill>
+                <a:latin typeface="Arial"/>
+              </a:rPr>
+              <a:t> Cases, Domain Modell, Architektur, Infrastruktur steht, Prototyp Backend/Frontend</a:t>
+            </a:r>
+          </a:p>
+        </p:txBody>
+      </p:sp>
+      <p:sp>
+        <p:nvSpPr>
+          <p:cNvPr id="32" name="CustomShape 72"/>
+          <p:cNvSpPr/>
+          <p:nvPr/>
+        </p:nvSpPr>
+        <p:spPr>
+          <a:xfrm>
+            <a:off x="2359248" y="2837181"/>
+            <a:ext cx="4498752" cy="410887"/>
+          </a:xfrm>
+          <a:prstGeom prst="rect">
+            <a:avLst/>
+          </a:prstGeom>
+          <a:noFill/>
+          <a:ln>
+            <a:noFill/>
+          </a:ln>
+        </p:spPr>
+        <p:style>
+          <a:lnRef idx="0">
+            <a:scrgbClr r="0" g="0" b="0"/>
+          </a:lnRef>
+          <a:fillRef idx="0">
+            <a:scrgbClr r="0" g="0" b="0"/>
+          </a:fillRef>
+          <a:effectRef idx="0">
+            <a:scrgbClr r="0" g="0" b="0"/>
+          </a:effectRef>
+          <a:fontRef idx="minor"/>
+        </p:style>
+        <p:txBody>
+          <a:bodyPr lIns="28080" tIns="28080" rIns="28080" bIns="28080"/>
+          <a:lstStyle/>
+          <a:p>
+            <a:pPr>
+              <a:lnSpc>
+                <a:spcPct val="100000"/>
+              </a:lnSpc>
+            </a:pPr>
+            <a:r>
+              <a:rPr lang="de-CH" sz="900" b="1" strike="noStrike" spc="-1" dirty="0">
+                <a:solidFill>
+                  <a:srgbClr val="000000"/>
+                </a:solidFill>
+                <a:uFill>
+                  <a:solidFill>
+                    <a:srgbClr val="FFFFFF"/>
+                  </a:solidFill>
+                </a:uFill>
+                <a:latin typeface="Arial"/>
+                <a:ea typeface="ヒラギノ角ゴ ProN W3"/>
+              </a:rPr>
+              <a:t>RV3 Ende Elaboration</a:t>
+            </a:r>
+          </a:p>
+          <a:p>
+            <a:pPr>
+              <a:lnSpc>
+                <a:spcPct val="100000"/>
+              </a:lnSpc>
+            </a:pPr>
+            <a:r>
+              <a:rPr lang="de-CH" sz="900" spc="-1" dirty="0">
+                <a:solidFill>
+                  <a:srgbClr val="000000"/>
+                </a:solidFill>
+                <a:uFill>
+                  <a:solidFill>
+                    <a:srgbClr val="FFFFFF"/>
+                  </a:solidFill>
+                </a:uFill>
+                <a:latin typeface="Arial"/>
+              </a:rPr>
+              <a:t>06.04.2017</a:t>
+            </a:r>
+          </a:p>
+          <a:p>
+            <a:pPr>
+              <a:lnSpc>
+                <a:spcPct val="100000"/>
+              </a:lnSpc>
+            </a:pPr>
+            <a:r>
+              <a:rPr lang="de-CH" sz="900" spc="-1" dirty="0">
+                <a:solidFill>
+                  <a:srgbClr val="000000"/>
+                </a:solidFill>
+                <a:uFill>
+                  <a:solidFill>
+                    <a:srgbClr val="FFFFFF"/>
+                  </a:solidFill>
+                </a:uFill>
+                <a:latin typeface="Arial"/>
+              </a:rPr>
+              <a:t>Zwischenpräsentation mit Demo eines Architekturprototypen, Review</a:t>
+            </a:r>
+            <a:endParaRPr lang="de-CH" sz="900" spc="-1" dirty="0">
+              <a:solidFill>
+                <a:srgbClr val="000000"/>
+              </a:solidFill>
+              <a:uFill>
+                <a:solidFill>
+                  <a:srgbClr val="FFFFFF"/>
+                </a:solidFill>
+              </a:uFill>
+              <a:latin typeface="Arial"/>
+            </a:endParaRPr>
+          </a:p>
+        </p:txBody>
+      </p:sp>
+      <p:sp>
+        <p:nvSpPr>
+          <p:cNvPr id="33" name="CustomShape 72"/>
+          <p:cNvSpPr/>
+          <p:nvPr/>
+        </p:nvSpPr>
+        <p:spPr>
+          <a:xfrm>
+            <a:off x="2359248" y="3341051"/>
+            <a:ext cx="3739994" cy="410887"/>
+          </a:xfrm>
+          <a:prstGeom prst="rect">
+            <a:avLst/>
+          </a:prstGeom>
+          <a:noFill/>
+          <a:ln>
+            <a:noFill/>
+          </a:ln>
+        </p:spPr>
+        <p:style>
+          <a:lnRef idx="0">
+            <a:scrgbClr r="0" g="0" b="0"/>
+          </a:lnRef>
+          <a:fillRef idx="0">
+            <a:scrgbClr r="0" g="0" b="0"/>
+          </a:fillRef>
+          <a:effectRef idx="0">
+            <a:scrgbClr r="0" g="0" b="0"/>
+          </a:effectRef>
+          <a:fontRef idx="minor"/>
+        </p:style>
+        <p:txBody>
+          <a:bodyPr lIns="28080" tIns="28080" rIns="28080" bIns="28080"/>
+          <a:lstStyle/>
+          <a:p>
+            <a:pPr>
+              <a:lnSpc>
+                <a:spcPct val="100000"/>
+              </a:lnSpc>
+            </a:pPr>
+            <a:r>
+              <a:rPr lang="de-CH" sz="900" b="1" spc="-1" dirty="0">
+                <a:solidFill>
+                  <a:srgbClr val="000000"/>
+                </a:solidFill>
+                <a:uFill>
+                  <a:solidFill>
+                    <a:srgbClr val="FFFFFF"/>
+                  </a:solidFill>
+                </a:uFill>
+                <a:latin typeface="Arial"/>
+                <a:ea typeface="ヒラギノ角ゴ ProN W3"/>
+              </a:rPr>
+              <a:t>RV4 Architektur/Design</a:t>
+            </a:r>
+            <a:endParaRPr lang="de-CH" sz="900" b="1" strike="noStrike" spc="-1" dirty="0">
+              <a:solidFill>
+                <a:srgbClr val="000000"/>
+              </a:solidFill>
+              <a:uFill>
+                <a:solidFill>
+                  <a:srgbClr val="FFFFFF"/>
+                </a:solidFill>
+              </a:uFill>
+              <a:latin typeface="Arial"/>
+              <a:ea typeface="ヒラギノ角ゴ ProN W3"/>
+            </a:endParaRPr>
+          </a:p>
+          <a:p>
+            <a:pPr>
+              <a:lnSpc>
+                <a:spcPct val="100000"/>
+              </a:lnSpc>
+            </a:pPr>
+            <a:r>
+              <a:rPr lang="de-CH" sz="900" spc="-1" dirty="0">
+                <a:solidFill>
+                  <a:srgbClr val="000000"/>
+                </a:solidFill>
+                <a:uFill>
+                  <a:solidFill>
+                    <a:srgbClr val="FFFFFF"/>
+                  </a:solidFill>
+                </a:uFill>
+                <a:latin typeface="Arial"/>
+              </a:rPr>
+              <a:t>20.03.2017</a:t>
+            </a:r>
+          </a:p>
+          <a:p>
+            <a:pPr>
+              <a:lnSpc>
+                <a:spcPct val="100000"/>
+              </a:lnSpc>
+            </a:pPr>
+            <a:r>
+              <a:rPr lang="de-CH" sz="900" spc="-1" dirty="0">
+                <a:solidFill>
+                  <a:srgbClr val="000000"/>
+                </a:solidFill>
+                <a:uFill>
+                  <a:solidFill>
+                    <a:srgbClr val="FFFFFF"/>
+                  </a:solidFill>
+                </a:uFill>
+                <a:latin typeface="Arial"/>
+              </a:rPr>
+              <a:t>Review von Architektur/Design und </a:t>
+            </a:r>
+            <a:r>
+              <a:rPr lang="de-CH" sz="900" spc="-1" dirty="0" err="1">
+                <a:solidFill>
+                  <a:srgbClr val="000000"/>
+                </a:solidFill>
+                <a:uFill>
+                  <a:solidFill>
+                    <a:srgbClr val="FFFFFF"/>
+                  </a:solidFill>
+                </a:uFill>
+                <a:latin typeface="Arial"/>
+              </a:rPr>
+              <a:t>Architekturdoku</a:t>
+            </a:r>
+            <a:endParaRPr lang="de-CH" sz="900" spc="-1" dirty="0">
+              <a:solidFill>
+                <a:srgbClr val="000000"/>
+              </a:solidFill>
+              <a:uFill>
+                <a:solidFill>
+                  <a:srgbClr val="FFFFFF"/>
+                </a:solidFill>
+              </a:uFill>
+              <a:latin typeface="Arial"/>
+            </a:endParaRPr>
+          </a:p>
+        </p:txBody>
+      </p:sp>
+      <p:sp>
+        <p:nvSpPr>
+          <p:cNvPr id="34" name="CustomShape 72"/>
+          <p:cNvSpPr/>
+          <p:nvPr/>
+        </p:nvSpPr>
+        <p:spPr>
+          <a:xfrm>
+            <a:off x="2359248" y="4846974"/>
+            <a:ext cx="2345714" cy="410887"/>
+          </a:xfrm>
+          <a:prstGeom prst="rect">
+            <a:avLst/>
+          </a:prstGeom>
+          <a:noFill/>
+          <a:ln>
+            <a:noFill/>
+          </a:ln>
+        </p:spPr>
+        <p:style>
+          <a:lnRef idx="0">
+            <a:scrgbClr r="0" g="0" b="0"/>
+          </a:lnRef>
+          <a:fillRef idx="0">
+            <a:scrgbClr r="0" g="0" b="0"/>
+          </a:fillRef>
+          <a:effectRef idx="0">
+            <a:scrgbClr r="0" g="0" b="0"/>
+          </a:effectRef>
+          <a:fontRef idx="minor"/>
+        </p:style>
+        <p:txBody>
+          <a:bodyPr lIns="28080" tIns="28080" rIns="28080" bIns="28080"/>
+          <a:lstStyle/>
+          <a:p>
+            <a:pPr>
+              <a:lnSpc>
+                <a:spcPct val="100000"/>
+              </a:lnSpc>
+            </a:pPr>
+            <a:r>
+              <a:rPr lang="de-CH" sz="900" b="1" spc="-1" dirty="0">
+                <a:solidFill>
+                  <a:srgbClr val="000000"/>
+                </a:solidFill>
+                <a:uFill>
+                  <a:solidFill>
+                    <a:srgbClr val="FFFFFF"/>
+                  </a:solidFill>
+                </a:uFill>
+                <a:latin typeface="Arial"/>
+                <a:ea typeface="ヒラギノ角ゴ ProN W3"/>
+              </a:rPr>
+              <a:t>MS Construction</a:t>
+            </a:r>
+            <a:endParaRPr lang="de-CH" sz="900" b="1" strike="noStrike" spc="-1" dirty="0">
+              <a:solidFill>
+                <a:srgbClr val="000000"/>
+              </a:solidFill>
+              <a:uFill>
+                <a:solidFill>
+                  <a:srgbClr val="FFFFFF"/>
+                </a:solidFill>
+              </a:uFill>
+              <a:latin typeface="Arial"/>
+              <a:ea typeface="ヒラギノ角ゴ ProN W3"/>
+            </a:endParaRPr>
+          </a:p>
+          <a:p>
+            <a:pPr>
+              <a:lnSpc>
+                <a:spcPct val="100000"/>
+              </a:lnSpc>
+            </a:pPr>
+            <a:r>
+              <a:rPr lang="de-CH" sz="900" spc="-1" dirty="0">
+                <a:solidFill>
+                  <a:srgbClr val="000000"/>
+                </a:solidFill>
+                <a:uFill>
+                  <a:solidFill>
+                    <a:srgbClr val="FFFFFF"/>
+                  </a:solidFill>
+                </a:uFill>
+                <a:latin typeface="Arial"/>
+              </a:rPr>
+              <a:t>25.05.2017</a:t>
+            </a:r>
+          </a:p>
+          <a:p>
+            <a:pPr>
+              <a:lnSpc>
+                <a:spcPct val="100000"/>
+              </a:lnSpc>
+            </a:pPr>
+            <a:r>
+              <a:rPr lang="de-CH" sz="900" spc="-1" dirty="0">
+                <a:solidFill>
+                  <a:srgbClr val="000000"/>
+                </a:solidFill>
+                <a:uFill>
+                  <a:solidFill>
+                    <a:srgbClr val="FFFFFF"/>
+                  </a:solidFill>
+                </a:uFill>
+                <a:latin typeface="Arial"/>
+              </a:rPr>
+              <a:t>Code </a:t>
+            </a:r>
+            <a:r>
+              <a:rPr lang="de-CH" sz="900" spc="-1" dirty="0" err="1">
+                <a:solidFill>
+                  <a:srgbClr val="000000"/>
+                </a:solidFill>
+                <a:uFill>
+                  <a:solidFill>
+                    <a:srgbClr val="FFFFFF"/>
+                  </a:solidFill>
+                </a:uFill>
+                <a:latin typeface="Arial"/>
+              </a:rPr>
+              <a:t>Freeze</a:t>
+            </a:r>
+            <a:endParaRPr lang="de-CH" sz="900" spc="-1" dirty="0">
+              <a:solidFill>
+                <a:srgbClr val="000000"/>
+              </a:solidFill>
+              <a:uFill>
+                <a:solidFill>
+                  <a:srgbClr val="FFFFFF"/>
+                </a:solidFill>
+              </a:uFill>
+              <a:latin typeface="Arial"/>
+            </a:endParaRPr>
+          </a:p>
+        </p:txBody>
+      </p:sp>
+      <p:sp>
+        <p:nvSpPr>
+          <p:cNvPr id="35" name="CustomShape 72"/>
+          <p:cNvSpPr/>
+          <p:nvPr/>
+        </p:nvSpPr>
+        <p:spPr>
+          <a:xfrm>
+            <a:off x="2359248" y="5343952"/>
+            <a:ext cx="2345714" cy="410887"/>
+          </a:xfrm>
+          <a:prstGeom prst="rect">
+            <a:avLst/>
+          </a:prstGeom>
+          <a:noFill/>
+          <a:ln>
+            <a:noFill/>
+          </a:ln>
+        </p:spPr>
+        <p:style>
+          <a:lnRef idx="0">
+            <a:scrgbClr r="0" g="0" b="0"/>
+          </a:lnRef>
+          <a:fillRef idx="0">
+            <a:scrgbClr r="0" g="0" b="0"/>
+          </a:fillRef>
+          <a:effectRef idx="0">
+            <a:scrgbClr r="0" g="0" b="0"/>
+          </a:effectRef>
+          <a:fontRef idx="minor"/>
+        </p:style>
+        <p:txBody>
+          <a:bodyPr lIns="28080" tIns="28080" rIns="28080" bIns="28080"/>
+          <a:lstStyle/>
+          <a:p>
+            <a:pPr>
+              <a:lnSpc>
+                <a:spcPct val="100000"/>
+              </a:lnSpc>
+            </a:pPr>
+            <a:r>
+              <a:rPr lang="de-CH" sz="900" b="1" strike="noStrike" spc="-1" dirty="0">
+                <a:solidFill>
+                  <a:srgbClr val="000000"/>
+                </a:solidFill>
+                <a:uFill>
+                  <a:solidFill>
+                    <a:srgbClr val="FFFFFF"/>
+                  </a:solidFill>
+                </a:uFill>
+                <a:latin typeface="Arial"/>
+                <a:ea typeface="ヒラギノ角ゴ ProN W3"/>
+              </a:rPr>
+              <a:t>MS Transition</a:t>
+            </a:r>
+          </a:p>
+          <a:p>
+            <a:pPr>
+              <a:lnSpc>
+                <a:spcPct val="100000"/>
+              </a:lnSpc>
+            </a:pPr>
+            <a:r>
+              <a:rPr lang="de-CH" sz="900" spc="-1" dirty="0">
+                <a:solidFill>
+                  <a:srgbClr val="000000"/>
+                </a:solidFill>
+                <a:uFill>
+                  <a:solidFill>
+                    <a:srgbClr val="FFFFFF"/>
+                  </a:solidFill>
+                </a:uFill>
+                <a:latin typeface="Arial"/>
+              </a:rPr>
+              <a:t>01.06.2017</a:t>
+            </a:r>
+          </a:p>
+          <a:p>
+            <a:pPr>
+              <a:lnSpc>
+                <a:spcPct val="100000"/>
+              </a:lnSpc>
+            </a:pPr>
+            <a:r>
+              <a:rPr lang="de-CH" sz="900" spc="-1" dirty="0">
+                <a:solidFill>
+                  <a:srgbClr val="000000"/>
+                </a:solidFill>
+                <a:uFill>
+                  <a:solidFill>
+                    <a:srgbClr val="FFFFFF"/>
+                  </a:solidFill>
+                </a:uFill>
+                <a:latin typeface="Arial"/>
+              </a:rPr>
+              <a:t>Clean-</a:t>
+            </a:r>
+            <a:r>
+              <a:rPr lang="de-CH" sz="900" spc="-1" dirty="0" err="1">
+                <a:solidFill>
+                  <a:srgbClr val="000000"/>
+                </a:solidFill>
+                <a:uFill>
+                  <a:solidFill>
+                    <a:srgbClr val="FFFFFF"/>
+                  </a:solidFill>
+                </a:uFill>
+                <a:latin typeface="Arial"/>
+              </a:rPr>
+              <a:t>up</a:t>
+            </a:r>
+            <a:r>
+              <a:rPr lang="de-CH" sz="900" spc="-1" dirty="0">
+                <a:solidFill>
+                  <a:srgbClr val="000000"/>
+                </a:solidFill>
+                <a:uFill>
+                  <a:solidFill>
+                    <a:srgbClr val="FFFFFF"/>
+                  </a:solidFill>
+                </a:uFill>
+                <a:latin typeface="Arial"/>
+              </a:rPr>
+              <a:t>, Arbeiten </a:t>
+            </a:r>
+            <a:r>
+              <a:rPr lang="de-CH" sz="900" spc="-1" dirty="0" err="1">
+                <a:solidFill>
+                  <a:srgbClr val="000000"/>
+                </a:solidFill>
+                <a:uFill>
+                  <a:solidFill>
+                    <a:srgbClr val="FFFFFF"/>
+                  </a:solidFill>
+                </a:uFill>
+                <a:latin typeface="Arial"/>
+              </a:rPr>
+              <a:t>abgschliessen</a:t>
+            </a:r>
+            <a:endParaRPr lang="de-CH" sz="900" spc="-1" dirty="0">
+              <a:solidFill>
+                <a:srgbClr val="000000"/>
+              </a:solidFill>
+              <a:uFill>
+                <a:solidFill>
+                  <a:srgbClr val="FFFFFF"/>
+                </a:solidFill>
+              </a:uFill>
+              <a:latin typeface="Arial"/>
+            </a:endParaRPr>
+          </a:p>
+        </p:txBody>
+      </p:sp>
+      <p:sp>
+        <p:nvSpPr>
+          <p:cNvPr id="36" name="CustomShape 72"/>
+          <p:cNvSpPr/>
+          <p:nvPr/>
+        </p:nvSpPr>
+        <p:spPr>
+          <a:xfrm>
+            <a:off x="2359248" y="5839401"/>
+            <a:ext cx="2345714" cy="410887"/>
+          </a:xfrm>
+          <a:prstGeom prst="rect">
+            <a:avLst/>
+          </a:prstGeom>
+          <a:noFill/>
+          <a:ln>
+            <a:noFill/>
+          </a:ln>
+        </p:spPr>
+        <p:style>
+          <a:lnRef idx="0">
+            <a:scrgbClr r="0" g="0" b="0"/>
+          </a:lnRef>
+          <a:fillRef idx="0">
+            <a:scrgbClr r="0" g="0" b="0"/>
+          </a:fillRef>
+          <a:effectRef idx="0">
+            <a:scrgbClr r="0" g="0" b="0"/>
+          </a:effectRef>
+          <a:fontRef idx="minor"/>
+        </p:style>
+        <p:txBody>
+          <a:bodyPr lIns="28080" tIns="28080" rIns="28080" bIns="28080"/>
+          <a:lstStyle/>
+          <a:p>
+            <a:pPr>
+              <a:lnSpc>
+                <a:spcPct val="100000"/>
+              </a:lnSpc>
+            </a:pPr>
+            <a:r>
+              <a:rPr lang="de-CH" sz="900" b="1" strike="noStrike" spc="-1" dirty="0">
+                <a:solidFill>
+                  <a:srgbClr val="000000"/>
+                </a:solidFill>
+                <a:uFill>
+                  <a:solidFill>
+                    <a:srgbClr val="FFFFFF"/>
+                  </a:solidFill>
+                </a:uFill>
+                <a:latin typeface="Arial"/>
+                <a:ea typeface="ヒラギノ角ゴ ProN W3"/>
+              </a:rPr>
+              <a:t>Schlusspräsentation/-abgabe</a:t>
+            </a:r>
+          </a:p>
+          <a:p>
+            <a:r>
+              <a:rPr lang="de-CH" sz="900" spc="-1" dirty="0">
+                <a:solidFill>
+                  <a:srgbClr val="000000"/>
+                </a:solidFill>
+                <a:uFill>
+                  <a:solidFill>
+                    <a:srgbClr val="FFFFFF"/>
+                  </a:solidFill>
+                </a:uFill>
+                <a:latin typeface="Arial"/>
+              </a:rPr>
+              <a:t>02.06.2017</a:t>
+            </a:r>
+          </a:p>
+          <a:p>
+            <a:r>
+              <a:rPr lang="de-CH" sz="900" spc="-1" dirty="0">
+                <a:solidFill>
+                  <a:srgbClr val="000000"/>
+                </a:solidFill>
+                <a:uFill>
+                  <a:solidFill>
+                    <a:srgbClr val="FFFFFF"/>
+                  </a:solidFill>
+                </a:uFill>
+                <a:latin typeface="Arial"/>
+              </a:rPr>
+              <a:t>Präsentation und Demo der Software</a:t>
+            </a:r>
+          </a:p>
+          <a:p>
+            <a:pPr>
+              <a:lnSpc>
+                <a:spcPct val="100000"/>
+              </a:lnSpc>
+            </a:pPr>
+            <a:endParaRPr lang="de-CH" sz="900" spc="-1" dirty="0">
+              <a:solidFill>
+                <a:srgbClr val="000000"/>
+              </a:solidFill>
+              <a:uFill>
+                <a:solidFill>
+                  <a:srgbClr val="FFFFFF"/>
+                </a:solidFill>
+              </a:uFill>
+              <a:latin typeface="Arial"/>
+            </a:endParaRPr>
+          </a:p>
+        </p:txBody>
+      </p:sp>
+      <p:sp>
+        <p:nvSpPr>
+          <p:cNvPr id="37" name="CustomShape 37"/>
+          <p:cNvSpPr/>
+          <p:nvPr/>
+        </p:nvSpPr>
+        <p:spPr>
+          <a:xfrm rot="5400000">
+            <a:off x="834478" y="4865046"/>
+            <a:ext cx="144720" cy="135000"/>
+          </a:xfrm>
+          <a:prstGeom prst="ellipse">
+            <a:avLst/>
+          </a:prstGeom>
+          <a:solidFill>
+            <a:schemeClr val="accent1"/>
+          </a:solidFill>
+          <a:ln w="25560">
+            <a:noFill/>
+          </a:ln>
+        </p:spPr>
+        <p:style>
+          <a:lnRef idx="0">
+            <a:scrgbClr r="0" g="0" b="0"/>
+          </a:lnRef>
+          <a:fillRef idx="0">
+            <a:scrgbClr r="0" g="0" b="0"/>
+          </a:fillRef>
+          <a:effectRef idx="0">
+            <a:scrgbClr r="0" g="0" b="0"/>
+          </a:effectRef>
+          <a:fontRef idx="minor"/>
+        </p:style>
+      </p:sp>
+      <p:sp>
+        <p:nvSpPr>
+          <p:cNvPr id="38" name="CustomShape 37"/>
+          <p:cNvSpPr/>
+          <p:nvPr/>
+        </p:nvSpPr>
+        <p:spPr>
+          <a:xfrm rot="5400000">
+            <a:off x="834478" y="5360861"/>
+            <a:ext cx="144720" cy="135000"/>
+          </a:xfrm>
+          <a:prstGeom prst="ellipse">
+            <a:avLst/>
+          </a:prstGeom>
+          <a:solidFill>
+            <a:schemeClr val="accent1"/>
+          </a:solidFill>
+          <a:ln w="25560">
+            <a:noFill/>
+          </a:ln>
+        </p:spPr>
+        <p:style>
+          <a:lnRef idx="0">
+            <a:scrgbClr r="0" g="0" b="0"/>
+          </a:lnRef>
+          <a:fillRef idx="0">
+            <a:scrgbClr r="0" g="0" b="0"/>
+          </a:fillRef>
+          <a:effectRef idx="0">
+            <a:scrgbClr r="0" g="0" b="0"/>
+          </a:effectRef>
+          <a:fontRef idx="minor"/>
+        </p:style>
+      </p:sp>
+      <p:sp>
+        <p:nvSpPr>
+          <p:cNvPr id="39" name="Line 71"/>
+          <p:cNvSpPr/>
+          <p:nvPr/>
+        </p:nvSpPr>
+        <p:spPr>
+          <a:xfrm rot="5400000">
+            <a:off x="1585568" y="3181819"/>
+            <a:ext cx="360" cy="1428840"/>
+          </a:xfrm>
+          <a:prstGeom prst="line">
+            <a:avLst/>
+          </a:prstGeom>
+          <a:ln w="38160">
+            <a:solidFill>
+              <a:schemeClr val="accent1"/>
+            </a:solidFill>
+            <a:miter/>
+          </a:ln>
+        </p:spPr>
+        <p:style>
+          <a:lnRef idx="0">
+            <a:scrgbClr r="0" g="0" b="0"/>
+          </a:lnRef>
+          <a:fillRef idx="0">
+            <a:scrgbClr r="0" g="0" b="0"/>
+          </a:fillRef>
+          <a:effectRef idx="0">
+            <a:scrgbClr r="0" g="0" b="0"/>
+          </a:effectRef>
+          <a:fontRef idx="minor"/>
+        </p:style>
+      </p:sp>
+      <p:sp>
+        <p:nvSpPr>
+          <p:cNvPr id="40" name="Line 71"/>
+          <p:cNvSpPr/>
+          <p:nvPr/>
+        </p:nvSpPr>
+        <p:spPr>
+          <a:xfrm rot="5400000">
+            <a:off x="1585568" y="3683806"/>
+            <a:ext cx="360" cy="1428840"/>
+          </a:xfrm>
+          <a:prstGeom prst="line">
+            <a:avLst/>
+          </a:prstGeom>
+          <a:ln w="38160">
+            <a:solidFill>
+              <a:schemeClr val="accent1"/>
+            </a:solidFill>
+            <a:miter/>
+          </a:ln>
+        </p:spPr>
+        <p:style>
+          <a:lnRef idx="0">
+            <a:scrgbClr r="0" g="0" b="0"/>
+          </a:lnRef>
+          <a:fillRef idx="0">
+            <a:scrgbClr r="0" g="0" b="0"/>
+          </a:fillRef>
+          <a:effectRef idx="0">
+            <a:scrgbClr r="0" g="0" b="0"/>
+          </a:effectRef>
+          <a:fontRef idx="minor"/>
+        </p:style>
+      </p:sp>
+      <p:sp>
+        <p:nvSpPr>
+          <p:cNvPr id="41" name="CustomShape 72"/>
+          <p:cNvSpPr/>
+          <p:nvPr/>
+        </p:nvSpPr>
+        <p:spPr>
+          <a:xfrm>
+            <a:off x="2323800" y="3833568"/>
+            <a:ext cx="2345714" cy="410887"/>
+          </a:xfrm>
+          <a:prstGeom prst="rect">
+            <a:avLst/>
+          </a:prstGeom>
+          <a:noFill/>
+          <a:ln>
+            <a:noFill/>
+          </a:ln>
+        </p:spPr>
+        <p:style>
+          <a:lnRef idx="0">
+            <a:scrgbClr r="0" g="0" b="0"/>
+          </a:lnRef>
+          <a:fillRef idx="0">
+            <a:scrgbClr r="0" g="0" b="0"/>
+          </a:fillRef>
+          <a:effectRef idx="0">
+            <a:scrgbClr r="0" g="0" b="0"/>
+          </a:effectRef>
+          <a:fontRef idx="minor"/>
+        </p:style>
+        <p:txBody>
+          <a:bodyPr lIns="28080" tIns="28080" rIns="28080" bIns="28080"/>
+          <a:lstStyle/>
+          <a:p>
+            <a:pPr>
+              <a:lnSpc>
+                <a:spcPct val="100000"/>
+              </a:lnSpc>
+            </a:pPr>
+            <a:r>
+              <a:rPr lang="de-CH" sz="900" b="1" spc="-1" dirty="0">
+                <a:solidFill>
+                  <a:srgbClr val="000000"/>
+                </a:solidFill>
+                <a:uFill>
+                  <a:solidFill>
+                    <a:srgbClr val="FFFFFF"/>
+                  </a:solidFill>
+                </a:uFill>
+                <a:latin typeface="Arial"/>
+                <a:ea typeface="ヒラギノ角ゴ ProN W3"/>
+              </a:rPr>
+              <a:t>Alpha</a:t>
+            </a:r>
+            <a:endParaRPr lang="de-CH" sz="900" b="1" strike="noStrike" spc="-1" dirty="0">
+              <a:solidFill>
+                <a:srgbClr val="000000"/>
+              </a:solidFill>
+              <a:uFill>
+                <a:solidFill>
+                  <a:srgbClr val="FFFFFF"/>
+                </a:solidFill>
+              </a:uFill>
+              <a:latin typeface="Arial"/>
+              <a:ea typeface="ヒラギノ角ゴ ProN W3"/>
+            </a:endParaRPr>
+          </a:p>
+          <a:p>
+            <a:pPr>
+              <a:lnSpc>
+                <a:spcPct val="100000"/>
+              </a:lnSpc>
+            </a:pPr>
+            <a:r>
+              <a:rPr lang="de-CH" sz="900" spc="-1" dirty="0">
+                <a:solidFill>
+                  <a:srgbClr val="000000"/>
+                </a:solidFill>
+                <a:uFill>
+                  <a:solidFill>
+                    <a:srgbClr val="FFFFFF"/>
+                  </a:solidFill>
+                </a:uFill>
+                <a:latin typeface="Arial"/>
+              </a:rPr>
+              <a:t>27.04.2017</a:t>
+            </a:r>
+          </a:p>
+          <a:p>
+            <a:pPr>
+              <a:lnSpc>
+                <a:spcPct val="100000"/>
+              </a:lnSpc>
+            </a:pPr>
+            <a:r>
+              <a:rPr lang="de-CH" sz="900" spc="-1" dirty="0">
+                <a:solidFill>
+                  <a:srgbClr val="000000"/>
+                </a:solidFill>
+                <a:uFill>
+                  <a:solidFill>
+                    <a:srgbClr val="FFFFFF"/>
+                  </a:solidFill>
+                </a:uFill>
+                <a:latin typeface="Arial"/>
+              </a:rPr>
+              <a:t>Alpha Release der Applikation</a:t>
+            </a:r>
+            <a:endParaRPr lang="de-CH" sz="900" spc="-1" dirty="0">
+              <a:solidFill>
+                <a:srgbClr val="000000"/>
+              </a:solidFill>
+              <a:uFill>
+                <a:solidFill>
+                  <a:srgbClr val="FFFFFF"/>
+                </a:solidFill>
+              </a:uFill>
+              <a:latin typeface="Arial"/>
+            </a:endParaRPr>
+          </a:p>
+        </p:txBody>
+      </p:sp>
+      <p:sp>
+        <p:nvSpPr>
+          <p:cNvPr id="42" name="CustomShape 72"/>
+          <p:cNvSpPr/>
+          <p:nvPr/>
+        </p:nvSpPr>
+        <p:spPr>
+          <a:xfrm>
+            <a:off x="2323800" y="4330546"/>
+            <a:ext cx="2345714" cy="410887"/>
+          </a:xfrm>
+          <a:prstGeom prst="rect">
+            <a:avLst/>
+          </a:prstGeom>
+          <a:noFill/>
+          <a:ln>
+            <a:noFill/>
+          </a:ln>
+        </p:spPr>
+        <p:style>
+          <a:lnRef idx="0">
+            <a:scrgbClr r="0" g="0" b="0"/>
+          </a:lnRef>
+          <a:fillRef idx="0">
+            <a:scrgbClr r="0" g="0" b="0"/>
+          </a:fillRef>
+          <a:effectRef idx="0">
+            <a:scrgbClr r="0" g="0" b="0"/>
+          </a:effectRef>
+          <a:fontRef idx="minor"/>
+        </p:style>
+        <p:txBody>
+          <a:bodyPr lIns="28080" tIns="28080" rIns="28080" bIns="28080"/>
+          <a:lstStyle/>
+          <a:p>
+            <a:pPr>
+              <a:lnSpc>
+                <a:spcPct val="100000"/>
+              </a:lnSpc>
+            </a:pPr>
+            <a:r>
+              <a:rPr lang="de-CH" sz="900" b="1" strike="noStrike" spc="-1" dirty="0">
+                <a:solidFill>
+                  <a:srgbClr val="000000"/>
+                </a:solidFill>
+                <a:uFill>
+                  <a:solidFill>
+                    <a:srgbClr val="FFFFFF"/>
+                  </a:solidFill>
+                </a:uFill>
+                <a:latin typeface="Arial"/>
+                <a:ea typeface="ヒラギノ角ゴ ProN W3"/>
+              </a:rPr>
+              <a:t>Beta</a:t>
+            </a:r>
+          </a:p>
+          <a:p>
+            <a:pPr>
+              <a:lnSpc>
+                <a:spcPct val="100000"/>
+              </a:lnSpc>
+            </a:pPr>
+            <a:r>
+              <a:rPr lang="de-CH" sz="900" spc="-1" dirty="0">
+                <a:solidFill>
+                  <a:srgbClr val="000000"/>
+                </a:solidFill>
+                <a:uFill>
+                  <a:solidFill>
+                    <a:srgbClr val="FFFFFF"/>
+                  </a:solidFill>
+                </a:uFill>
+                <a:latin typeface="Arial"/>
+              </a:rPr>
+              <a:t>11.05.2017</a:t>
+            </a:r>
+          </a:p>
+          <a:p>
+            <a:r>
+              <a:rPr lang="de-CH" sz="900" spc="-1" dirty="0">
+                <a:solidFill>
+                  <a:srgbClr val="000000"/>
+                </a:solidFill>
+                <a:uFill>
+                  <a:solidFill>
+                    <a:srgbClr val="FFFFFF"/>
+                  </a:solidFill>
+                </a:uFill>
+                <a:latin typeface="Arial"/>
+              </a:rPr>
+              <a:t>Beta Release der Applikation</a:t>
+            </a:r>
+          </a:p>
+          <a:p>
+            <a:pPr>
+              <a:lnSpc>
+                <a:spcPct val="100000"/>
+              </a:lnSpc>
+            </a:pPr>
+            <a:endParaRPr lang="de-CH" sz="900" spc="-1" dirty="0">
+              <a:solidFill>
+                <a:srgbClr val="000000"/>
+              </a:solidFill>
+              <a:uFill>
+                <a:solidFill>
+                  <a:srgbClr val="FFFFFF"/>
+                </a:solidFill>
+              </a:uFill>
+              <a:latin typeface="Arial"/>
+            </a:endParaRPr>
+          </a:p>
+        </p:txBody>
+      </p:sp>
+    </p:spTree>
+    <p:extLst>
+      <p:ext uri="{BB962C8B-B14F-4D97-AF65-F5344CB8AC3E}">
+        <p14:creationId xmlns:p14="http://schemas.microsoft.com/office/powerpoint/2010/main" val="40103185"/>
+      </p:ext>
+    </p:extLst>
+  </p:cSld>
+  <p:clrMapOvr>
+    <a:masterClrMapping/>
+  </p:clrMapOvr>
+</p:sld>
+</file>
+
+<file path=ppt/slides/slide3.xml><?xml version="1.0" encoding="utf-8"?>
+<p:sld xmlns:a="http://schemas.openxmlformats.org/drawingml/2006/main" xmlns:r="http://schemas.openxmlformats.org/officeDocument/2006/relationships" xmlns:p="http://schemas.openxmlformats.org/presentationml/2006/main">
+  <p:cSld>
+    <p:spTree>
+      <p:nvGrpSpPr>
+        <p:cNvPr id="1" name=""/>
+        <p:cNvGrpSpPr/>
+        <p:nvPr/>
+      </p:nvGrpSpPr>
+      <p:grpSpPr>
+        <a:xfrm>
+          <a:off x="0" y="0"/>
+          <a:ext cx="0" cy="0"/>
+          <a:chOff x="0" y="0"/>
+          <a:chExt cx="0" cy="0"/>
+        </a:xfrm>
+      </p:grpSpPr>
       <p:graphicFrame>
         <p:nvGraphicFramePr>
           <p:cNvPr id="4" name="Table 3"/>
           <p:cNvGraphicFramePr/>
           <p:nvPr>
-            <p:extLst/>
+            <p:extLst>
+              <p:ext uri="{D42A27DB-BD31-4B8C-83A1-F6EECF244321}">
+                <p14:modId xmlns:p14="http://schemas.microsoft.com/office/powerpoint/2010/main" val="639052626"/>
+              </p:ext>
+            </p:extLst>
           </p:nvPr>
         </p:nvGraphicFramePr>
         <p:xfrm>
@@ -6928,7 +9495,8 @@
                               <a:srgbClr val="FFFFFF"/>
                             </a:solidFill>
                           </a:uFill>
-                          <a:latin typeface="Arial"/>
+                          <a:latin typeface="Arial" panose="020B0604020202020204" pitchFamily="34" charset="0"/>
+                          <a:cs typeface="Arial" panose="020B0604020202020204" pitchFamily="34" charset="0"/>
                         </a:rPr>
                         <a:t>Release</a:t>
                       </a:r>
@@ -6941,7 +9509,8 @@
                             <a:srgbClr val="FFFFFF"/>
                           </a:solidFill>
                         </a:uFill>
-                        <a:latin typeface="Arial"/>
+                        <a:latin typeface="Arial" panose="020B0604020202020204" pitchFamily="34" charset="0"/>
+                        <a:cs typeface="Arial" panose="020B0604020202020204" pitchFamily="34" charset="0"/>
                       </a:endParaRPr>
                     </a:p>
                   </a:txBody>
@@ -6991,7 +9560,8 @@
                               <a:srgbClr val="FFFFFF"/>
                             </a:solidFill>
                           </a:uFill>
-                          <a:latin typeface="Arial"/>
+                          <a:latin typeface="Arial" panose="020B0604020202020204" pitchFamily="34" charset="0"/>
+                          <a:cs typeface="Arial" panose="020B0604020202020204" pitchFamily="34" charset="0"/>
                         </a:rPr>
                         <a:t>Setup Phase</a:t>
                       </a:r>
@@ -7004,7 +9574,8 @@
                             <a:srgbClr val="FFFFFF"/>
                           </a:solidFill>
                         </a:uFill>
-                        <a:latin typeface="Arial"/>
+                        <a:latin typeface="Arial" panose="020B0604020202020204" pitchFamily="34" charset="0"/>
+                        <a:cs typeface="Arial" panose="020B0604020202020204" pitchFamily="34" charset="0"/>
                       </a:endParaRPr>
                     </a:p>
                   </a:txBody>
@@ -7014,10 +9585,14 @@
                         <a:srgbClr val="4662AA"/>
                       </a:solidFill>
                     </a:lnL>
-                    <a:lnR w="9360">
-                      <a:solidFill>
-                        <a:srgbClr val="4662AA"/>
-                      </a:solidFill>
+                    <a:lnR w="12700" cap="flat" cmpd="sng" algn="ctr">
+                      <a:solidFill>
+                        <a:schemeClr val="accent1"/>
+                      </a:solidFill>
+                      <a:prstDash val="solid"/>
+                      <a:round/>
+                      <a:headEnd type="none" w="med" len="med"/>
+                      <a:tailEnd type="none" w="med" len="med"/>
                     </a:lnR>
                     <a:lnT w="9360">
                       <a:solidFill>
@@ -7034,18 +9609,18 @@
                     </a:solidFill>
                   </a:tcPr>
                 </a:tc>
-                <a:tc gridSpan="3">
+                <a:tc>
                   <a:txBody>
                     <a:bodyPr/>
                     <a:lstStyle/>
                     <a:p>
-                      <a:pPr>
+                      <a:pPr marL="0" algn="l" defTabSz="914400" rtl="0" eaLnBrk="1" latinLnBrk="0" hangingPunct="1">
                         <a:lnSpc>
                           <a:spcPct val="100000"/>
                         </a:lnSpc>
                       </a:pPr>
                       <a:r>
-                        <a:rPr lang="de-CH" sz="1400" b="1" strike="noStrike" spc="-1" dirty="0">
+                        <a:rPr lang="de-CH" sz="1400" b="1" strike="noStrike" kern="1200" spc="-1" dirty="0">
                           <a:solidFill>
                             <a:srgbClr val="000000"/>
                           </a:solidFill>
@@ -7054,11 +9629,98 @@
                               <a:srgbClr val="FFFFFF"/>
                             </a:solidFill>
                           </a:uFill>
-                          <a:latin typeface="Arial"/>
+                          <a:latin typeface="Arial" panose="020B0604020202020204" pitchFamily="34" charset="0"/>
+                          <a:ea typeface="+mn-ea"/>
+                          <a:cs typeface="Arial" panose="020B0604020202020204" pitchFamily="34" charset="0"/>
                         </a:rPr>
-                        <a:t>Release 1</a:t>
+                        <a:t>Release 1.0</a:t>
                       </a:r>
-                      <a:endParaRPr lang="de-CH" sz="1800" b="0" strike="noStrike" spc="-1" dirty="0">
+                    </a:p>
+                  </a:txBody>
+                  <a:tcPr marL="88200" marR="88200">
+                    <a:lnL w="12700" cap="flat" cmpd="sng" algn="ctr">
+                      <a:solidFill>
+                        <a:schemeClr val="accent1"/>
+                      </a:solidFill>
+                      <a:prstDash val="solid"/>
+                      <a:round/>
+                      <a:headEnd type="none" w="med" len="med"/>
+                      <a:tailEnd type="none" w="med" len="med"/>
+                    </a:lnL>
+                    <a:lnR w="12700" cap="flat" cmpd="sng" algn="ctr">
+                      <a:solidFill>
+                        <a:schemeClr val="accent1"/>
+                      </a:solidFill>
+                      <a:prstDash val="solid"/>
+                      <a:round/>
+                      <a:headEnd type="none" w="med" len="med"/>
+                      <a:tailEnd type="none" w="med" len="med"/>
+                    </a:lnR>
+                    <a:lnT w="9360">
+                      <a:solidFill>
+                        <a:srgbClr val="4662AA"/>
+                      </a:solidFill>
+                    </a:lnT>
+                    <a:lnB w="9360" cap="flat" cmpd="sng" algn="ctr">
+                      <a:solidFill>
+                        <a:srgbClr val="4662AA"/>
+                      </a:solidFill>
+                      <a:prstDash val="solid"/>
+                      <a:round/>
+                      <a:headEnd type="none" w="med" len="med"/>
+                      <a:tailEnd type="none" w="med" len="med"/>
+                    </a:lnB>
+                    <a:solidFill>
+                      <a:srgbClr val="A9CCEE"/>
+                    </a:solidFill>
+                  </a:tcPr>
+                </a:tc>
+                <a:tc>
+                  <a:txBody>
+                    <a:bodyPr/>
+                    <a:lstStyle/>
+                    <a:p>
+                      <a:pPr marL="0" marR="0" lvl="0" indent="0" algn="l" defTabSz="914400" rtl="0" eaLnBrk="1" fontAlgn="auto" latinLnBrk="0" hangingPunct="1">
+                        <a:lnSpc>
+                          <a:spcPct val="100000"/>
+                        </a:lnSpc>
+                        <a:spcBef>
+                          <a:spcPts val="0"/>
+                        </a:spcBef>
+                        <a:spcAft>
+                          <a:spcPts val="0"/>
+                        </a:spcAft>
+                        <a:buClrTx/>
+                        <a:buSzTx/>
+                        <a:buFontTx/>
+                        <a:buNone/>
+                        <a:tabLst/>
+                        <a:defRPr/>
+                      </a:pPr>
+                      <a:r>
+                        <a:rPr lang="de-CH" sz="1400" b="1" strike="noStrike" kern="1200" spc="-1" noProof="0" dirty="0">
+                          <a:solidFill>
+                            <a:srgbClr val="000000"/>
+                          </a:solidFill>
+                          <a:uFill>
+                            <a:solidFill>
+                              <a:srgbClr val="FFFFFF"/>
+                            </a:solidFill>
+                          </a:uFill>
+                          <a:latin typeface="Arial" panose="020B0604020202020204" pitchFamily="34" charset="0"/>
+                          <a:ea typeface="+mn-ea"/>
+                          <a:cs typeface="Arial" panose="020B0604020202020204" pitchFamily="34" charset="0"/>
+                        </a:rPr>
+                        <a:t>Release 1.1</a:t>
+                      </a:r>
+                    </a:p>
+                    <a:p>
+                      <a:pPr marL="0" algn="l" defTabSz="914400" rtl="0" eaLnBrk="1" latinLnBrk="0" hangingPunct="1">
+                        <a:lnSpc>
+                          <a:spcPct val="100000"/>
+                        </a:lnSpc>
+                      </a:pPr>
+                      <a:endParaRPr lang="de-CH" sz="1400" b="1" strike="noStrike" kern="1200" spc="-1" dirty="0">
                         <a:solidFill>
                           <a:srgbClr val="000000"/>
                         </a:solidFill>
@@ -7067,20 +9729,39 @@
                             <a:srgbClr val="FFFFFF"/>
                           </a:solidFill>
                         </a:uFill>
-                        <a:latin typeface="Arial"/>
+                        <a:latin typeface="Arial" panose="020B0604020202020204" pitchFamily="34" charset="0"/>
+                        <a:ea typeface="+mn-ea"/>
+                        <a:cs typeface="Arial" panose="020B0604020202020204" pitchFamily="34" charset="0"/>
                       </a:endParaRPr>
                     </a:p>
                   </a:txBody>
                   <a:tcPr marL="88200" marR="88200">
-                    <a:lnL w="9360">
-                      <a:solidFill>
-                        <a:srgbClr val="4662AA"/>
-                      </a:solidFill>
+                    <a:lnL w="12700" cap="flat" cmpd="sng" algn="ctr">
+                      <a:solidFill>
+                        <a:schemeClr val="accent1"/>
+                      </a:solidFill>
+                      <a:prstDash val="solid"/>
+                      <a:round/>
+                      <a:headEnd type="none" w="med" len="med"/>
+                      <a:tailEnd type="none" w="med" len="med"/>
                     </a:lnL>
-                    <a:lnT w="9360">
-                      <a:solidFill>
-                        <a:srgbClr val="4662AA"/>
-                      </a:solidFill>
+                    <a:lnR w="12700" cap="flat" cmpd="sng" algn="ctr">
+                      <a:solidFill>
+                        <a:schemeClr val="accent1"/>
+                      </a:solidFill>
+                      <a:prstDash val="solid"/>
+                      <a:round/>
+                      <a:headEnd type="none" w="med" len="med"/>
+                      <a:tailEnd type="none" w="med" len="med"/>
+                    </a:lnR>
+                    <a:lnT w="9360" cap="flat" cmpd="sng" algn="ctr">
+                      <a:solidFill>
+                        <a:srgbClr val="4662AA"/>
+                      </a:solidFill>
+                      <a:prstDash val="solid"/>
+                      <a:round/>
+                      <a:headEnd type="none" w="med" len="med"/>
+                      <a:tailEnd type="none" w="med" len="med"/>
                     </a:lnT>
                     <a:lnB w="9360" cap="flat" cmpd="sng" algn="ctr">
                       <a:solidFill>
@@ -7096,17 +9777,52 @@
                     </a:solidFill>
                   </a:tcPr>
                 </a:tc>
-                <a:tc hMerge="1">
+                <a:tc>
                   <a:txBody>
                     <a:bodyPr/>
                     <a:lstStyle/>
                     <a:p>
-                      <a:pPr>
+                      <a:pPr marL="0" marR="0" lvl="0" indent="0" algn="l" defTabSz="914400" rtl="0" eaLnBrk="1" fontAlgn="auto" latinLnBrk="0" hangingPunct="1">
+                        <a:lnSpc>
+                          <a:spcPct val="100000"/>
+                        </a:lnSpc>
+                        <a:spcBef>
+                          <a:spcPts val="0"/>
+                        </a:spcBef>
+                        <a:spcAft>
+                          <a:spcPts val="0"/>
+                        </a:spcAft>
+                        <a:buClrTx/>
+                        <a:buSzTx/>
+                        <a:buFontTx/>
+                        <a:buNone/>
+                        <a:tabLst/>
+                        <a:defRPr/>
+                      </a:pPr>
+                      <a:r>
+                        <a:rPr lang="de-CH" sz="1400" b="1" strike="noStrike" kern="1200" spc="-1" noProof="0" dirty="0">
+                          <a:solidFill>
+                            <a:srgbClr val="000000"/>
+                          </a:solidFill>
+                          <a:uFill>
+                            <a:solidFill>
+                              <a:srgbClr val="FFFFFF"/>
+                            </a:solidFill>
+                          </a:uFill>
+                          <a:latin typeface="Arial" panose="020B0604020202020204" pitchFamily="34" charset="0"/>
+                          <a:ea typeface="+mn-ea"/>
+                          <a:cs typeface="Arial" panose="020B0604020202020204" pitchFamily="34" charset="0"/>
+                        </a:rPr>
+                        <a:t>Release 1.2</a:t>
+                      </a:r>
+                    </a:p>
+                    <a:p>
+                      <a:pPr marL="0" algn="l" defTabSz="914400" rtl="0" eaLnBrk="1" latinLnBrk="0" hangingPunct="1">
                         <a:lnSpc>
                           <a:spcPct val="100000"/>
                         </a:lnSpc>
                       </a:pPr>
-                      <a:endParaRPr lang="de-CH" sz="1800" b="0" strike="noStrike" spc="-1" dirty="0">
+                      <a:endParaRPr lang="de-CH" sz="1400" b="1" strike="noStrike" kern="1200" spc="-1" dirty="0">
                         <a:solidFill>
                           <a:srgbClr val="000000"/>
                         </a:solidFill>
@@ -7115,81 +9831,30 @@
                             <a:srgbClr val="FFFFFF"/>
                           </a:solidFill>
                         </a:uFill>
-                        <a:latin typeface="Arial"/>
+                        <a:latin typeface="Arial" panose="020B0604020202020204" pitchFamily="34" charset="0"/>
+                        <a:ea typeface="+mn-ea"/>
+                        <a:cs typeface="Arial" panose="020B0604020202020204" pitchFamily="34" charset="0"/>
                       </a:endParaRPr>
                     </a:p>
                   </a:txBody>
                   <a:tcPr marL="88200" marR="88200">
-                    <a:lnL w="9360" cap="flat" cmpd="sng" algn="ctr">
-                      <a:solidFill>
-                        <a:srgbClr val="4662AA"/>
+                    <a:lnL w="12700" cap="flat" cmpd="sng" algn="ctr">
+                      <a:solidFill>
+                        <a:schemeClr val="accent1"/>
                       </a:solidFill>
                       <a:prstDash val="solid"/>
                       <a:round/>
                       <a:headEnd type="none" w="med" len="med"/>
                       <a:tailEnd type="none" w="med" len="med"/>
                     </a:lnL>
-                    <a:lnR w="9360" cap="flat" cmpd="sng" algn="ctr">
-                      <a:solidFill>
-                        <a:srgbClr val="4662AA"/>
-                      </a:solidFill>
-                      <a:prstDash val="solid"/>
-                      <a:round/>
-                      <a:headEnd type="none" w="med" len="med"/>
-                      <a:tailEnd type="none" w="med" len="med"/>
-                    </a:lnR>
-                    <a:lnT w="9360">
-                      <a:solidFill>
-                        <a:srgbClr val="4662AA"/>
-                      </a:solidFill>
-                    </a:lnT>
-                    <a:lnB w="9360" cap="flat" cmpd="sng" algn="ctr">
-                      <a:solidFill>
-                        <a:srgbClr val="4662AA"/>
-                      </a:solidFill>
-                      <a:prstDash val="solid"/>
-                      <a:round/>
-                      <a:headEnd type="none" w="med" len="med"/>
-                      <a:tailEnd type="none" w="med" len="med"/>
-                    </a:lnB>
-                    <a:solidFill>
-                      <a:srgbClr val="A9CCEE"/>
-                    </a:solidFill>
-                  </a:tcPr>
-                </a:tc>
-                <a:tc hMerge="1">
-                  <a:txBody>
-                    <a:bodyPr/>
-                    <a:lstStyle/>
-                    <a:p>
-                      <a:pPr>
-                        <a:lnSpc>
-                          <a:spcPct val="100000"/>
-                        </a:lnSpc>
-                      </a:pPr>
-                      <a:endParaRPr lang="de-CH" sz="1800" b="0" strike="noStrike" spc="-1" dirty="0">
-                        <a:solidFill>
-                          <a:srgbClr val="000000"/>
-                        </a:solidFill>
-                        <a:uFill>
-                          <a:solidFill>
-                            <a:srgbClr val="FFFFFF"/>
-                          </a:solidFill>
-                        </a:uFill>
-                        <a:latin typeface="Arial"/>
-                      </a:endParaRPr>
-                    </a:p>
-                  </a:txBody>
-                  <a:tcPr marL="88200" marR="88200">
-                    <a:lnL w="9360">
-                      <a:solidFill>
-                        <a:srgbClr val="4662AA"/>
-                      </a:solidFill>
-                    </a:lnL>
-                    <a:lnT w="9360">
-                      <a:solidFill>
-                        <a:srgbClr val="4662AA"/>
-                      </a:solidFill>
+                    <a:lnT w="9360" cap="flat" cmpd="sng" algn="ctr">
+                      <a:solidFill>
+                        <a:srgbClr val="4662AA"/>
+                      </a:solidFill>
+                      <a:prstDash val="solid"/>
+                      <a:round/>
+                      <a:headEnd type="none" w="med" len="med"/>
+                      <a:tailEnd type="none" w="med" len="med"/>
                     </a:lnT>
                     <a:lnB w="9360" cap="flat" cmpd="sng" algn="ctr">
                       <a:solidFill>
@@ -7232,7 +9897,8 @@
                               <a:srgbClr val="FFFFFF"/>
                             </a:solidFill>
                           </a:uFill>
-                          <a:latin typeface="Arial"/>
+                          <a:latin typeface="Arial" panose="020B0604020202020204" pitchFamily="34" charset="0"/>
+                          <a:cs typeface="Arial" panose="020B0604020202020204" pitchFamily="34" charset="0"/>
                         </a:rPr>
                         <a:t>Sprint</a:t>
                       </a:r>
@@ -7245,7 +9911,8 @@
                             <a:srgbClr val="FFFFFF"/>
                           </a:solidFill>
                         </a:uFill>
-                        <a:latin typeface="Arial"/>
+                        <a:latin typeface="Arial" panose="020B0604020202020204" pitchFamily="34" charset="0"/>
+                        <a:cs typeface="Arial" panose="020B0604020202020204" pitchFamily="34" charset="0"/>
                       </a:endParaRPr>
                     </a:p>
                   </a:txBody>
@@ -7295,7 +9962,8 @@
                               <a:srgbClr val="FFFFFF"/>
                             </a:solidFill>
                           </a:uFill>
-                          <a:latin typeface="Arial"/>
+                          <a:latin typeface="Arial" panose="020B0604020202020204" pitchFamily="34" charset="0"/>
+                          <a:cs typeface="Arial" panose="020B0604020202020204" pitchFamily="34" charset="0"/>
                         </a:rPr>
                         <a:t>Sprint 0</a:t>
                       </a:r>
@@ -7308,7 +9976,8 @@
                             <a:srgbClr val="FFFFFF"/>
                           </a:solidFill>
                         </a:uFill>
-                        <a:latin typeface="Arial"/>
+                        <a:latin typeface="Arial" panose="020B0604020202020204" pitchFamily="34" charset="0"/>
+                        <a:cs typeface="Arial" panose="020B0604020202020204" pitchFamily="34" charset="0"/>
                       </a:endParaRPr>
                     </a:p>
                   </a:txBody>
@@ -7358,7 +10027,8 @@
                               <a:srgbClr val="FFFFFF"/>
                             </a:solidFill>
                           </a:uFill>
-                          <a:latin typeface="Arial"/>
+                          <a:latin typeface="Arial" panose="020B0604020202020204" pitchFamily="34" charset="0"/>
+                          <a:cs typeface="Arial" panose="020B0604020202020204" pitchFamily="34" charset="0"/>
                         </a:rPr>
                         <a:t>Sprint 1</a:t>
                       </a:r>
@@ -7371,7 +10041,8 @@
                             <a:srgbClr val="FFFFFF"/>
                           </a:solidFill>
                         </a:uFill>
-                        <a:latin typeface="Arial"/>
+                        <a:latin typeface="Arial" panose="020B0604020202020204" pitchFamily="34" charset="0"/>
+                        <a:cs typeface="Arial" panose="020B0604020202020204" pitchFamily="34" charset="0"/>
                       </a:endParaRPr>
                     </a:p>
                   </a:txBody>
@@ -7425,9 +10096,9 @@
                               <a:srgbClr val="FFFFFF"/>
                             </a:solidFill>
                           </a:uFill>
-                          <a:latin typeface="Arial"/>
+                          <a:latin typeface="Arial" panose="020B0604020202020204" pitchFamily="34" charset="0"/>
                           <a:ea typeface="+mn-ea"/>
-                          <a:cs typeface="+mn-cs"/>
+                          <a:cs typeface="Arial" panose="020B0604020202020204" pitchFamily="34" charset="0"/>
                         </a:rPr>
                         <a:t>Sprint 2</a:t>
                       </a:r>
@@ -7495,9 +10166,9 @@
                               <a:srgbClr val="FFFFFF"/>
                             </a:solidFill>
                           </a:uFill>
-                          <a:latin typeface="Arial"/>
+                          <a:latin typeface="Arial" panose="020B0604020202020204" pitchFamily="34" charset="0"/>
                           <a:ea typeface="+mn-ea"/>
-                          <a:cs typeface="+mn-cs"/>
+                          <a:cs typeface="Arial" panose="020B0604020202020204" pitchFamily="34" charset="0"/>
                         </a:rPr>
                         <a:t>Sprint 3</a:t>
                       </a:r>
@@ -7564,9 +10235,9 @@
                               <a:srgbClr val="FFFFFF"/>
                             </a:solidFill>
                           </a:uFill>
-                          <a:latin typeface="Arial"/>
+                          <a:latin typeface="Arial" panose="020B0604020202020204" pitchFamily="34" charset="0"/>
                           <a:ea typeface="+mn-ea"/>
-                          <a:cs typeface="+mn-cs"/>
+                          <a:cs typeface="Arial" panose="020B0604020202020204" pitchFamily="34" charset="0"/>
                         </a:rPr>
                         <a:t>Phase</a:t>
                       </a:r>
@@ -7626,9 +10297,9 @@
                               <a:srgbClr val="FFFFFF"/>
                             </a:solidFill>
                           </a:uFill>
-                          <a:latin typeface="Arial"/>
+                          <a:latin typeface="Arial" panose="020B0604020202020204" pitchFamily="34" charset="0"/>
                           <a:ea typeface="+mn-ea"/>
-                          <a:cs typeface="+mn-cs"/>
+                          <a:cs typeface="Arial" panose="020B0604020202020204" pitchFamily="34" charset="0"/>
                         </a:rPr>
                         <a:t>Inception</a:t>
                       </a:r>
@@ -7692,9 +10363,9 @@
                               <a:srgbClr val="FFFFFF"/>
                             </a:solidFill>
                           </a:uFill>
-                          <a:latin typeface="Arial"/>
+                          <a:latin typeface="Arial" panose="020B0604020202020204" pitchFamily="34" charset="0"/>
                           <a:ea typeface="+mn-ea"/>
-                          <a:cs typeface="+mn-cs"/>
+                          <a:cs typeface="Arial" panose="020B0604020202020204" pitchFamily="34" charset="0"/>
                         </a:rPr>
                         <a:t>Elaboration</a:t>
                       </a:r>
@@ -7758,9 +10429,9 @@
                               <a:srgbClr val="FFFFFF"/>
                             </a:solidFill>
                           </a:uFill>
-                          <a:latin typeface="Arial"/>
+                          <a:latin typeface="Arial" panose="020B0604020202020204" pitchFamily="34" charset="0"/>
                           <a:ea typeface="+mn-ea"/>
-                          <a:cs typeface="+mn-cs"/>
+                          <a:cs typeface="Arial" panose="020B0604020202020204" pitchFamily="34" charset="0"/>
                         </a:rPr>
                         <a:t>Elaboration</a:t>
                       </a:r>
@@ -7828,9 +10499,9 @@
                               <a:srgbClr val="FFFFFF"/>
                             </a:solidFill>
                           </a:uFill>
-                          <a:latin typeface="Arial"/>
+                          <a:latin typeface="Arial" panose="020B0604020202020204" pitchFamily="34" charset="0"/>
                           <a:ea typeface="+mn-ea"/>
-                          <a:cs typeface="+mn-cs"/>
+                          <a:cs typeface="Arial" panose="020B0604020202020204" pitchFamily="34" charset="0"/>
                         </a:rPr>
                         <a:t>Construction</a:t>
                       </a:r>
@@ -7905,9 +10576,9 @@
                               <a:srgbClr val="FFFFFF"/>
                             </a:solidFill>
                           </a:uFill>
-                          <a:latin typeface="Arial"/>
+                          <a:latin typeface="Arial" panose="020B0604020202020204" pitchFamily="34" charset="0"/>
                           <a:ea typeface="+mn-ea"/>
-                          <a:cs typeface="+mn-cs"/>
+                          <a:cs typeface="Arial" panose="020B0604020202020204" pitchFamily="34" charset="0"/>
                         </a:rPr>
                         <a:t>Datum</a:t>
                       </a:r>
@@ -7967,9 +10638,9 @@
                               <a:srgbClr val="FFFFFF"/>
                             </a:solidFill>
                           </a:uFill>
-                          <a:latin typeface="Arial"/>
+                          <a:latin typeface="Arial" panose="020B0604020202020204" pitchFamily="34" charset="0"/>
                           <a:ea typeface="+mn-ea"/>
-                          <a:cs typeface="+mn-cs"/>
+                          <a:cs typeface="Arial" panose="020B0604020202020204" pitchFamily="34" charset="0"/>
                         </a:rPr>
                         <a:t>20.2.17 – 01.03.17</a:t>
                       </a:r>
@@ -8033,9 +10704,9 @@
                               <a:srgbClr val="FFFFFF"/>
                             </a:solidFill>
                           </a:uFill>
-                          <a:latin typeface="Arial"/>
+                          <a:latin typeface="Arial" panose="020B0604020202020204" pitchFamily="34" charset="0"/>
                           <a:ea typeface="+mn-ea"/>
-                          <a:cs typeface="+mn-cs"/>
+                          <a:cs typeface="Arial" panose="020B0604020202020204" pitchFamily="34" charset="0"/>
                         </a:rPr>
                         <a:t>02.03.17 – 16.03.17</a:t>
                       </a:r>
@@ -8099,9 +10770,9 @@
                               <a:srgbClr val="FFFFFF"/>
                             </a:solidFill>
                           </a:uFill>
-                          <a:latin typeface="Arial"/>
+                          <a:latin typeface="Arial" panose="020B0604020202020204" pitchFamily="34" charset="0"/>
                           <a:ea typeface="+mn-ea"/>
-                          <a:cs typeface="+mn-cs"/>
+                          <a:cs typeface="Arial" panose="020B0604020202020204" pitchFamily="34" charset="0"/>
                         </a:rPr>
                         <a:t>17.03.17 – 30.03.17</a:t>
                       </a:r>
@@ -8169,9 +10840,9 @@
                               <a:srgbClr val="FFFFFF"/>
                             </a:solidFill>
                           </a:uFill>
-                          <a:latin typeface="Arial"/>
+                          <a:latin typeface="Arial" panose="020B0604020202020204" pitchFamily="34" charset="0"/>
                           <a:ea typeface="+mn-ea"/>
-                          <a:cs typeface="+mn-cs"/>
+                          <a:cs typeface="Arial" panose="020B0604020202020204" pitchFamily="34" charset="0"/>
                         </a:rPr>
                         <a:t>31.03.17</a:t>
                       </a:r>
@@ -8185,9 +10856,9 @@
                               <a:srgbClr val="FFFFFF"/>
                             </a:solidFill>
                           </a:uFill>
-                          <a:latin typeface="Arial"/>
+                          <a:latin typeface="Arial" panose="020B0604020202020204" pitchFamily="34" charset="0"/>
                           <a:ea typeface="+mn-ea"/>
-                          <a:cs typeface="+mn-cs"/>
+                          <a:cs typeface="Arial" panose="020B0604020202020204" pitchFamily="34" charset="0"/>
                         </a:rPr>
                         <a:t> – 12.04.17</a:t>
                       </a:r>
@@ -8200,9 +10871,9 @@
                             <a:srgbClr val="FFFFFF"/>
                           </a:solidFill>
                         </a:uFill>
-                        <a:latin typeface="Arial"/>
+                        <a:latin typeface="Arial" panose="020B0604020202020204" pitchFamily="34" charset="0"/>
                         <a:ea typeface="+mn-ea"/>
-                        <a:cs typeface="+mn-cs"/>
+                        <a:cs typeface="Arial" panose="020B0604020202020204" pitchFamily="34" charset="0"/>
                       </a:endParaRPr>
                     </a:p>
                   </a:txBody>
@@ -8275,9 +10946,9 @@
                               <a:srgbClr val="FFFFFF"/>
                             </a:solidFill>
                           </a:uFill>
-                          <a:latin typeface="Arial"/>
+                          <a:latin typeface="Arial" panose="020B0604020202020204" pitchFamily="34" charset="0"/>
                           <a:ea typeface="+mn-ea"/>
-                          <a:cs typeface="+mn-cs"/>
+                          <a:cs typeface="Arial" panose="020B0604020202020204" pitchFamily="34" charset="0"/>
                         </a:rPr>
                         <a:t>Milestones</a:t>
                       </a:r>
@@ -8337,9 +11008,9 @@
                               <a:srgbClr val="FFFFFF"/>
                             </a:solidFill>
                           </a:uFill>
-                          <a:latin typeface="Arial"/>
+                          <a:latin typeface="Arial" panose="020B0604020202020204" pitchFamily="34" charset="0"/>
                           <a:ea typeface="+mn-ea"/>
-                          <a:cs typeface="+mn-cs"/>
+                          <a:cs typeface="Arial" panose="020B0604020202020204" pitchFamily="34" charset="0"/>
                         </a:rPr>
                         <a:t>MS Inception</a:t>
                       </a:r>
@@ -8403,9 +11074,9 @@
                               <a:srgbClr val="FFFFFF"/>
                             </a:solidFill>
                           </a:uFill>
-                          <a:latin typeface="Arial"/>
+                          <a:latin typeface="Arial" panose="020B0604020202020204" pitchFamily="34" charset="0"/>
                           <a:ea typeface="+mn-ea"/>
-                          <a:cs typeface="+mn-cs"/>
+                          <a:cs typeface="Arial" panose="020B0604020202020204" pitchFamily="34" charset="0"/>
                         </a:rPr>
                         <a:t>MS Projektplan</a:t>
                       </a:r>
@@ -8426,9 +11097,9 @@
                               <a:srgbClr val="FFFFFF"/>
                             </a:solidFill>
                           </a:uFill>
-                          <a:latin typeface="Arial"/>
+                          <a:latin typeface="Arial" panose="020B0604020202020204" pitchFamily="34" charset="0"/>
                           <a:ea typeface="+mn-ea"/>
-                          <a:cs typeface="+mn-cs"/>
+                          <a:cs typeface="Arial" panose="020B0604020202020204" pitchFamily="34" charset="0"/>
                         </a:rPr>
                         <a:t>RV1</a:t>
                       </a:r>
@@ -8442,9 +11113,9 @@
                               <a:srgbClr val="FFFFFF"/>
                             </a:solidFill>
                           </a:uFill>
-                          <a:latin typeface="Arial"/>
+                          <a:latin typeface="Arial" panose="020B0604020202020204" pitchFamily="34" charset="0"/>
                           <a:ea typeface="+mn-ea"/>
-                          <a:cs typeface="+mn-cs"/>
+                          <a:cs typeface="Arial" panose="020B0604020202020204" pitchFamily="34" charset="0"/>
                         </a:rPr>
                         <a:t> Projektplan</a:t>
                       </a:r>
@@ -8457,9 +11128,9 @@
                             <a:srgbClr val="FFFFFF"/>
                           </a:solidFill>
                         </a:uFill>
-                        <a:latin typeface="Arial"/>
+                        <a:latin typeface="Arial" panose="020B0604020202020204" pitchFamily="34" charset="0"/>
                         <a:ea typeface="+mn-ea"/>
-                        <a:cs typeface="+mn-cs"/>
+                        <a:cs typeface="Arial" panose="020B0604020202020204" pitchFamily="34" charset="0"/>
                       </a:endParaRPr>
                     </a:p>
                   </a:txBody>
@@ -8521,9 +11192,9 @@
                               <a:srgbClr val="FFFFFF"/>
                             </a:solidFill>
                           </a:uFill>
-                          <a:latin typeface="Arial"/>
+                          <a:latin typeface="Arial" panose="020B0604020202020204" pitchFamily="34" charset="0"/>
                           <a:ea typeface="+mn-ea"/>
-                          <a:cs typeface="+mn-cs"/>
+                          <a:cs typeface="Arial" panose="020B0604020202020204" pitchFamily="34" charset="0"/>
                         </a:rPr>
                         <a:t>RV2 Anforderungen/Analyse</a:t>
                       </a:r>
@@ -8544,9 +11215,9 @@
                               <a:srgbClr val="FFFFFF"/>
                             </a:solidFill>
                           </a:uFill>
-                          <a:latin typeface="Arial"/>
+                          <a:latin typeface="Arial" panose="020B0604020202020204" pitchFamily="34" charset="0"/>
                           <a:ea typeface="+mn-ea"/>
-                          <a:cs typeface="+mn-cs"/>
+                          <a:cs typeface="Arial" panose="020B0604020202020204" pitchFamily="34" charset="0"/>
                         </a:rPr>
                         <a:t>MS Elaboration</a:t>
                       </a:r>
@@ -8614,9 +11285,9 @@
                               <a:srgbClr val="FFFFFF"/>
                             </a:solidFill>
                           </a:uFill>
-                          <a:latin typeface="Arial"/>
+                          <a:latin typeface="Arial" panose="020B0604020202020204" pitchFamily="34" charset="0"/>
                           <a:ea typeface="+mn-ea"/>
-                          <a:cs typeface="+mn-cs"/>
+                          <a:cs typeface="Arial" panose="020B0604020202020204" pitchFamily="34" charset="0"/>
                         </a:rPr>
                         <a:t>RV3 Ende Elaboration</a:t>
                       </a:r>
@@ -8691,9 +11362,9 @@
                               <a:srgbClr val="FFFFFF"/>
                             </a:solidFill>
                           </a:uFill>
-                          <a:latin typeface="Arial"/>
+                          <a:latin typeface="Arial" panose="020B0604020202020204" pitchFamily="34" charset="0"/>
                           <a:ea typeface="+mn-ea"/>
-                          <a:cs typeface="+mn-cs"/>
+                          <a:cs typeface="Arial" panose="020B0604020202020204" pitchFamily="34" charset="0"/>
                         </a:rPr>
                         <a:t>Zeitbudget</a:t>
                       </a:r>
@@ -8753,9 +11424,9 @@
                               <a:srgbClr val="FFFFFF"/>
                             </a:solidFill>
                           </a:uFill>
-                          <a:latin typeface="Arial"/>
+                          <a:latin typeface="Arial" panose="020B0604020202020204" pitchFamily="34" charset="0"/>
                           <a:ea typeface="+mn-ea"/>
-                          <a:cs typeface="+mn-cs"/>
+                          <a:cs typeface="Arial" panose="020B0604020202020204" pitchFamily="34" charset="0"/>
                         </a:rPr>
                         <a:t>34.5h</a:t>
                       </a:r>
@@ -8819,9 +11490,9 @@
                               <a:srgbClr val="FFFFFF"/>
                             </a:solidFill>
                           </a:uFill>
-                          <a:latin typeface="Arial"/>
+                          <a:latin typeface="Arial" panose="020B0604020202020204" pitchFamily="34" charset="0"/>
                           <a:ea typeface="+mn-ea"/>
-                          <a:cs typeface="+mn-cs"/>
+                          <a:cs typeface="Arial" panose="020B0604020202020204" pitchFamily="34" charset="0"/>
                         </a:rPr>
                         <a:t>69h</a:t>
                       </a:r>
@@ -8885,25 +11556,12 @@
                               <a:srgbClr val="FFFFFF"/>
                             </a:solidFill>
                           </a:uFill>
-                          <a:latin typeface="+mn-lt"/>
+                          <a:latin typeface="Arial" panose="020B0604020202020204" pitchFamily="34" charset="0"/>
                           <a:ea typeface="+mn-ea"/>
-                          <a:cs typeface="+mn-cs"/>
+                          <a:cs typeface="Arial" panose="020B0604020202020204" pitchFamily="34" charset="0"/>
                         </a:rPr>
                         <a:t>69h</a:t>
                       </a:r>
-                      <a:endParaRPr lang="de-CH" sz="1100" b="1" strike="noStrike" kern="1200" spc="-1" dirty="0">
-                        <a:solidFill>
-                          <a:srgbClr val="000000"/>
-                        </a:solidFill>
-                        <a:uFill>
-                          <a:solidFill>
-                            <a:srgbClr val="FFFFFF"/>
-                          </a:solidFill>
-                        </a:uFill>
-                        <a:latin typeface="Arial"/>
-                        <a:ea typeface="+mn-ea"/>
-                        <a:cs typeface="+mn-cs"/>
-                      </a:endParaRPr>
                     </a:p>
                   </a:txBody>
                   <a:tcPr marL="88200" marR="88200">
@@ -8968,9 +11626,9 @@
                               <a:srgbClr val="FFFFFF"/>
                             </a:solidFill>
                           </a:uFill>
-                          <a:latin typeface="Arial"/>
+                          <a:latin typeface="Arial" panose="020B0604020202020204" pitchFamily="34" charset="0"/>
                           <a:ea typeface="+mn-ea"/>
-                          <a:cs typeface="+mn-cs"/>
+                          <a:cs typeface="Arial" panose="020B0604020202020204" pitchFamily="34" charset="0"/>
                         </a:rPr>
                         <a:t>69h</a:t>
                       </a:r>
@@ -9045,7 +11703,8 @@
                               <a:srgbClr val="FFFFFF"/>
                             </a:solidFill>
                           </a:uFill>
-                          <a:latin typeface="Arial"/>
+                          <a:latin typeface="Arial" panose="020B0604020202020204" pitchFamily="34" charset="0"/>
+                          <a:cs typeface="Arial" panose="020B0604020202020204" pitchFamily="34" charset="0"/>
                         </a:rPr>
                         <a:t>Arbeitspakete</a:t>
                       </a:r>
@@ -9058,7 +11717,8 @@
                             <a:srgbClr val="FFFFFF"/>
                           </a:solidFill>
                         </a:uFill>
-                        <a:latin typeface="Arial"/>
+                        <a:latin typeface="Arial" panose="020B0604020202020204" pitchFamily="34" charset="0"/>
+                        <a:cs typeface="Arial" panose="020B0604020202020204" pitchFamily="34" charset="0"/>
                       </a:endParaRPr>
                     </a:p>
                   </a:txBody>
@@ -9118,9 +11778,9 @@
                               <a:srgbClr val="FFFFFF"/>
                             </a:solidFill>
                           </a:uFill>
-                          <a:latin typeface="+mn-lt"/>
+                          <a:latin typeface="Arial" panose="020B0604020202020204" pitchFamily="34" charset="0"/>
                           <a:ea typeface="+mn-ea"/>
-                          <a:cs typeface="+mn-cs"/>
+                          <a:cs typeface="Arial" panose="020B0604020202020204" pitchFamily="34" charset="0"/>
                         </a:rPr>
                         <a:t>Projektantrag</a:t>
                       </a:r>
@@ -9143,11 +11803,52 @@
                               <a:srgbClr val="FFFFFF"/>
                             </a:solidFill>
                           </a:uFill>
-                          <a:latin typeface="+mn-lt"/>
+                          <a:latin typeface="Arial" panose="020B0604020202020204" pitchFamily="34" charset="0"/>
                           <a:ea typeface="+mn-ea"/>
-                          <a:cs typeface="+mn-cs"/>
+                          <a:cs typeface="Arial" panose="020B0604020202020204" pitchFamily="34" charset="0"/>
                         </a:rPr>
                         <a:t>Projektplan</a:t>
+                      </a:r>
+                    </a:p>
+                    <a:p>
+                      <a:pPr marL="171450" indent="-171450">
+                        <a:lnSpc>
+                          <a:spcPct val="100000"/>
+                        </a:lnSpc>
+                        <a:buFont typeface="Arial" panose="020B0604020202020204" pitchFamily="34" charset="0"/>
+                        <a:buChar char="•"/>
+                      </a:pPr>
+                      <a:r>
+                        <a:rPr lang="de-CH" sz="1100" b="1" strike="noStrike" kern="1200" spc="-1" dirty="0" err="1">
+                          <a:solidFill>
+                            <a:srgbClr val="000000"/>
+                          </a:solidFill>
+                          <a:uFill>
+                            <a:solidFill>
+                              <a:srgbClr val="FFFFFF"/>
+                            </a:solidFill>
+                          </a:uFill>
+                          <a:latin typeface="Arial" panose="020B0604020202020204" pitchFamily="34" charset="0"/>
+                          <a:ea typeface="+mn-ea"/>
+                          <a:cs typeface="Arial" panose="020B0604020202020204" pitchFamily="34" charset="0"/>
+                        </a:rPr>
+                        <a:t>Gitlab</a:t>
+                      </a:r>
+                      <a:r>
+                        <a:rPr lang="de-CH" sz="1100" b="1" strike="noStrike" kern="1200" spc="-1" dirty="0">
+                          <a:solidFill>
+                            <a:srgbClr val="000000"/>
+                          </a:solidFill>
+                          <a:uFill>
+                            <a:solidFill>
+                              <a:srgbClr val="FFFFFF"/>
+                            </a:solidFill>
+                          </a:uFill>
+                          <a:latin typeface="Arial" panose="020B0604020202020204" pitchFamily="34" charset="0"/>
+                          <a:ea typeface="+mn-ea"/>
+                          <a:cs typeface="Arial" panose="020B0604020202020204" pitchFamily="34" charset="0"/>
+                        </a:rPr>
+                        <a:t> einrichten</a:t>
                       </a:r>
                     </a:p>
                     <a:p>
@@ -9167,9 +11868,9 @@
                             <a:srgbClr val="FFFFFF"/>
                           </a:solidFill>
                         </a:uFill>
-                        <a:latin typeface="Arial"/>
+                        <a:latin typeface="Arial" panose="020B0604020202020204" pitchFamily="34" charset="0"/>
                         <a:ea typeface="+mn-ea"/>
-                        <a:cs typeface="+mn-cs"/>
+                        <a:cs typeface="Arial" panose="020B0604020202020204" pitchFamily="34" charset="0"/>
                       </a:endParaRPr>
                     </a:p>
                   </a:txBody>
@@ -9233,9 +11934,34 @@
                               <a:srgbClr val="FFFFFF"/>
                             </a:solidFill>
                           </a:uFill>
-                          <a:latin typeface="+mn-lt"/>
+                          <a:latin typeface="Arial" panose="020B0604020202020204" pitchFamily="34" charset="0"/>
                           <a:ea typeface="+mn-ea"/>
-                          <a:cs typeface="+mn-cs"/>
+                          <a:cs typeface="Arial" panose="020B0604020202020204" pitchFamily="34" charset="0"/>
+                        </a:rPr>
+                        <a:t>Projektplan</a:t>
+                      </a:r>
+                    </a:p>
+                    <a:p>
+                      <a:pPr marL="171450" indent="-171450" algn="l" defTabSz="914400" rtl="0" eaLnBrk="1" latinLnBrk="0" hangingPunct="1">
+                        <a:lnSpc>
+                          <a:spcPct val="100000"/>
+                        </a:lnSpc>
+                        <a:buFont typeface="Arial" panose="020B0604020202020204" pitchFamily="34" charset="0"/>
+                        <a:buChar char="•"/>
+                      </a:pPr>
+                      <a:r>
+                        <a:rPr lang="de-DE" sz="1100" b="1" strike="noStrike" kern="1200" spc="-1" dirty="0">
+                          <a:solidFill>
+                            <a:srgbClr val="000000"/>
+                          </a:solidFill>
+                          <a:uFill>
+                            <a:solidFill>
+                              <a:srgbClr val="FFFFFF"/>
+                            </a:solidFill>
+                          </a:uFill>
+                          <a:latin typeface="Arial" panose="020B0604020202020204" pitchFamily="34" charset="0"/>
+                          <a:ea typeface="+mn-ea"/>
+                          <a:cs typeface="Arial" panose="020B0604020202020204" pitchFamily="34" charset="0"/>
                         </a:rPr>
                         <a:t>Domain Modell erstellen</a:t>
                       </a:r>
@@ -9258,9 +11984,9 @@
                               <a:srgbClr val="FFFFFF"/>
                             </a:solidFill>
                           </a:uFill>
-                          <a:latin typeface="+mn-lt"/>
+                          <a:latin typeface="Arial" panose="020B0604020202020204" pitchFamily="34" charset="0"/>
                           <a:ea typeface="+mn-ea"/>
-                          <a:cs typeface="+mn-cs"/>
+                          <a:cs typeface="Arial" panose="020B0604020202020204" pitchFamily="34" charset="0"/>
                         </a:rPr>
                         <a:t>Use</a:t>
                       </a:r>
@@ -9274,9 +12000,9 @@
                               <a:srgbClr val="FFFFFF"/>
                             </a:solidFill>
                           </a:uFill>
-                          <a:latin typeface="+mn-lt"/>
+                          <a:latin typeface="Arial" panose="020B0604020202020204" pitchFamily="34" charset="0"/>
                           <a:ea typeface="+mn-ea"/>
-                          <a:cs typeface="+mn-cs"/>
+                          <a:cs typeface="Arial" panose="020B0604020202020204" pitchFamily="34" charset="0"/>
                         </a:rPr>
                         <a:t> Cases erfassen</a:t>
                       </a:r>
@@ -9299,9 +12025,9 @@
                               <a:srgbClr val="FFFFFF"/>
                             </a:solidFill>
                           </a:uFill>
-                          <a:latin typeface="+mn-lt"/>
+                          <a:latin typeface="Arial" panose="020B0604020202020204" pitchFamily="34" charset="0"/>
                           <a:ea typeface="+mn-ea"/>
-                          <a:cs typeface="+mn-cs"/>
+                          <a:cs typeface="Arial" panose="020B0604020202020204" pitchFamily="34" charset="0"/>
                         </a:rPr>
                         <a:t>Nicht-funktionale Anforderungen</a:t>
                       </a:r>
@@ -9324,9 +12050,9 @@
                               <a:srgbClr val="FFFFFF"/>
                             </a:solidFill>
                           </a:uFill>
-                          <a:latin typeface="+mn-lt"/>
+                          <a:latin typeface="Arial" panose="020B0604020202020204" pitchFamily="34" charset="0"/>
                           <a:ea typeface="+mn-ea"/>
-                          <a:cs typeface="+mn-cs"/>
+                          <a:cs typeface="Arial" panose="020B0604020202020204" pitchFamily="34" charset="0"/>
                         </a:rPr>
                         <a:t>Wireframes</a:t>
                       </a:r>
@@ -9340,9 +12066,9 @@
                               <a:srgbClr val="FFFFFF"/>
                             </a:solidFill>
                           </a:uFill>
-                          <a:latin typeface="+mn-lt"/>
+                          <a:latin typeface="Arial" panose="020B0604020202020204" pitchFamily="34" charset="0"/>
                           <a:ea typeface="+mn-ea"/>
-                          <a:cs typeface="+mn-cs"/>
+                          <a:cs typeface="Arial" panose="020B0604020202020204" pitchFamily="34" charset="0"/>
                         </a:rPr>
                         <a:t>/Personas</a:t>
                       </a:r>
@@ -9365,9 +12091,9 @@
                               <a:srgbClr val="FFFFFF"/>
                             </a:solidFill>
                           </a:uFill>
-                          <a:latin typeface="+mn-lt"/>
+                          <a:latin typeface="Arial" panose="020B0604020202020204" pitchFamily="34" charset="0"/>
                           <a:ea typeface="+mn-ea"/>
-                          <a:cs typeface="+mn-cs"/>
+                          <a:cs typeface="Arial" panose="020B0604020202020204" pitchFamily="34" charset="0"/>
                         </a:rPr>
                         <a:t>Recherche Infrastruktur</a:t>
                       </a:r>
@@ -9390,9 +12116,9 @@
                               <a:srgbClr val="FFFFFF"/>
                             </a:solidFill>
                           </a:uFill>
-                          <a:latin typeface="+mn-lt"/>
+                          <a:latin typeface="Arial" panose="020B0604020202020204" pitchFamily="34" charset="0"/>
                           <a:ea typeface="+mn-ea"/>
-                          <a:cs typeface="+mn-cs"/>
+                          <a:cs typeface="Arial" panose="020B0604020202020204" pitchFamily="34" charset="0"/>
                         </a:rPr>
                         <a:t>Recherche Framework</a:t>
                       </a:r>
@@ -9415,9 +12141,9 @@
                               <a:srgbClr val="FFFFFF"/>
                             </a:solidFill>
                           </a:uFill>
-                          <a:latin typeface="+mn-lt"/>
+                          <a:latin typeface="Arial" panose="020B0604020202020204" pitchFamily="34" charset="0"/>
                           <a:ea typeface="+mn-ea"/>
-                          <a:cs typeface="+mn-cs"/>
+                          <a:cs typeface="Arial" panose="020B0604020202020204" pitchFamily="34" charset="0"/>
                         </a:rPr>
                         <a:t>Architektur-Entscheidungen treffen</a:t>
                       </a:r>
@@ -9427,7 +12153,10 @@
                         <a:buFont typeface="Arial" panose="020B0604020202020204" pitchFamily="34" charset="0"/>
                         <a:buChar char="•"/>
                       </a:pPr>
-                      <a:endParaRPr lang="de-DE" dirty="0"/>
+                      <a:endParaRPr lang="de-DE" dirty="0">
+                        <a:latin typeface="Arial" panose="020B0604020202020204" pitchFamily="34" charset="0"/>
+                        <a:cs typeface="Arial" panose="020B0604020202020204" pitchFamily="34" charset="0"/>
+                      </a:endParaRPr>
                     </a:p>
                   </a:txBody>
                   <a:tcPr marL="88200" marR="88200">
@@ -9487,9 +12216,9 @@
                               <a:srgbClr val="FFFFFF"/>
                             </a:solidFill>
                           </a:uFill>
-                          <a:latin typeface="+mn-lt"/>
+                          <a:latin typeface="Arial" panose="020B0604020202020204" pitchFamily="34" charset="0"/>
                           <a:ea typeface="+mn-ea"/>
-                          <a:cs typeface="+mn-cs"/>
+                          <a:cs typeface="Arial" panose="020B0604020202020204" pitchFamily="34" charset="0"/>
                         </a:rPr>
                         <a:t>Aufbau Infrastruktur</a:t>
                       </a:r>
@@ -9509,9 +12238,9 @@
                               <a:srgbClr val="FFFFFF"/>
                             </a:solidFill>
                           </a:uFill>
-                          <a:latin typeface="+mn-lt"/>
+                          <a:latin typeface="Arial" panose="020B0604020202020204" pitchFamily="34" charset="0"/>
                           <a:ea typeface="+mn-ea"/>
-                          <a:cs typeface="+mn-cs"/>
+                          <a:cs typeface="Arial" panose="020B0604020202020204" pitchFamily="34" charset="0"/>
                         </a:rPr>
                         <a:t>Architektur-Schichten Diagramm</a:t>
                       </a:r>
@@ -9531,9 +12260,9 @@
                               <a:srgbClr val="FFFFFF"/>
                             </a:solidFill>
                           </a:uFill>
-                          <a:latin typeface="+mn-lt"/>
+                          <a:latin typeface="Arial" panose="020B0604020202020204" pitchFamily="34" charset="0"/>
                           <a:ea typeface="+mn-ea"/>
-                          <a:cs typeface="+mn-cs"/>
+                          <a:cs typeface="Arial" panose="020B0604020202020204" pitchFamily="34" charset="0"/>
                         </a:rPr>
                         <a:t>Datenmodell</a:t>
                       </a:r>
@@ -9553,9 +12282,9 @@
                               <a:srgbClr val="FFFFFF"/>
                             </a:solidFill>
                           </a:uFill>
-                          <a:latin typeface="+mn-lt"/>
+                          <a:latin typeface="Arial" panose="020B0604020202020204" pitchFamily="34" charset="0"/>
                           <a:ea typeface="+mn-ea"/>
-                          <a:cs typeface="+mn-cs"/>
+                          <a:cs typeface="Arial" panose="020B0604020202020204" pitchFamily="34" charset="0"/>
                         </a:rPr>
                         <a:t>Prototyping</a:t>
                       </a:r>
@@ -9569,9 +12298,9 @@
                               <a:srgbClr val="FFFFFF"/>
                             </a:solidFill>
                           </a:uFill>
-                          <a:latin typeface="+mn-lt"/>
+                          <a:latin typeface="Arial" panose="020B0604020202020204" pitchFamily="34" charset="0"/>
                           <a:ea typeface="+mn-ea"/>
-                          <a:cs typeface="+mn-cs"/>
+                          <a:cs typeface="Arial" panose="020B0604020202020204" pitchFamily="34" charset="0"/>
                         </a:rPr>
                         <a:t> Backend/Frontend</a:t>
                       </a:r>
@@ -9634,9 +12363,9 @@
                               <a:srgbClr val="FFFFFF"/>
                             </a:solidFill>
                           </a:uFill>
-                          <a:latin typeface="+mn-lt"/>
+                          <a:latin typeface="Arial" panose="020B0604020202020204" pitchFamily="34" charset="0"/>
                           <a:ea typeface="+mn-ea"/>
-                          <a:cs typeface="+mn-cs"/>
+                          <a:cs typeface="Arial" panose="020B0604020202020204" pitchFamily="34" charset="0"/>
                         </a:rPr>
                         <a:t>Umsetzung </a:t>
                       </a:r>
@@ -9650,9 +12379,9 @@
                               <a:srgbClr val="FFFFFF"/>
                             </a:solidFill>
                           </a:uFill>
-                          <a:latin typeface="+mn-lt"/>
+                          <a:latin typeface="Arial" panose="020B0604020202020204" pitchFamily="34" charset="0"/>
                           <a:ea typeface="+mn-ea"/>
-                          <a:cs typeface="+mn-cs"/>
+                          <a:cs typeface="Arial" panose="020B0604020202020204" pitchFamily="34" charset="0"/>
                         </a:rPr>
                         <a:t>Use</a:t>
                       </a:r>
@@ -9666,9 +12395,9 @@
                               <a:srgbClr val="FFFFFF"/>
                             </a:solidFill>
                           </a:uFill>
-                          <a:latin typeface="+mn-lt"/>
+                          <a:latin typeface="Arial" panose="020B0604020202020204" pitchFamily="34" charset="0"/>
                           <a:ea typeface="+mn-ea"/>
-                          <a:cs typeface="+mn-cs"/>
+                          <a:cs typeface="Arial" panose="020B0604020202020204" pitchFamily="34" charset="0"/>
                         </a:rPr>
                         <a:t> Cases</a:t>
                       </a:r>
@@ -9683,9 +12412,9 @@
                             <a:srgbClr val="FFFFFF"/>
                           </a:solidFill>
                         </a:uFill>
-                        <a:latin typeface="+mn-lt"/>
+                        <a:latin typeface="Arial" panose="020B0604020202020204" pitchFamily="34" charset="0"/>
                         <a:ea typeface="+mn-ea"/>
-                        <a:cs typeface="+mn-cs"/>
+                        <a:cs typeface="Arial" panose="020B0604020202020204" pitchFamily="34" charset="0"/>
                       </a:endParaRPr>
                     </a:p>
                   </a:txBody>
@@ -9750,7 +12479,7 @@
 </p:sld>
 </file>
 
-<file path=ppt/slides/slide3.xml><?xml version="1.0" encoding="utf-8"?>
+<file path=ppt/slides/slide4.xml><?xml version="1.0" encoding="utf-8"?>
 <p:sld xmlns:a="http://schemas.openxmlformats.org/drawingml/2006/main" xmlns:r="http://schemas.openxmlformats.org/officeDocument/2006/relationships" xmlns:p="http://schemas.openxmlformats.org/presentationml/2006/main">
   <p:cSld>
     <p:spTree>
@@ -9772,7 +12501,11 @@
           <p:cNvPr id="4" name="Table 3"/>
           <p:cNvGraphicFramePr/>
           <p:nvPr>
-            <p:extLst/>
+            <p:extLst>
+              <p:ext uri="{D42A27DB-BD31-4B8C-83A1-F6EECF244321}">
+                <p14:modId xmlns:p14="http://schemas.microsoft.com/office/powerpoint/2010/main" val="3372151375"/>
+              </p:ext>
+            </p:extLst>
           </p:nvPr>
         </p:nvGraphicFramePr>
         <p:xfrm>
@@ -9841,7 +12574,8 @@
                               <a:srgbClr val="FFFFFF"/>
                             </a:solidFill>
                           </a:uFill>
-                          <a:latin typeface="Arial"/>
+                          <a:latin typeface="Arial" panose="020B0604020202020204" pitchFamily="34" charset="0"/>
+                          <a:cs typeface="Arial" panose="020B0604020202020204" pitchFamily="34" charset="0"/>
                         </a:rPr>
                         <a:t>Release</a:t>
                       </a:r>
@@ -9854,7 +12588,8 @@
                             <a:srgbClr val="FFFFFF"/>
                           </a:solidFill>
                         </a:uFill>
-                        <a:latin typeface="Arial"/>
+                        <a:latin typeface="Arial" panose="020B0604020202020204" pitchFamily="34" charset="0"/>
+                        <a:cs typeface="Arial" panose="020B0604020202020204" pitchFamily="34" charset="0"/>
                       </a:endParaRPr>
                     </a:p>
                   </a:txBody>
@@ -9864,10 +12599,14 @@
                         <a:srgbClr val="4662AA"/>
                       </a:solidFill>
                     </a:lnL>
-                    <a:lnR w="9360">
-                      <a:solidFill>
-                        <a:srgbClr val="4662AA"/>
-                      </a:solidFill>
+                    <a:lnR w="12700" cap="flat" cmpd="sng" algn="ctr">
+                      <a:solidFill>
+                        <a:schemeClr val="accent1"/>
+                      </a:solidFill>
+                      <a:prstDash val="solid"/>
+                      <a:round/>
+                      <a:headEnd type="none" w="med" len="med"/>
+                      <a:tailEnd type="none" w="med" len="med"/>
                     </a:lnR>
                     <a:lnT w="9360">
                       <a:solidFill>
@@ -9884,7 +12623,7 @@
                     </a:solidFill>
                   </a:tcPr>
                 </a:tc>
-                <a:tc gridSpan="4">
+                <a:tc>
                   <a:txBody>
                     <a:bodyPr/>
                     <a:lstStyle/>
@@ -9904,9 +12643,10 @@
                               <a:srgbClr val="FFFFFF"/>
                             </a:solidFill>
                           </a:uFill>
-                          <a:latin typeface="Arial"/>
+                          <a:latin typeface="Arial" panose="020B0604020202020204" pitchFamily="34" charset="0"/>
+                          <a:cs typeface="Arial" panose="020B0604020202020204" pitchFamily="34" charset="0"/>
                         </a:rPr>
-                        <a:t>Release 1</a:t>
+                        <a:t>Release 1.3</a:t>
                       </a:r>
                       <a:endParaRPr lang="de-CH" sz="1800" b="0" strike="noStrike" spc="-1" dirty="0">
                         <a:solidFill>
@@ -9917,20 +12657,30 @@
                             <a:srgbClr val="FFFFFF"/>
                           </a:solidFill>
                         </a:uFill>
-                        <a:latin typeface="Arial"/>
+                        <a:latin typeface="Arial" panose="020B0604020202020204" pitchFamily="34" charset="0"/>
+                        <a:cs typeface="Arial" panose="020B0604020202020204" pitchFamily="34" charset="0"/>
                       </a:endParaRPr>
                     </a:p>
                   </a:txBody>
                   <a:tcPr marL="88200" marR="88200">
-                    <a:lnL w="9360" cap="flat" cmpd="sng" algn="ctr">
-                      <a:solidFill>
-                        <a:srgbClr val="4662AA"/>
+                    <a:lnL w="12700" cap="flat" cmpd="sng" algn="ctr">
+                      <a:solidFill>
+                        <a:schemeClr val="accent1"/>
                       </a:solidFill>
                       <a:prstDash val="solid"/>
                       <a:round/>
                       <a:headEnd type="none" w="med" len="med"/>
                       <a:tailEnd type="none" w="med" len="med"/>
                     </a:lnL>
+                    <a:lnR w="12700" cap="flat" cmpd="sng" algn="ctr">
+                      <a:solidFill>
+                        <a:schemeClr val="accent1"/>
+                      </a:solidFill>
+                      <a:prstDash val="solid"/>
+                      <a:round/>
+                      <a:headEnd type="none" w="med" len="med"/>
+                      <a:tailEnd type="none" w="med" len="med"/>
+                    </a:lnR>
                     <a:lnT w="9360">
                       <a:solidFill>
                         <a:srgbClr val="4662AA"/>
@@ -9950,10 +12700,68 @@
                     </a:solidFill>
                   </a:tcPr>
                 </a:tc>
-                <a:tc hMerge="1">
+                <a:tc>
                   <a:txBody>
                     <a:bodyPr/>
                     <a:lstStyle/>
+                    <a:p>
+                      <a:pPr marL="0" marR="0" lvl="0" indent="0" algn="l" defTabSz="914400" rtl="0" eaLnBrk="1" fontAlgn="auto" latinLnBrk="0" hangingPunct="1">
+                        <a:lnSpc>
+                          <a:spcPct val="100000"/>
+                        </a:lnSpc>
+                        <a:spcBef>
+                          <a:spcPts val="0"/>
+                        </a:spcBef>
+                        <a:spcAft>
+                          <a:spcPts val="0"/>
+                        </a:spcAft>
+                        <a:buClrTx/>
+                        <a:buSzTx/>
+                        <a:buFontTx/>
+                        <a:buNone/>
+                        <a:tabLst/>
+                        <a:defRPr/>
+                      </a:pPr>
+                      <a:r>
+                        <a:rPr kumimoji="0" lang="de-CH" sz="1400" b="1" i="0" u="none" strike="noStrike" kern="1200" cap="none" spc="-1" normalizeH="0" baseline="0" noProof="0" dirty="0">
+                          <a:ln>
+                            <a:noFill/>
+                          </a:ln>
+                          <a:solidFill>
+                            <a:srgbClr val="000000"/>
+                          </a:solidFill>
+                          <a:effectLst/>
+                          <a:uLnTx/>
+                          <a:uFill>
+                            <a:solidFill>
+                              <a:srgbClr val="FFFFFF"/>
+                            </a:solidFill>
+                          </a:uFill>
+                          <a:latin typeface="Arial" panose="020B0604020202020204" pitchFamily="34" charset="0"/>
+                          <a:ea typeface="+mn-ea"/>
+                          <a:cs typeface="Arial" panose="020B0604020202020204" pitchFamily="34" charset="0"/>
+                        </a:rPr>
+                        <a:t>Release 1.4</a:t>
+                      </a:r>
+                      <a:endParaRPr kumimoji="0" lang="de-CH" sz="1800" b="0" i="0" u="none" strike="noStrike" kern="1200" cap="none" spc="-1" normalizeH="0" baseline="0" noProof="0" dirty="0">
+                        <a:ln>
+                          <a:noFill/>
+                        </a:ln>
+                        <a:solidFill>
+                          <a:srgbClr val="000000"/>
+                        </a:solidFill>
+                        <a:effectLst/>
+                        <a:uLnTx/>
+                        <a:uFill>
+                          <a:solidFill>
+                            <a:srgbClr val="FFFFFF"/>
+                          </a:solidFill>
+                        </a:uFill>
+                        <a:latin typeface="Arial" panose="020B0604020202020204" pitchFamily="34" charset="0"/>
+                        <a:ea typeface="+mn-ea"/>
+                        <a:cs typeface="Arial" panose="020B0604020202020204" pitchFamily="34" charset="0"/>
+                      </a:endParaRPr>
+                    </a:p>
                     <a:p>
                       <a:pPr>
                         <a:lnSpc>
@@ -9969,33 +12777,38 @@
                             <a:srgbClr val="FFFFFF"/>
                           </a:solidFill>
                         </a:uFill>
-                        <a:latin typeface="Arial"/>
+                        <a:latin typeface="Arial" panose="020B0604020202020204" pitchFamily="34" charset="0"/>
+                        <a:cs typeface="Arial" panose="020B0604020202020204" pitchFamily="34" charset="0"/>
                       </a:endParaRPr>
                     </a:p>
                   </a:txBody>
                   <a:tcPr marL="88200" marR="88200">
-                    <a:lnL w="9360" cap="flat" cmpd="sng" algn="ctr">
-                      <a:solidFill>
-                        <a:srgbClr val="4662AA"/>
+                    <a:lnL w="12700" cap="flat" cmpd="sng" algn="ctr">
+                      <a:solidFill>
+                        <a:schemeClr val="accent1"/>
                       </a:solidFill>
                       <a:prstDash val="solid"/>
                       <a:round/>
                       <a:headEnd type="none" w="med" len="med"/>
                       <a:tailEnd type="none" w="med" len="med"/>
                     </a:lnL>
-                    <a:lnR w="9360" cap="flat" cmpd="sng" algn="ctr">
-                      <a:solidFill>
-                        <a:srgbClr val="4662AA"/>
+                    <a:lnR w="12700" cap="flat" cmpd="sng" algn="ctr">
+                      <a:solidFill>
+                        <a:schemeClr val="accent1"/>
                       </a:solidFill>
                       <a:prstDash val="solid"/>
                       <a:round/>
                       <a:headEnd type="none" w="med" len="med"/>
                       <a:tailEnd type="none" w="med" len="med"/>
                     </a:lnR>
-                    <a:lnT w="9360">
-                      <a:solidFill>
-                        <a:srgbClr val="4662AA"/>
-                      </a:solidFill>
+                    <a:lnT w="9360" cap="flat" cmpd="sng" algn="ctr">
+                      <a:solidFill>
+                        <a:srgbClr val="4662AA"/>
+                      </a:solidFill>
+                      <a:prstDash val="solid"/>
+                      <a:round/>
+                      <a:headEnd type="none" w="med" len="med"/>
+                      <a:tailEnd type="none" w="med" len="med"/>
                     </a:lnT>
                     <a:lnB w="9360" cap="flat" cmpd="sng" algn="ctr">
                       <a:solidFill>
@@ -10011,10 +12824,68 @@
                     </a:solidFill>
                   </a:tcPr>
                 </a:tc>
-                <a:tc hMerge="1">
+                <a:tc>
                   <a:txBody>
                     <a:bodyPr/>
                     <a:lstStyle/>
+                    <a:p>
+                      <a:pPr marL="0" marR="0" lvl="0" indent="0" algn="l" defTabSz="914400" rtl="0" eaLnBrk="1" fontAlgn="auto" latinLnBrk="0" hangingPunct="1">
+                        <a:lnSpc>
+                          <a:spcPct val="100000"/>
+                        </a:lnSpc>
+                        <a:spcBef>
+                          <a:spcPts val="0"/>
+                        </a:spcBef>
+                        <a:spcAft>
+                          <a:spcPts val="0"/>
+                        </a:spcAft>
+                        <a:buClrTx/>
+                        <a:buSzTx/>
+                        <a:buFontTx/>
+                        <a:buNone/>
+                        <a:tabLst/>
+                        <a:defRPr/>
+                      </a:pPr>
+                      <a:r>
+                        <a:rPr kumimoji="0" lang="de-CH" sz="1400" b="1" i="0" u="none" strike="noStrike" kern="1200" cap="none" spc="-1" normalizeH="0" baseline="0" noProof="0" dirty="0">
+                          <a:ln>
+                            <a:noFill/>
+                          </a:ln>
+                          <a:solidFill>
+                            <a:srgbClr val="000000"/>
+                          </a:solidFill>
+                          <a:effectLst/>
+                          <a:uLnTx/>
+                          <a:uFill>
+                            <a:solidFill>
+                              <a:srgbClr val="FFFFFF"/>
+                            </a:solidFill>
+                          </a:uFill>
+                          <a:latin typeface="Arial" panose="020B0604020202020204" pitchFamily="34" charset="0"/>
+                          <a:ea typeface="+mn-ea"/>
+                          <a:cs typeface="Arial" panose="020B0604020202020204" pitchFamily="34" charset="0"/>
+                        </a:rPr>
+                        <a:t>Release 1.5</a:t>
+                      </a:r>
+                      <a:endParaRPr kumimoji="0" lang="de-CH" sz="1800" b="0" i="0" u="none" strike="noStrike" kern="1200" cap="none" spc="-1" normalizeH="0" baseline="0" noProof="0" dirty="0">
+                        <a:ln>
+                          <a:noFill/>
+                        </a:ln>
+                        <a:solidFill>
+                          <a:srgbClr val="000000"/>
+                        </a:solidFill>
+                        <a:effectLst/>
+                        <a:uLnTx/>
+                        <a:uFill>
+                          <a:solidFill>
+                            <a:srgbClr val="FFFFFF"/>
+                          </a:solidFill>
+                        </a:uFill>
+                        <a:latin typeface="Arial" panose="020B0604020202020204" pitchFamily="34" charset="0"/>
+                        <a:ea typeface="+mn-ea"/>
+                        <a:cs typeface="Arial" panose="020B0604020202020204" pitchFamily="34" charset="0"/>
+                      </a:endParaRPr>
+                    </a:p>
                     <a:p>
                       <a:pPr>
                         <a:lnSpc>
@@ -10030,20 +12901,38 @@
                             <a:srgbClr val="FFFFFF"/>
                           </a:solidFill>
                         </a:uFill>
-                        <a:latin typeface="Arial"/>
+                        <a:latin typeface="Arial" panose="020B0604020202020204" pitchFamily="34" charset="0"/>
+                        <a:cs typeface="Arial" panose="020B0604020202020204" pitchFamily="34" charset="0"/>
                       </a:endParaRPr>
                     </a:p>
                   </a:txBody>
                   <a:tcPr marL="88200" marR="88200">
-                    <a:lnL w="9360">
-                      <a:solidFill>
-                        <a:srgbClr val="4662AA"/>
-                      </a:solidFill>
+                    <a:lnL w="12700" cap="flat" cmpd="sng" algn="ctr">
+                      <a:solidFill>
+                        <a:schemeClr val="accent1"/>
+                      </a:solidFill>
+                      <a:prstDash val="solid"/>
+                      <a:round/>
+                      <a:headEnd type="none" w="med" len="med"/>
+                      <a:tailEnd type="none" w="med" len="med"/>
                     </a:lnL>
-                    <a:lnT w="9360">
-                      <a:solidFill>
-                        <a:srgbClr val="4662AA"/>
-                      </a:solidFill>
+                    <a:lnR w="12700" cap="flat" cmpd="sng" algn="ctr">
+                      <a:solidFill>
+                        <a:schemeClr val="accent1"/>
+                      </a:solidFill>
+                      <a:prstDash val="solid"/>
+                      <a:round/>
+                      <a:headEnd type="none" w="med" len="med"/>
+                      <a:tailEnd type="none" w="med" len="med"/>
+                    </a:lnR>
+                    <a:lnT w="9360" cap="flat" cmpd="sng" algn="ctr">
+                      <a:solidFill>
+                        <a:srgbClr val="4662AA"/>
+                      </a:solidFill>
+                      <a:prstDash val="solid"/>
+                      <a:round/>
+                      <a:headEnd type="none" w="med" len="med"/>
+                      <a:tailEnd type="none" w="med" len="med"/>
                     </a:lnT>
                     <a:lnB w="9360" cap="flat" cmpd="sng" algn="ctr">
                       <a:solidFill>
@@ -10059,10 +12948,68 @@
                     </a:solidFill>
                   </a:tcPr>
                 </a:tc>
-                <a:tc hMerge="1">
+                <a:tc>
                   <a:txBody>
                     <a:bodyPr/>
                     <a:lstStyle/>
+                    <a:p>
+                      <a:pPr marL="0" marR="0" lvl="0" indent="0" algn="l" defTabSz="914400" rtl="0" eaLnBrk="1" fontAlgn="auto" latinLnBrk="0" hangingPunct="1">
+                        <a:lnSpc>
+                          <a:spcPct val="100000"/>
+                        </a:lnSpc>
+                        <a:spcBef>
+                          <a:spcPts val="0"/>
+                        </a:spcBef>
+                        <a:spcAft>
+                          <a:spcPts val="0"/>
+                        </a:spcAft>
+                        <a:buClrTx/>
+                        <a:buSzTx/>
+                        <a:buFontTx/>
+                        <a:buNone/>
+                        <a:tabLst/>
+                        <a:defRPr/>
+                      </a:pPr>
+                      <a:r>
+                        <a:rPr kumimoji="0" lang="de-CH" sz="1400" b="1" i="0" u="none" strike="noStrike" kern="1200" cap="none" spc="-1" normalizeH="0" baseline="0" noProof="0" dirty="0">
+                          <a:ln>
+                            <a:noFill/>
+                          </a:ln>
+                          <a:solidFill>
+                            <a:srgbClr val="000000"/>
+                          </a:solidFill>
+                          <a:effectLst/>
+                          <a:uLnTx/>
+                          <a:uFill>
+                            <a:solidFill>
+                              <a:srgbClr val="FFFFFF"/>
+                            </a:solidFill>
+                          </a:uFill>
+                          <a:latin typeface="Arial" panose="020B0604020202020204" pitchFamily="34" charset="0"/>
+                          <a:ea typeface="+mn-ea"/>
+                          <a:cs typeface="Arial" panose="020B0604020202020204" pitchFamily="34" charset="0"/>
+                        </a:rPr>
+                        <a:t>Release 2.0</a:t>
+                      </a:r>
+                      <a:endParaRPr kumimoji="0" lang="de-CH" sz="1800" b="0" i="0" u="none" strike="noStrike" kern="1200" cap="none" spc="-1" normalizeH="0" baseline="0" noProof="0" dirty="0">
+                        <a:ln>
+                          <a:noFill/>
+                        </a:ln>
+                        <a:solidFill>
+                          <a:srgbClr val="000000"/>
+                        </a:solidFill>
+                        <a:effectLst/>
+                        <a:uLnTx/>
+                        <a:uFill>
+                          <a:solidFill>
+                            <a:srgbClr val="FFFFFF"/>
+                          </a:solidFill>
+                        </a:uFill>
+                        <a:latin typeface="Arial" panose="020B0604020202020204" pitchFamily="34" charset="0"/>
+                        <a:ea typeface="+mn-ea"/>
+                        <a:cs typeface="Arial" panose="020B0604020202020204" pitchFamily="34" charset="0"/>
+                      </a:endParaRPr>
+                    </a:p>
                     <a:p>
                       <a:pPr>
                         <a:lnSpc>
@@ -10078,24 +13025,29 @@
                             <a:srgbClr val="FFFFFF"/>
                           </a:solidFill>
                         </a:uFill>
-                        <a:latin typeface="Arial"/>
+                        <a:latin typeface="Arial" panose="020B0604020202020204" pitchFamily="34" charset="0"/>
+                        <a:cs typeface="Arial" panose="020B0604020202020204" pitchFamily="34" charset="0"/>
                       </a:endParaRPr>
                     </a:p>
                   </a:txBody>
                   <a:tcPr marL="88200" marR="88200">
-                    <a:lnL w="9360" cap="flat" cmpd="sng" algn="ctr">
-                      <a:solidFill>
-                        <a:srgbClr val="4662AA"/>
+                    <a:lnL w="12700" cap="flat" cmpd="sng" algn="ctr">
+                      <a:solidFill>
+                        <a:schemeClr val="accent1"/>
                       </a:solidFill>
                       <a:prstDash val="solid"/>
                       <a:round/>
                       <a:headEnd type="none" w="med" len="med"/>
                       <a:tailEnd type="none" w="med" len="med"/>
                     </a:lnL>
-                    <a:lnT w="9360">
-                      <a:solidFill>
-                        <a:srgbClr val="4662AA"/>
-                      </a:solidFill>
+                    <a:lnT w="9360" cap="flat" cmpd="sng" algn="ctr">
+                      <a:solidFill>
+                        <a:srgbClr val="4662AA"/>
+                      </a:solidFill>
+                      <a:prstDash val="solid"/>
+                      <a:round/>
+                      <a:headEnd type="none" w="med" len="med"/>
+                      <a:tailEnd type="none" w="med" len="med"/>
                     </a:lnT>
                     <a:lnB w="9360" cap="flat" cmpd="sng" algn="ctr">
                       <a:solidFill>
@@ -10138,7 +13090,8 @@
                               <a:srgbClr val="FFFFFF"/>
                             </a:solidFill>
                           </a:uFill>
-                          <a:latin typeface="Arial"/>
+                          <a:latin typeface="Arial" panose="020B0604020202020204" pitchFamily="34" charset="0"/>
+                          <a:cs typeface="Arial" panose="020B0604020202020204" pitchFamily="34" charset="0"/>
                         </a:rPr>
                         <a:t>Sprint</a:t>
                       </a:r>
@@ -10151,7 +13104,8 @@
                             <a:srgbClr val="FFFFFF"/>
                           </a:solidFill>
                         </a:uFill>
-                        <a:latin typeface="Arial"/>
+                        <a:latin typeface="Arial" panose="020B0604020202020204" pitchFamily="34" charset="0"/>
+                        <a:cs typeface="Arial" panose="020B0604020202020204" pitchFamily="34" charset="0"/>
                       </a:endParaRPr>
                     </a:p>
                   </a:txBody>
@@ -10201,7 +13155,8 @@
                               <a:srgbClr val="FFFFFF"/>
                             </a:solidFill>
                           </a:uFill>
-                          <a:latin typeface="Arial"/>
+                          <a:latin typeface="Arial" panose="020B0604020202020204" pitchFamily="34" charset="0"/>
+                          <a:cs typeface="Arial" panose="020B0604020202020204" pitchFamily="34" charset="0"/>
                         </a:rPr>
                         <a:t>Sprint 4</a:t>
                       </a:r>
@@ -10214,7 +13169,8 @@
                             <a:srgbClr val="FFFFFF"/>
                           </a:solidFill>
                         </a:uFill>
-                        <a:latin typeface="Arial"/>
+                        <a:latin typeface="Arial" panose="020B0604020202020204" pitchFamily="34" charset="0"/>
+                        <a:cs typeface="Arial" panose="020B0604020202020204" pitchFamily="34" charset="0"/>
                       </a:endParaRPr>
                     </a:p>
                   </a:txBody>
@@ -10280,9 +13236,9 @@
                               <a:srgbClr val="FFFFFF"/>
                             </a:solidFill>
                           </a:uFill>
-                          <a:latin typeface="Arial"/>
+                          <a:latin typeface="Arial" panose="020B0604020202020204" pitchFamily="34" charset="0"/>
                           <a:ea typeface="+mn-ea"/>
-                          <a:cs typeface="+mn-cs"/>
+                          <a:cs typeface="Arial" panose="020B0604020202020204" pitchFamily="34" charset="0"/>
                         </a:rPr>
                         <a:t>Sprint 5</a:t>
                       </a:r>
@@ -10350,9 +13306,9 @@
                               <a:srgbClr val="FFFFFF"/>
                             </a:solidFill>
                           </a:uFill>
-                          <a:latin typeface="Arial"/>
+                          <a:latin typeface="Arial" panose="020B0604020202020204" pitchFamily="34" charset="0"/>
                           <a:ea typeface="+mn-ea"/>
-                          <a:cs typeface="+mn-cs"/>
+                          <a:cs typeface="Arial" panose="020B0604020202020204" pitchFamily="34" charset="0"/>
                         </a:rPr>
                         <a:t>Sprint 6</a:t>
                       </a:r>
@@ -10416,9 +13372,9 @@
                               <a:srgbClr val="FFFFFF"/>
                             </a:solidFill>
                           </a:uFill>
-                          <a:latin typeface="Arial"/>
+                          <a:latin typeface="Arial" panose="020B0604020202020204" pitchFamily="34" charset="0"/>
                           <a:ea typeface="+mn-ea"/>
-                          <a:cs typeface="+mn-cs"/>
+                          <a:cs typeface="Arial" panose="020B0604020202020204" pitchFamily="34" charset="0"/>
                         </a:rPr>
                         <a:t>Sprint 7</a:t>
                       </a:r>
@@ -10485,9 +13441,9 @@
                               <a:srgbClr val="FFFFFF"/>
                             </a:solidFill>
                           </a:uFill>
-                          <a:latin typeface="Arial"/>
+                          <a:latin typeface="Arial" panose="020B0604020202020204" pitchFamily="34" charset="0"/>
                           <a:ea typeface="+mn-ea"/>
-                          <a:cs typeface="+mn-cs"/>
+                          <a:cs typeface="Arial" panose="020B0604020202020204" pitchFamily="34" charset="0"/>
                         </a:rPr>
                         <a:t>Phase</a:t>
                       </a:r>
@@ -10547,25 +13503,12 @@
                               <a:srgbClr val="FFFFFF"/>
                             </a:solidFill>
                           </a:uFill>
-                          <a:latin typeface="+mn-lt"/>
+                          <a:latin typeface="Arial" panose="020B0604020202020204" pitchFamily="34" charset="0"/>
                           <a:ea typeface="+mn-ea"/>
-                          <a:cs typeface="+mn-cs"/>
+                          <a:cs typeface="Arial" panose="020B0604020202020204" pitchFamily="34" charset="0"/>
                         </a:rPr>
                         <a:t>Construction</a:t>
                       </a:r>
-                      <a:endParaRPr lang="de-CH" sz="1100" b="1" strike="noStrike" kern="1200" spc="-1" dirty="0">
-                        <a:solidFill>
-                          <a:srgbClr val="000000"/>
-                        </a:solidFill>
-                        <a:uFill>
-                          <a:solidFill>
-                            <a:srgbClr val="FFFFFF"/>
-                          </a:solidFill>
-                        </a:uFill>
-                        <a:latin typeface="Arial"/>
-                        <a:ea typeface="+mn-ea"/>
-                        <a:cs typeface="+mn-cs"/>
-                      </a:endParaRPr>
                     </a:p>
                   </a:txBody>
                   <a:tcPr marL="88200" marR="88200">
@@ -10630,25 +13573,12 @@
                               <a:srgbClr val="FFFFFF"/>
                             </a:solidFill>
                           </a:uFill>
-                          <a:latin typeface="+mn-lt"/>
+                          <a:latin typeface="Arial" panose="020B0604020202020204" pitchFamily="34" charset="0"/>
                           <a:ea typeface="+mn-ea"/>
-                          <a:cs typeface="+mn-cs"/>
+                          <a:cs typeface="Arial" panose="020B0604020202020204" pitchFamily="34" charset="0"/>
                         </a:rPr>
                         <a:t>Construction</a:t>
                       </a:r>
-                      <a:endParaRPr lang="de-CH" sz="1100" b="1" strike="noStrike" kern="1200" spc="-1" dirty="0">
-                        <a:solidFill>
-                          <a:srgbClr val="000000"/>
-                        </a:solidFill>
-                        <a:uFill>
-                          <a:solidFill>
-                            <a:srgbClr val="FFFFFF"/>
-                          </a:solidFill>
-                        </a:uFill>
-                        <a:latin typeface="Arial"/>
-                        <a:ea typeface="+mn-ea"/>
-                        <a:cs typeface="+mn-cs"/>
-                      </a:endParaRPr>
                     </a:p>
                   </a:txBody>
                   <a:tcPr marL="88200" marR="88200">
@@ -10713,25 +13643,12 @@
                               <a:srgbClr val="FFFFFF"/>
                             </a:solidFill>
                           </a:uFill>
-                          <a:latin typeface="+mn-lt"/>
+                          <a:latin typeface="Arial" panose="020B0604020202020204" pitchFamily="34" charset="0"/>
                           <a:ea typeface="+mn-ea"/>
-                          <a:cs typeface="+mn-cs"/>
+                          <a:cs typeface="Arial" panose="020B0604020202020204" pitchFamily="34" charset="0"/>
                         </a:rPr>
                         <a:t>Construction</a:t>
                       </a:r>
-                      <a:endParaRPr lang="de-CH" sz="1100" b="1" strike="noStrike" kern="1200" spc="-1" dirty="0">
-                        <a:solidFill>
-                          <a:srgbClr val="000000"/>
-                        </a:solidFill>
-                        <a:uFill>
-                          <a:solidFill>
-                            <a:srgbClr val="FFFFFF"/>
-                          </a:solidFill>
-                        </a:uFill>
-                        <a:latin typeface="Arial"/>
-                        <a:ea typeface="+mn-ea"/>
-                        <a:cs typeface="+mn-cs"/>
-                      </a:endParaRPr>
                     </a:p>
                   </a:txBody>
                   <a:tcPr marL="88200" marR="88200">
@@ -10796,9 +13713,9 @@
                               <a:srgbClr val="FFFFFF"/>
                             </a:solidFill>
                           </a:uFill>
-                          <a:latin typeface="Arial"/>
+                          <a:latin typeface="Arial" panose="020B0604020202020204" pitchFamily="34" charset="0"/>
                           <a:ea typeface="+mn-ea"/>
-                          <a:cs typeface="+mn-cs"/>
+                          <a:cs typeface="Arial" panose="020B0604020202020204" pitchFamily="34" charset="0"/>
                         </a:rPr>
                         <a:t>Transition</a:t>
                       </a:r>
@@ -10873,9 +13790,9 @@
                               <a:srgbClr val="FFFFFF"/>
                             </a:solidFill>
                           </a:uFill>
-                          <a:latin typeface="Arial"/>
+                          <a:latin typeface="Arial" panose="020B0604020202020204" pitchFamily="34" charset="0"/>
                           <a:ea typeface="+mn-ea"/>
-                          <a:cs typeface="+mn-cs"/>
+                          <a:cs typeface="Arial" panose="020B0604020202020204" pitchFamily="34" charset="0"/>
                         </a:rPr>
                         <a:t>Datum</a:t>
                       </a:r>
@@ -10935,9 +13852,9 @@
                               <a:srgbClr val="FFFFFF"/>
                             </a:solidFill>
                           </a:uFill>
-                          <a:latin typeface="Arial"/>
+                          <a:latin typeface="Arial" panose="020B0604020202020204" pitchFamily="34" charset="0"/>
                           <a:ea typeface="+mn-ea"/>
-                          <a:cs typeface="+mn-cs"/>
+                          <a:cs typeface="Arial" panose="020B0604020202020204" pitchFamily="34" charset="0"/>
                         </a:rPr>
                         <a:t>13.04.17</a:t>
                       </a:r>
@@ -10951,9 +13868,9 @@
                               <a:srgbClr val="FFFFFF"/>
                             </a:solidFill>
                           </a:uFill>
-                          <a:latin typeface="Arial"/>
+                          <a:latin typeface="Arial" panose="020B0604020202020204" pitchFamily="34" charset="0"/>
                           <a:ea typeface="+mn-ea"/>
-                          <a:cs typeface="+mn-cs"/>
+                          <a:cs typeface="Arial" panose="020B0604020202020204" pitchFamily="34" charset="0"/>
                         </a:rPr>
                         <a:t> – 27.04.17</a:t>
                       </a:r>
@@ -10966,9 +13883,9 @@
                             <a:srgbClr val="FFFFFF"/>
                           </a:solidFill>
                         </a:uFill>
-                        <a:latin typeface="Arial"/>
+                        <a:latin typeface="Arial" panose="020B0604020202020204" pitchFamily="34" charset="0"/>
                         <a:ea typeface="+mn-ea"/>
-                        <a:cs typeface="+mn-cs"/>
+                        <a:cs typeface="Arial" panose="020B0604020202020204" pitchFamily="34" charset="0"/>
                       </a:endParaRPr>
                     </a:p>
                   </a:txBody>
@@ -11034,11 +13951,11 @@
                               <a:srgbClr val="FFFFFF"/>
                             </a:solidFill>
                           </a:uFill>
-                          <a:latin typeface="Arial"/>
+                          <a:latin typeface="Arial" panose="020B0604020202020204" pitchFamily="34" charset="0"/>
                           <a:ea typeface="+mn-ea"/>
-                          <a:cs typeface="+mn-cs"/>
+                          <a:cs typeface="Arial" panose="020B0604020202020204" pitchFamily="34" charset="0"/>
                         </a:rPr>
-                        <a:t>28.04.17 – 11.05-17</a:t>
+                        <a:t>28.04.17 – 11.05.17</a:t>
                       </a:r>
                     </a:p>
                   </a:txBody>
@@ -11104,9 +14021,9 @@
                               <a:srgbClr val="FFFFFF"/>
                             </a:solidFill>
                           </a:uFill>
-                          <a:latin typeface="Arial"/>
+                          <a:latin typeface="Arial" panose="020B0604020202020204" pitchFamily="34" charset="0"/>
                           <a:ea typeface="+mn-ea"/>
-                          <a:cs typeface="+mn-cs"/>
+                          <a:cs typeface="Arial" panose="020B0604020202020204" pitchFamily="34" charset="0"/>
                         </a:rPr>
                         <a:t>12.05.17 – 25.05.17</a:t>
                       </a:r>
@@ -11174,9 +14091,9 @@
                               <a:srgbClr val="FFFFFF"/>
                             </a:solidFill>
                           </a:uFill>
-                          <a:latin typeface="Arial"/>
+                          <a:latin typeface="Arial" panose="020B0604020202020204" pitchFamily="34" charset="0"/>
                           <a:ea typeface="+mn-ea"/>
-                          <a:cs typeface="+mn-cs"/>
+                          <a:cs typeface="Arial" panose="020B0604020202020204" pitchFamily="34" charset="0"/>
                         </a:rPr>
                         <a:t>26.05.17</a:t>
                       </a:r>
@@ -11190,9 +14107,9 @@
                               <a:srgbClr val="FFFFFF"/>
                             </a:solidFill>
                           </a:uFill>
-                          <a:latin typeface="Arial"/>
+                          <a:latin typeface="Arial" panose="020B0604020202020204" pitchFamily="34" charset="0"/>
                           <a:ea typeface="+mn-ea"/>
-                          <a:cs typeface="+mn-cs"/>
+                          <a:cs typeface="Arial" panose="020B0604020202020204" pitchFamily="34" charset="0"/>
                         </a:rPr>
                         <a:t> – 02.06.17</a:t>
                       </a:r>
@@ -11205,9 +14122,9 @@
                             <a:srgbClr val="FFFFFF"/>
                           </a:solidFill>
                         </a:uFill>
-                        <a:latin typeface="Arial"/>
+                        <a:latin typeface="Arial" panose="020B0604020202020204" pitchFamily="34" charset="0"/>
                         <a:ea typeface="+mn-ea"/>
-                        <a:cs typeface="+mn-cs"/>
+                        <a:cs typeface="Arial" panose="020B0604020202020204" pitchFamily="34" charset="0"/>
                       </a:endParaRPr>
                     </a:p>
                   </a:txBody>
@@ -11280,9 +14197,9 @@
                               <a:srgbClr val="FFFFFF"/>
                             </a:solidFill>
                           </a:uFill>
-                          <a:latin typeface="Arial"/>
+                          <a:latin typeface="Arial" panose="020B0604020202020204" pitchFamily="34" charset="0"/>
                           <a:ea typeface="+mn-ea"/>
-                          <a:cs typeface="+mn-cs"/>
+                          <a:cs typeface="Arial" panose="020B0604020202020204" pitchFamily="34" charset="0"/>
                         </a:rPr>
                         <a:t>Milestones</a:t>
                       </a:r>
@@ -11342,79 +14259,35 @@
                               <a:srgbClr val="FFFFFF"/>
                             </a:solidFill>
                           </a:uFill>
-                          <a:latin typeface="Arial"/>
+                          <a:latin typeface="Arial" panose="020B0604020202020204" pitchFamily="34" charset="0"/>
                           <a:ea typeface="+mn-ea"/>
-                          <a:cs typeface="+mn-cs"/>
+                          <a:cs typeface="Arial" panose="020B0604020202020204" pitchFamily="34" charset="0"/>
                         </a:rPr>
                         <a:t>RV4 Architektur/Design</a:t>
                       </a:r>
                     </a:p>
-                  </a:txBody>
-                  <a:tcPr marL="88200" marR="88200">
-                    <a:lnL w="9360" cap="flat" cmpd="sng" algn="ctr">
-                      <a:solidFill>
-                        <a:srgbClr val="4662AA"/>
-                      </a:solidFill>
-                      <a:prstDash val="solid"/>
-                      <a:round/>
-                      <a:headEnd type="none" w="med" len="med"/>
-                      <a:tailEnd type="none" w="med" len="med"/>
-                    </a:lnL>
-                    <a:lnR w="9360" cap="flat" cmpd="sng" algn="ctr">
-                      <a:solidFill>
-                        <a:srgbClr val="4662AA"/>
-                      </a:solidFill>
-                      <a:prstDash val="solid"/>
-                      <a:round/>
-                      <a:headEnd type="none" w="med" len="med"/>
-                      <a:tailEnd type="none" w="med" len="med"/>
-                    </a:lnR>
-                    <a:lnT w="9360" cap="flat" cmpd="sng" algn="ctr">
-                      <a:solidFill>
-                        <a:srgbClr val="4662AA"/>
-                      </a:solidFill>
-                      <a:prstDash val="solid"/>
-                      <a:round/>
-                      <a:headEnd type="none" w="med" len="med"/>
-                      <a:tailEnd type="none" w="med" len="med"/>
-                    </a:lnT>
-                    <a:lnB w="9360" cap="flat" cmpd="sng" algn="ctr">
-                      <a:solidFill>
-                        <a:srgbClr val="4662AA"/>
-                      </a:solidFill>
-                      <a:prstDash val="solid"/>
-                      <a:round/>
-                      <a:headEnd type="none" w="med" len="med"/>
-                      <a:tailEnd type="none" w="med" len="med"/>
-                    </a:lnB>
-                    <a:solidFill>
-                      <a:srgbClr val="D4E5F7"/>
-                    </a:solidFill>
-                  </a:tcPr>
-                </a:tc>
-                <a:tc>
-                  <a:txBody>
-                    <a:bodyPr/>
-                    <a:lstStyle/>
                     <a:p>
                       <a:pPr marL="0" algn="l" defTabSz="914400" rtl="0" eaLnBrk="1" latinLnBrk="0" hangingPunct="1">
                         <a:lnSpc>
                           <a:spcPct val="100000"/>
                         </a:lnSpc>
                       </a:pPr>
-                      <a:endParaRPr lang="de-CH" sz="1100" b="1" strike="noStrike" kern="1200" spc="-1" dirty="0">
-                        <a:solidFill>
-                          <a:srgbClr val="000000"/>
-                        </a:solidFill>
-                        <a:uFill>
+                      <a:r>
+                        <a:rPr lang="de-CH" sz="1100" b="1" strike="noStrike" kern="1200" spc="-1" dirty="0">
                           <a:solidFill>
-                            <a:srgbClr val="FFFFFF"/>
+                            <a:srgbClr val="000000"/>
                           </a:solidFill>
-                        </a:uFill>
-                        <a:latin typeface="Arial"/>
-                        <a:ea typeface="+mn-ea"/>
-                        <a:cs typeface="+mn-cs"/>
-                      </a:endParaRPr>
+                          <a:uFill>
+                            <a:solidFill>
+                              <a:srgbClr val="FFFFFF"/>
+                            </a:solidFill>
+                          </a:uFill>
+                          <a:latin typeface="Arial" panose="020B0604020202020204" pitchFamily="34" charset="0"/>
+                          <a:ea typeface="+mn-ea"/>
+                          <a:cs typeface="Arial" panose="020B0604020202020204" pitchFamily="34" charset="0"/>
+                        </a:rPr>
+                        <a:t>Alpha</a:t>
+                      </a:r>
                     </a:p>
                   </a:txBody>
                   <a:tcPr marL="88200" marR="88200">
@@ -11479,11 +14352,11 @@
                               <a:srgbClr val="FFFFFF"/>
                             </a:solidFill>
                           </a:uFill>
-                          <a:latin typeface="Arial"/>
+                          <a:latin typeface="Arial" panose="020B0604020202020204" pitchFamily="34" charset="0"/>
                           <a:ea typeface="+mn-ea"/>
-                          <a:cs typeface="+mn-cs"/>
+                          <a:cs typeface="Arial" panose="020B0604020202020204" pitchFamily="34" charset="0"/>
                         </a:rPr>
-                        <a:t>MS Construction</a:t>
+                        <a:t>Beta</a:t>
                       </a:r>
                     </a:p>
                   </a:txBody>
@@ -11549,9 +14422,79 @@
                               <a:srgbClr val="FFFFFF"/>
                             </a:solidFill>
                           </a:uFill>
-                          <a:latin typeface="+mn-lt"/>
+                          <a:latin typeface="Arial" panose="020B0604020202020204" pitchFamily="34" charset="0"/>
                           <a:ea typeface="+mn-ea"/>
-                          <a:cs typeface="+mn-cs"/>
+                          <a:cs typeface="Arial" panose="020B0604020202020204" pitchFamily="34" charset="0"/>
+                        </a:rPr>
+                        <a:t>MS Construction</a:t>
+                      </a:r>
+                    </a:p>
+                  </a:txBody>
+                  <a:tcPr marL="88200" marR="88200">
+                    <a:lnL w="9360" cap="flat" cmpd="sng" algn="ctr">
+                      <a:solidFill>
+                        <a:srgbClr val="4662AA"/>
+                      </a:solidFill>
+                      <a:prstDash val="solid"/>
+                      <a:round/>
+                      <a:headEnd type="none" w="med" len="med"/>
+                      <a:tailEnd type="none" w="med" len="med"/>
+                    </a:lnL>
+                    <a:lnR w="9360" cap="flat" cmpd="sng" algn="ctr">
+                      <a:solidFill>
+                        <a:srgbClr val="4662AA"/>
+                      </a:solidFill>
+                      <a:prstDash val="solid"/>
+                      <a:round/>
+                      <a:headEnd type="none" w="med" len="med"/>
+                      <a:tailEnd type="none" w="med" len="med"/>
+                    </a:lnR>
+                    <a:lnT w="9360" cap="flat" cmpd="sng" algn="ctr">
+                      <a:solidFill>
+                        <a:srgbClr val="4662AA"/>
+                      </a:solidFill>
+                      <a:prstDash val="solid"/>
+                      <a:round/>
+                      <a:headEnd type="none" w="med" len="med"/>
+                      <a:tailEnd type="none" w="med" len="med"/>
+                    </a:lnT>
+                    <a:lnB w="9360" cap="flat" cmpd="sng" algn="ctr">
+                      <a:solidFill>
+                        <a:srgbClr val="4662AA"/>
+                      </a:solidFill>
+                      <a:prstDash val="solid"/>
+                      <a:round/>
+                      <a:headEnd type="none" w="med" len="med"/>
+                      <a:tailEnd type="none" w="med" len="med"/>
+                    </a:lnB>
+                    <a:solidFill>
+                      <a:srgbClr val="D4E5F7"/>
+                    </a:solidFill>
+                  </a:tcPr>
+                </a:tc>
+                <a:tc>
+                  <a:txBody>
+                    <a:bodyPr/>
+                    <a:lstStyle/>
+                    <a:p>
+                      <a:pPr marL="0" algn="l" defTabSz="914400" rtl="0" eaLnBrk="1" latinLnBrk="0" hangingPunct="1">
+                        <a:lnSpc>
+                          <a:spcPct val="100000"/>
+                        </a:lnSpc>
+                      </a:pPr>
+                      <a:r>
+                        <a:rPr lang="de-CH" sz="1100" b="1" strike="noStrike" kern="1200" spc="-1" dirty="0">
+                          <a:solidFill>
+                            <a:srgbClr val="000000"/>
+                          </a:solidFill>
+                          <a:uFill>
+                            <a:solidFill>
+                              <a:srgbClr val="FFFFFF"/>
+                            </a:solidFill>
+                          </a:uFill>
+                          <a:latin typeface="Arial" panose="020B0604020202020204" pitchFamily="34" charset="0"/>
+                          <a:ea typeface="+mn-ea"/>
+                          <a:cs typeface="Arial" panose="020B0604020202020204" pitchFamily="34" charset="0"/>
                         </a:rPr>
                         <a:t>Schlusspräsentation/-abgabe</a:t>
                       </a:r>
@@ -11572,9 +14515,9 @@
                               <a:srgbClr val="FFFFFF"/>
                             </a:solidFill>
                           </a:uFill>
-                          <a:latin typeface="Arial"/>
+                          <a:latin typeface="Arial" panose="020B0604020202020204" pitchFamily="34" charset="0"/>
                           <a:ea typeface="+mn-ea"/>
-                          <a:cs typeface="+mn-cs"/>
+                          <a:cs typeface="Arial" panose="020B0604020202020204" pitchFamily="34" charset="0"/>
                         </a:rPr>
                         <a:t>MS Transition</a:t>
                       </a:r>
@@ -11649,9 +14592,9 @@
                               <a:srgbClr val="FFFFFF"/>
                             </a:solidFill>
                           </a:uFill>
-                          <a:latin typeface="Arial"/>
+                          <a:latin typeface="Arial" panose="020B0604020202020204" pitchFamily="34" charset="0"/>
                           <a:ea typeface="+mn-ea"/>
-                          <a:cs typeface="+mn-cs"/>
+                          <a:cs typeface="Arial" panose="020B0604020202020204" pitchFamily="34" charset="0"/>
                         </a:rPr>
                         <a:t>Zeitbudget</a:t>
                       </a:r>
@@ -11711,9 +14654,9 @@
                               <a:srgbClr val="FFFFFF"/>
                             </a:solidFill>
                           </a:uFill>
-                          <a:latin typeface="Arial"/>
+                          <a:latin typeface="Arial" panose="020B0604020202020204" pitchFamily="34" charset="0"/>
                           <a:ea typeface="+mn-ea"/>
-                          <a:cs typeface="+mn-cs"/>
+                          <a:cs typeface="Arial" panose="020B0604020202020204" pitchFamily="34" charset="0"/>
                         </a:rPr>
                         <a:t>69h</a:t>
                       </a:r>
@@ -11781,25 +14724,12 @@
                               <a:srgbClr val="FFFFFF"/>
                             </a:solidFill>
                           </a:uFill>
-                          <a:latin typeface="+mn-lt"/>
+                          <a:latin typeface="Arial" panose="020B0604020202020204" pitchFamily="34" charset="0"/>
                           <a:ea typeface="+mn-ea"/>
-                          <a:cs typeface="+mn-cs"/>
+                          <a:cs typeface="Arial" panose="020B0604020202020204" pitchFamily="34" charset="0"/>
                         </a:rPr>
                         <a:t>69h</a:t>
                       </a:r>
-                      <a:endParaRPr lang="de-CH" sz="1100" b="1" strike="noStrike" kern="1200" spc="-1" dirty="0">
-                        <a:solidFill>
-                          <a:srgbClr val="000000"/>
-                        </a:solidFill>
-                        <a:uFill>
-                          <a:solidFill>
-                            <a:srgbClr val="FFFFFF"/>
-                          </a:solidFill>
-                        </a:uFill>
-                        <a:latin typeface="Arial"/>
-                        <a:ea typeface="+mn-ea"/>
-                        <a:cs typeface="+mn-cs"/>
-                      </a:endParaRPr>
                     </a:p>
                   </a:txBody>
                   <a:tcPr marL="88200" marR="88200">
@@ -11864,9 +14794,9 @@
                               <a:srgbClr val="FFFFFF"/>
                             </a:solidFill>
                           </a:uFill>
-                          <a:latin typeface="Arial"/>
+                          <a:latin typeface="Arial" panose="020B0604020202020204" pitchFamily="34" charset="0"/>
                           <a:ea typeface="+mn-ea"/>
-                          <a:cs typeface="+mn-cs"/>
+                          <a:cs typeface="Arial" panose="020B0604020202020204" pitchFamily="34" charset="0"/>
                         </a:rPr>
                         <a:t>69h</a:t>
                       </a:r>
@@ -11934,9 +14864,9 @@
                               <a:srgbClr val="FFFFFF"/>
                             </a:solidFill>
                           </a:uFill>
-                          <a:latin typeface="Arial"/>
+                          <a:latin typeface="Arial" panose="020B0604020202020204" pitchFamily="34" charset="0"/>
                           <a:ea typeface="+mn-ea"/>
-                          <a:cs typeface="+mn-cs"/>
+                          <a:cs typeface="Arial" panose="020B0604020202020204" pitchFamily="34" charset="0"/>
                         </a:rPr>
                         <a:t>34.5h</a:t>
                       </a:r>
@@ -12011,7 +14941,8 @@
                               <a:srgbClr val="FFFFFF"/>
                             </a:solidFill>
                           </a:uFill>
-                          <a:latin typeface="Arial"/>
+                          <a:latin typeface="Arial" panose="020B0604020202020204" pitchFamily="34" charset="0"/>
+                          <a:cs typeface="Arial" panose="020B0604020202020204" pitchFamily="34" charset="0"/>
                         </a:rPr>
                         <a:t>Arbeitspakete</a:t>
                       </a:r>
@@ -12024,7 +14955,8 @@
                             <a:srgbClr val="FFFFFF"/>
                           </a:solidFill>
                         </a:uFill>
-                        <a:latin typeface="Arial"/>
+                        <a:latin typeface="Arial" panose="020B0604020202020204" pitchFamily="34" charset="0"/>
+                        <a:cs typeface="Arial" panose="020B0604020202020204" pitchFamily="34" charset="0"/>
                       </a:endParaRPr>
                     </a:p>
                   </a:txBody>
@@ -12094,9 +15026,9 @@
                               <a:srgbClr val="FFFFFF"/>
                             </a:solidFill>
                           </a:uFill>
-                          <a:latin typeface="Arial"/>
+                          <a:latin typeface="Arial" panose="020B0604020202020204" pitchFamily="34" charset="0"/>
                           <a:ea typeface="+mn-ea"/>
-                          <a:cs typeface="+mn-cs"/>
+                          <a:cs typeface="Arial" panose="020B0604020202020204" pitchFamily="34" charset="0"/>
                         </a:rPr>
                         <a:t>Umsetzung </a:t>
                       </a:r>
@@ -12110,9 +15042,9 @@
                               <a:srgbClr val="FFFFFF"/>
                             </a:solidFill>
                           </a:uFill>
-                          <a:latin typeface="Arial"/>
+                          <a:latin typeface="Arial" panose="020B0604020202020204" pitchFamily="34" charset="0"/>
                           <a:ea typeface="+mn-ea"/>
-                          <a:cs typeface="+mn-cs"/>
+                          <a:cs typeface="Arial" panose="020B0604020202020204" pitchFamily="34" charset="0"/>
                         </a:rPr>
                         <a:t>Use</a:t>
                       </a:r>
@@ -12126,9 +15058,9 @@
                               <a:srgbClr val="FFFFFF"/>
                             </a:solidFill>
                           </a:uFill>
-                          <a:latin typeface="Arial"/>
+                          <a:latin typeface="Arial" panose="020B0604020202020204" pitchFamily="34" charset="0"/>
                           <a:ea typeface="+mn-ea"/>
-                          <a:cs typeface="+mn-cs"/>
+                          <a:cs typeface="Arial" panose="020B0604020202020204" pitchFamily="34" charset="0"/>
                         </a:rPr>
                         <a:t> Cases</a:t>
                       </a:r>
@@ -12143,9 +15075,9 @@
                             <a:srgbClr val="FFFFFF"/>
                           </a:solidFill>
                         </a:uFill>
-                        <a:latin typeface="Arial"/>
+                        <a:latin typeface="Arial" panose="020B0604020202020204" pitchFamily="34" charset="0"/>
                         <a:ea typeface="+mn-ea"/>
-                        <a:cs typeface="+mn-cs"/>
+                        <a:cs typeface="Arial" panose="020B0604020202020204" pitchFamily="34" charset="0"/>
                       </a:endParaRPr>
                     </a:p>
                   </a:txBody>
@@ -12219,9 +15151,9 @@
                               <a:srgbClr val="FFFFFF"/>
                             </a:solidFill>
                           </a:uFill>
-                          <a:latin typeface="Arial"/>
+                          <a:latin typeface="Arial" panose="020B0604020202020204" pitchFamily="34" charset="0"/>
                           <a:ea typeface="+mn-ea"/>
-                          <a:cs typeface="+mn-cs"/>
+                          <a:cs typeface="Arial" panose="020B0604020202020204" pitchFamily="34" charset="0"/>
                         </a:rPr>
                         <a:t>Umsetzung </a:t>
                       </a:r>
@@ -12235,9 +15167,9 @@
                               <a:srgbClr val="FFFFFF"/>
                             </a:solidFill>
                           </a:uFill>
-                          <a:latin typeface="Arial"/>
+                          <a:latin typeface="Arial" panose="020B0604020202020204" pitchFamily="34" charset="0"/>
                           <a:ea typeface="+mn-ea"/>
-                          <a:cs typeface="+mn-cs"/>
+                          <a:cs typeface="Arial" panose="020B0604020202020204" pitchFamily="34" charset="0"/>
                         </a:rPr>
                         <a:t>Use</a:t>
                       </a:r>
@@ -12251,9 +15183,9 @@
                               <a:srgbClr val="FFFFFF"/>
                             </a:solidFill>
                           </a:uFill>
-                          <a:latin typeface="Arial"/>
+                          <a:latin typeface="Arial" panose="020B0604020202020204" pitchFamily="34" charset="0"/>
                           <a:ea typeface="+mn-ea"/>
-                          <a:cs typeface="+mn-cs"/>
+                          <a:cs typeface="Arial" panose="020B0604020202020204" pitchFamily="34" charset="0"/>
                         </a:rPr>
                         <a:t> Cases</a:t>
                       </a:r>
@@ -12268,9 +15200,9 @@
                             <a:srgbClr val="FFFFFF"/>
                           </a:solidFill>
                         </a:uFill>
-                        <a:latin typeface="Arial"/>
+                        <a:latin typeface="Arial" panose="020B0604020202020204" pitchFamily="34" charset="0"/>
                         <a:ea typeface="+mn-ea"/>
-                        <a:cs typeface="+mn-cs"/>
+                        <a:cs typeface="Arial" panose="020B0604020202020204" pitchFamily="34" charset="0"/>
                       </a:endParaRPr>
                     </a:p>
                   </a:txBody>
@@ -12344,9 +15276,9 @@
                               <a:srgbClr val="FFFFFF"/>
                             </a:solidFill>
                           </a:uFill>
-                          <a:latin typeface="Arial"/>
+                          <a:latin typeface="Arial" panose="020B0604020202020204" pitchFamily="34" charset="0"/>
                           <a:ea typeface="+mn-ea"/>
-                          <a:cs typeface="+mn-cs"/>
+                          <a:cs typeface="Arial" panose="020B0604020202020204" pitchFamily="34" charset="0"/>
                         </a:rPr>
                         <a:t>Umsetzung </a:t>
                       </a:r>
@@ -12360,9 +15292,9 @@
                               <a:srgbClr val="FFFFFF"/>
                             </a:solidFill>
                           </a:uFill>
-                          <a:latin typeface="Arial"/>
+                          <a:latin typeface="Arial" panose="020B0604020202020204" pitchFamily="34" charset="0"/>
                           <a:ea typeface="+mn-ea"/>
-                          <a:cs typeface="+mn-cs"/>
+                          <a:cs typeface="Arial" panose="020B0604020202020204" pitchFamily="34" charset="0"/>
                         </a:rPr>
                         <a:t>Use</a:t>
                       </a:r>
@@ -12376,9 +15308,9 @@
                               <a:srgbClr val="FFFFFF"/>
                             </a:solidFill>
                           </a:uFill>
-                          <a:latin typeface="Arial"/>
+                          <a:latin typeface="Arial" panose="020B0604020202020204" pitchFamily="34" charset="0"/>
                           <a:ea typeface="+mn-ea"/>
-                          <a:cs typeface="+mn-cs"/>
+                          <a:cs typeface="Arial" panose="020B0604020202020204" pitchFamily="34" charset="0"/>
                         </a:rPr>
                         <a:t> Cases</a:t>
                       </a:r>
@@ -12393,9 +15325,9 @@
                             <a:srgbClr val="FFFFFF"/>
                           </a:solidFill>
                         </a:uFill>
-                        <a:latin typeface="Arial"/>
+                        <a:latin typeface="Arial" panose="020B0604020202020204" pitchFamily="34" charset="0"/>
                         <a:ea typeface="+mn-ea"/>
-                        <a:cs typeface="+mn-cs"/>
+                        <a:cs typeface="Arial" panose="020B0604020202020204" pitchFamily="34" charset="0"/>
                       </a:endParaRPr>
                     </a:p>
                   </a:txBody>
@@ -12469,9 +15401,9 @@
                               <a:srgbClr val="FFFFFF"/>
                             </a:solidFill>
                           </a:uFill>
-                          <a:latin typeface="+mn-lt"/>
+                          <a:latin typeface="Arial" panose="020B0604020202020204" pitchFamily="34" charset="0"/>
                           <a:ea typeface="+mn-ea"/>
-                          <a:cs typeface="+mn-cs"/>
+                          <a:cs typeface="Arial" panose="020B0604020202020204" pitchFamily="34" charset="0"/>
                         </a:rPr>
                         <a:t>Clean-</a:t>
                       </a:r>
@@ -12485,9 +15417,9 @@
                               <a:srgbClr val="FFFFFF"/>
                             </a:solidFill>
                           </a:uFill>
-                          <a:latin typeface="+mn-lt"/>
+                          <a:latin typeface="Arial" panose="020B0604020202020204" pitchFamily="34" charset="0"/>
                           <a:ea typeface="+mn-ea"/>
-                          <a:cs typeface="+mn-cs"/>
+                          <a:cs typeface="Arial" panose="020B0604020202020204" pitchFamily="34" charset="0"/>
                         </a:rPr>
                         <a:t>Up</a:t>
                       </a:r>
@@ -12500,9 +15432,9 @@
                             <a:srgbClr val="FFFFFF"/>
                           </a:solidFill>
                         </a:uFill>
-                        <a:latin typeface="+mn-lt"/>
+                        <a:latin typeface="Arial" panose="020B0604020202020204" pitchFamily="34" charset="0"/>
                         <a:ea typeface="+mn-ea"/>
-                        <a:cs typeface="+mn-cs"/>
+                        <a:cs typeface="Arial" panose="020B0604020202020204" pitchFamily="34" charset="0"/>
                       </a:endParaRPr>
                     </a:p>
                     <a:p>
@@ -12533,9 +15465,9 @@
                               <a:srgbClr val="FFFFFF"/>
                             </a:solidFill>
                           </a:uFill>
-                          <a:latin typeface="+mn-lt"/>
+                          <a:latin typeface="Arial" panose="020B0604020202020204" pitchFamily="34" charset="0"/>
                           <a:ea typeface="+mn-ea"/>
-                          <a:cs typeface="+mn-cs"/>
+                          <a:cs typeface="Arial" panose="020B0604020202020204" pitchFamily="34" charset="0"/>
                         </a:rPr>
                         <a:t>Abschluss vorbereiten</a:t>
                       </a:r>

--- a/docs/projektplan/Planung.pptx
+++ b/docs/projektplan/Planung.pptx
@@ -246,7 +246,7 @@
           <a:p>
             <a:fld id="{F62DC6A6-6B88-47CD-A4C8-73718E3169B5}" type="datetimeFigureOut">
               <a:rPr lang="de-CH" smtClean="0"/>
-              <a:t>01.03.2017</a:t>
+              <a:t>03.03.2017</a:t>
             </a:fld>
             <a:endParaRPr lang="de-CH"/>
           </a:p>
@@ -416,7 +416,7 @@
           <a:p>
             <a:fld id="{F62DC6A6-6B88-47CD-A4C8-73718E3169B5}" type="datetimeFigureOut">
               <a:rPr lang="de-CH" smtClean="0"/>
-              <a:t>01.03.2017</a:t>
+              <a:t>03.03.2017</a:t>
             </a:fld>
             <a:endParaRPr lang="de-CH"/>
           </a:p>
@@ -596,7 +596,7 @@
           <a:p>
             <a:fld id="{F62DC6A6-6B88-47CD-A4C8-73718E3169B5}" type="datetimeFigureOut">
               <a:rPr lang="de-CH" smtClean="0"/>
-              <a:t>01.03.2017</a:t>
+              <a:t>03.03.2017</a:t>
             </a:fld>
             <a:endParaRPr lang="de-CH"/>
           </a:p>
@@ -871,7 +871,7 @@
           <a:p>
             <a:fld id="{F62DC6A6-6B88-47CD-A4C8-73718E3169B5}" type="datetimeFigureOut">
               <a:rPr lang="de-CH" smtClean="0"/>
-              <a:t>01.03.2017</a:t>
+              <a:t>03.03.2017</a:t>
             </a:fld>
             <a:endParaRPr lang="de-CH"/>
           </a:p>
@@ -1117,7 +1117,7 @@
           <a:p>
             <a:fld id="{F62DC6A6-6B88-47CD-A4C8-73718E3169B5}" type="datetimeFigureOut">
               <a:rPr lang="de-CH" smtClean="0"/>
-              <a:t>01.03.2017</a:t>
+              <a:t>03.03.2017</a:t>
             </a:fld>
             <a:endParaRPr lang="de-CH"/>
           </a:p>
@@ -1349,7 +1349,7 @@
           <a:p>
             <a:fld id="{F62DC6A6-6B88-47CD-A4C8-73718E3169B5}" type="datetimeFigureOut">
               <a:rPr lang="de-CH" smtClean="0"/>
-              <a:t>01.03.2017</a:t>
+              <a:t>03.03.2017</a:t>
             </a:fld>
             <a:endParaRPr lang="de-CH"/>
           </a:p>
@@ -1716,7 +1716,7 @@
           <a:p>
             <a:fld id="{F62DC6A6-6B88-47CD-A4C8-73718E3169B5}" type="datetimeFigureOut">
               <a:rPr lang="de-CH" smtClean="0"/>
-              <a:t>01.03.2017</a:t>
+              <a:t>03.03.2017</a:t>
             </a:fld>
             <a:endParaRPr lang="de-CH"/>
           </a:p>
@@ -1834,7 +1834,7 @@
           <a:p>
             <a:fld id="{F62DC6A6-6B88-47CD-A4C8-73718E3169B5}" type="datetimeFigureOut">
               <a:rPr lang="de-CH" smtClean="0"/>
-              <a:t>01.03.2017</a:t>
+              <a:t>03.03.2017</a:t>
             </a:fld>
             <a:endParaRPr lang="de-CH"/>
           </a:p>
@@ -1929,7 +1929,7 @@
           <a:p>
             <a:fld id="{F62DC6A6-6B88-47CD-A4C8-73718E3169B5}" type="datetimeFigureOut">
               <a:rPr lang="de-CH" smtClean="0"/>
-              <a:t>01.03.2017</a:t>
+              <a:t>03.03.2017</a:t>
             </a:fld>
             <a:endParaRPr lang="de-CH"/>
           </a:p>
@@ -2206,7 +2206,7 @@
           <a:p>
             <a:fld id="{F62DC6A6-6B88-47CD-A4C8-73718E3169B5}" type="datetimeFigureOut">
               <a:rPr lang="de-CH" smtClean="0"/>
-              <a:t>01.03.2017</a:t>
+              <a:t>03.03.2017</a:t>
             </a:fld>
             <a:endParaRPr lang="de-CH"/>
           </a:p>
@@ -2459,7 +2459,7 @@
           <a:p>
             <a:fld id="{F62DC6A6-6B88-47CD-A4C8-73718E3169B5}" type="datetimeFigureOut">
               <a:rPr lang="de-CH" smtClean="0"/>
-              <a:t>01.03.2017</a:t>
+              <a:t>03.03.2017</a:t>
             </a:fld>
             <a:endParaRPr lang="de-CH"/>
           </a:p>
@@ -2672,7 +2672,7 @@
           <a:p>
             <a:fld id="{F62DC6A6-6B88-47CD-A4C8-73718E3169B5}" type="datetimeFigureOut">
               <a:rPr lang="de-CH" smtClean="0"/>
-              <a:t>01.03.2017</a:t>
+              <a:t>03.03.2017</a:t>
             </a:fld>
             <a:endParaRPr lang="de-CH"/>
           </a:p>
@@ -7654,17 +7654,6 @@
               </a:rPr>
               <a:t>Review Projektplan mit Zeitplan und aktuellen Iterationsplänen</a:t>
             </a:r>
-            <a:endParaRPr lang="de-CH" sz="900" spc="-1" dirty="0">
-              <a:solidFill>
-                <a:srgbClr val="000000"/>
-              </a:solidFill>
-              <a:uFill>
-                <a:solidFill>
-                  <a:srgbClr val="FFFFFF"/>
-                </a:solidFill>
-              </a:uFill>
-              <a:latin typeface="Arial"/>
-            </a:endParaRPr>
           </a:p>
         </p:txBody>
       </p:sp>
@@ -8152,7 +8141,7 @@
         </p:nvSpPr>
         <p:spPr>
           <a:xfrm>
-            <a:off x="2359248" y="1836055"/>
+            <a:off x="2349520" y="1836055"/>
             <a:ext cx="3973458" cy="410887"/>
           </a:xfrm>
           <a:prstGeom prst="rect">
@@ -8241,17 +8230,6 @@
               </a:rPr>
               <a:t>Review der Anforderungsspezifikation und der Domainanalyse</a:t>
             </a:r>
-            <a:endParaRPr lang="de-CH" sz="900" spc="-1" dirty="0">
-              <a:solidFill>
-                <a:srgbClr val="000000"/>
-              </a:solidFill>
-              <a:uFill>
-                <a:solidFill>
-                  <a:srgbClr val="FFFFFF"/>
-                </a:solidFill>
-              </a:uFill>
-              <a:latin typeface="Arial"/>
-            </a:endParaRPr>
           </a:p>
         </p:txBody>
       </p:sp>
@@ -8263,7 +8241,7 @@
         </p:nvSpPr>
         <p:spPr>
           <a:xfrm>
-            <a:off x="2359247" y="2331870"/>
+            <a:off x="2349519" y="2331870"/>
             <a:ext cx="4498753" cy="410887"/>
           </a:xfrm>
           <a:prstGeom prst="rect">
@@ -8377,7 +8355,7 @@
         </p:nvSpPr>
         <p:spPr>
           <a:xfrm>
-            <a:off x="2359248" y="2837181"/>
+            <a:off x="2349520" y="2837181"/>
             <a:ext cx="4498752" cy="410887"/>
           </a:xfrm>
           <a:prstGeom prst="rect">
@@ -8466,17 +8444,6 @@
               </a:rPr>
               <a:t>Zwischenpräsentation mit Demo eines Architekturprototypen, Review</a:t>
             </a:r>
-            <a:endParaRPr lang="de-CH" sz="900" spc="-1" dirty="0">
-              <a:solidFill>
-                <a:srgbClr val="000000"/>
-              </a:solidFill>
-              <a:uFill>
-                <a:solidFill>
-                  <a:srgbClr val="FFFFFF"/>
-                </a:solidFill>
-              </a:uFill>
-              <a:latin typeface="Arial"/>
-            </a:endParaRPr>
           </a:p>
         </p:txBody>
       </p:sp>
@@ -8488,7 +8455,7 @@
         </p:nvSpPr>
         <p:spPr>
           <a:xfrm>
-            <a:off x="2359248" y="3341051"/>
+            <a:off x="2339792" y="3341051"/>
             <a:ext cx="3739994" cy="410887"/>
           </a:xfrm>
           <a:prstGeom prst="rect">
@@ -8566,7 +8533,7 @@
                 </a:uFill>
                 <a:latin typeface="Arial"/>
               </a:rPr>
-              <a:t>20.03.2017</a:t>
+              <a:t>20.04.2017</a:t>
             </a:r>
           </a:p>
           <a:p>
@@ -8587,33 +8554,8 @@
                 </a:uFill>
                 <a:latin typeface="Arial"/>
               </a:rPr>
-              <a:t>Review von Architektur/Design und </a:t>
+              <a:t>Review von Architektur/Design und Architekturdokumentation</a:t>
             </a:r>
-            <a:r>
-              <a:rPr lang="de-CH" sz="900" spc="-1" dirty="0" err="1">
-                <a:solidFill>
-                  <a:srgbClr val="000000"/>
-                </a:solidFill>
-                <a:uFill>
-                  <a:solidFill>
-                    <a:srgbClr val="FFFFFF"/>
-                  </a:solidFill>
-                </a:uFill>
-                <a:latin typeface="Arial"/>
-              </a:rPr>
-              <a:t>Architekturdoku</a:t>
-            </a:r>
-            <a:endParaRPr lang="de-CH" sz="900" spc="-1" dirty="0">
-              <a:solidFill>
-                <a:srgbClr val="000000"/>
-              </a:solidFill>
-              <a:uFill>
-                <a:solidFill>
-                  <a:srgbClr val="FFFFFF"/>
-                </a:solidFill>
-              </a:uFill>
-              <a:latin typeface="Arial"/>
-            </a:endParaRPr>
           </a:p>
         </p:txBody>
       </p:sp>
@@ -8625,7 +8567,7 @@
         </p:nvSpPr>
         <p:spPr>
           <a:xfrm>
-            <a:off x="2359248" y="4846974"/>
+            <a:off x="2339792" y="4846974"/>
             <a:ext cx="2345714" cy="410887"/>
           </a:xfrm>
           <a:prstGeom prst="rect">
@@ -8703,7 +8645,7 @@
                 </a:uFill>
                 <a:latin typeface="Arial"/>
               </a:rPr>
-              <a:t>25.05.2017</a:t>
+              <a:t>19.05.2017</a:t>
             </a:r>
           </a:p>
           <a:p>
@@ -8762,7 +8704,7 @@
         </p:nvSpPr>
         <p:spPr>
           <a:xfrm>
-            <a:off x="2359248" y="5343952"/>
+            <a:off x="2330064" y="5343952"/>
             <a:ext cx="2345714" cy="410887"/>
           </a:xfrm>
           <a:prstGeom prst="rect">
@@ -8828,7 +8770,7 @@
                 </a:uFill>
                 <a:latin typeface="Arial"/>
               </a:rPr>
-              <a:t>01.06.2017</a:t>
+              <a:t>02.06.2017</a:t>
             </a:r>
           </a:p>
           <a:p>
@@ -8915,7 +8857,7 @@
         </p:nvSpPr>
         <p:spPr>
           <a:xfrm>
-            <a:off x="2359248" y="5839401"/>
+            <a:off x="2320336" y="5839401"/>
             <a:ext cx="2345714" cy="410887"/>
           </a:xfrm>
           <a:prstGeom prst="rect">
@@ -9260,17 +9202,6 @@
               </a:rPr>
               <a:t>Alpha Release der Applikation</a:t>
             </a:r>
-            <a:endParaRPr lang="de-CH" sz="900" spc="-1" dirty="0">
-              <a:solidFill>
-                <a:srgbClr val="000000"/>
-              </a:solidFill>
-              <a:uFill>
-                <a:solidFill>
-                  <a:srgbClr val="FFFFFF"/>
-                </a:solidFill>
-              </a:uFill>
-              <a:latin typeface="Arial"/>
-            </a:endParaRPr>
           </a:p>
         </p:txBody>
       </p:sp>
@@ -9424,7 +9355,7 @@
           <p:nvPr>
             <p:extLst>
               <p:ext uri="{D42A27DB-BD31-4B8C-83A1-F6EECF244321}">
-                <p14:modId xmlns:p14="http://schemas.microsoft.com/office/powerpoint/2010/main" val="639052626"/>
+                <p14:modId xmlns:p14="http://schemas.microsoft.com/office/powerpoint/2010/main" val="2448335145"/>
               </p:ext>
             </p:extLst>
           </p:nvPr>
@@ -12149,6 +12080,168 @@
                       </a:r>
                     </a:p>
                     <a:p>
+                      <a:pPr marL="171450" indent="-171450" algn="l" defTabSz="914400" rtl="0" eaLnBrk="1" latinLnBrk="0" hangingPunct="1">
+                        <a:lnSpc>
+                          <a:spcPct val="100000"/>
+                        </a:lnSpc>
+                        <a:buFont typeface="Arial" panose="020B0604020202020204" pitchFamily="34" charset="0"/>
+                        <a:buChar char="•"/>
+                      </a:pPr>
+                      <a:r>
+                        <a:rPr lang="de-DE" sz="1100" b="1" strike="noStrike" kern="1200" spc="-1" dirty="0">
+                          <a:solidFill>
+                            <a:srgbClr val="000000"/>
+                          </a:solidFill>
+                          <a:uFill>
+                            <a:solidFill>
+                              <a:srgbClr val="FFFFFF"/>
+                            </a:solidFill>
+                          </a:uFill>
+                          <a:latin typeface="Arial" panose="020B0604020202020204" pitchFamily="34" charset="0"/>
+                          <a:ea typeface="+mn-ea"/>
+                          <a:cs typeface="Arial" panose="020B0604020202020204" pitchFamily="34" charset="0"/>
+                        </a:rPr>
+                        <a:t>Sprint</a:t>
+                      </a:r>
+                      <a:r>
+                        <a:rPr lang="de-DE" sz="1100" b="1" strike="noStrike" kern="1200" spc="-1" baseline="0" dirty="0">
+                          <a:solidFill>
+                            <a:srgbClr val="000000"/>
+                          </a:solidFill>
+                          <a:uFill>
+                            <a:solidFill>
+                              <a:srgbClr val="FFFFFF"/>
+                            </a:solidFill>
+                          </a:uFill>
+                          <a:latin typeface="Arial" panose="020B0604020202020204" pitchFamily="34" charset="0"/>
+                          <a:ea typeface="+mn-ea"/>
+                          <a:cs typeface="Arial" panose="020B0604020202020204" pitchFamily="34" charset="0"/>
+                        </a:rPr>
+                        <a:t> </a:t>
+                      </a:r>
+                      <a:r>
+                        <a:rPr lang="de-DE" sz="1100" b="1" strike="noStrike" kern="1200" spc="-1" baseline="0" dirty="0" err="1">
+                          <a:solidFill>
+                            <a:srgbClr val="000000"/>
+                          </a:solidFill>
+                          <a:uFill>
+                            <a:solidFill>
+                              <a:srgbClr val="FFFFFF"/>
+                            </a:solidFill>
+                          </a:uFill>
+                          <a:latin typeface="Arial" panose="020B0604020202020204" pitchFamily="34" charset="0"/>
+                          <a:ea typeface="+mn-ea"/>
+                          <a:cs typeface="Arial" panose="020B0604020202020204" pitchFamily="34" charset="0"/>
+                        </a:rPr>
+                        <a:t>Planning</a:t>
+                      </a:r>
+                      <a:endParaRPr lang="de-DE" sz="1100" b="1" strike="noStrike" kern="1200" spc="-1" baseline="0" dirty="0">
+                        <a:solidFill>
+                          <a:srgbClr val="000000"/>
+                        </a:solidFill>
+                        <a:uFill>
+                          <a:solidFill>
+                            <a:srgbClr val="FFFFFF"/>
+                          </a:solidFill>
+                        </a:uFill>
+                        <a:latin typeface="Arial" panose="020B0604020202020204" pitchFamily="34" charset="0"/>
+                        <a:ea typeface="+mn-ea"/>
+                        <a:cs typeface="Arial" panose="020B0604020202020204" pitchFamily="34" charset="0"/>
+                      </a:endParaRPr>
+                    </a:p>
+                    <a:p>
+                      <a:pPr marL="171450" indent="-171450" algn="l" defTabSz="914400" rtl="0" eaLnBrk="1" latinLnBrk="0" hangingPunct="1">
+                        <a:lnSpc>
+                          <a:spcPct val="100000"/>
+                        </a:lnSpc>
+                        <a:buFont typeface="Arial" panose="020B0604020202020204" pitchFamily="34" charset="0"/>
+                        <a:buChar char="•"/>
+                      </a:pPr>
+                      <a:r>
+                        <a:rPr lang="de-DE" sz="1100" b="1" strike="noStrike" kern="1200" spc="-1" baseline="0" dirty="0">
+                          <a:solidFill>
+                            <a:srgbClr val="000000"/>
+                          </a:solidFill>
+                          <a:uFill>
+                            <a:solidFill>
+                              <a:srgbClr val="FFFFFF"/>
+                            </a:solidFill>
+                          </a:uFill>
+                          <a:latin typeface="Arial" panose="020B0604020202020204" pitchFamily="34" charset="0"/>
+                          <a:ea typeface="+mn-ea"/>
+                          <a:cs typeface="Arial" panose="020B0604020202020204" pitchFamily="34" charset="0"/>
+                        </a:rPr>
+                        <a:t>Stand-</a:t>
+                      </a:r>
+                      <a:r>
+                        <a:rPr lang="de-DE" sz="1100" b="1" strike="noStrike" kern="1200" spc="-1" baseline="0" dirty="0" err="1">
+                          <a:solidFill>
+                            <a:srgbClr val="000000"/>
+                          </a:solidFill>
+                          <a:uFill>
+                            <a:solidFill>
+                              <a:srgbClr val="FFFFFF"/>
+                            </a:solidFill>
+                          </a:uFill>
+                          <a:latin typeface="Arial" panose="020B0604020202020204" pitchFamily="34" charset="0"/>
+                          <a:ea typeface="+mn-ea"/>
+                          <a:cs typeface="Arial" panose="020B0604020202020204" pitchFamily="34" charset="0"/>
+                        </a:rPr>
+                        <a:t>up</a:t>
+                      </a:r>
+                      <a:r>
+                        <a:rPr lang="de-DE" sz="1100" b="1" strike="noStrike" kern="1200" spc="-1" baseline="0" dirty="0">
+                          <a:solidFill>
+                            <a:srgbClr val="000000"/>
+                          </a:solidFill>
+                          <a:uFill>
+                            <a:solidFill>
+                              <a:srgbClr val="FFFFFF"/>
+                            </a:solidFill>
+                          </a:uFill>
+                          <a:latin typeface="Arial" panose="020B0604020202020204" pitchFamily="34" charset="0"/>
+                          <a:ea typeface="+mn-ea"/>
+                          <a:cs typeface="Arial" panose="020B0604020202020204" pitchFamily="34" charset="0"/>
+                        </a:rPr>
+                        <a:t> Meeting</a:t>
+                      </a:r>
+                      <a:endParaRPr lang="de-DE" sz="1100" b="1" strike="noStrike" kern="1200" spc="-1" dirty="0">
+                        <a:solidFill>
+                          <a:srgbClr val="000000"/>
+                        </a:solidFill>
+                        <a:uFill>
+                          <a:solidFill>
+                            <a:srgbClr val="FFFFFF"/>
+                          </a:solidFill>
+                        </a:uFill>
+                        <a:latin typeface="Arial" panose="020B0604020202020204" pitchFamily="34" charset="0"/>
+                        <a:ea typeface="+mn-ea"/>
+                        <a:cs typeface="Arial" panose="020B0604020202020204" pitchFamily="34" charset="0"/>
+                      </a:endParaRPr>
+                    </a:p>
+                    <a:p>
+                      <a:pPr marL="0" indent="0" algn="l" defTabSz="914400" rtl="0" eaLnBrk="1" latinLnBrk="0" hangingPunct="1">
+                        <a:lnSpc>
+                          <a:spcPct val="100000"/>
+                        </a:lnSpc>
+                        <a:buFont typeface="Arial" panose="020B0604020202020204" pitchFamily="34" charset="0"/>
+                        <a:buNone/>
+                      </a:pPr>
+                      <a:endParaRPr lang="de-DE" sz="1100" b="1" strike="noStrike" kern="1200" spc="-1" dirty="0">
+                        <a:solidFill>
+                          <a:srgbClr val="000000"/>
+                        </a:solidFill>
+                        <a:uFill>
+                          <a:solidFill>
+                            <a:srgbClr val="FFFFFF"/>
+                          </a:solidFill>
+                        </a:uFill>
+                        <a:latin typeface="Arial" panose="020B0604020202020204" pitchFamily="34" charset="0"/>
+                        <a:ea typeface="+mn-ea"/>
+                        <a:cs typeface="Arial" panose="020B0604020202020204" pitchFamily="34" charset="0"/>
+                      </a:endParaRPr>
+                    </a:p>
+                    <a:p>
                       <a:pPr marL="285750" indent="-285750">
                         <a:buFont typeface="Arial" panose="020B0604020202020204" pitchFamily="34" charset="0"/>
                         <a:buChar char="•"/>
@@ -12305,6 +12398,187 @@
                         <a:t> Backend/Frontend</a:t>
                       </a:r>
                     </a:p>
+                    <a:p>
+                      <a:pPr marL="171450" indent="-171450" algn="l" defTabSz="914400" rtl="0" eaLnBrk="1" latinLnBrk="0" hangingPunct="1">
+                        <a:lnSpc>
+                          <a:spcPct val="100000"/>
+                        </a:lnSpc>
+                        <a:buFont typeface="Arial" panose="020B0604020202020204" pitchFamily="34" charset="0"/>
+                        <a:buChar char="•"/>
+                      </a:pPr>
+                      <a:r>
+                        <a:rPr lang="de-DE" sz="1100" b="1" strike="noStrike" kern="1200" spc="-1" dirty="0">
+                          <a:solidFill>
+                            <a:srgbClr val="000000"/>
+                          </a:solidFill>
+                          <a:uFill>
+                            <a:solidFill>
+                              <a:srgbClr val="FFFFFF"/>
+                            </a:solidFill>
+                          </a:uFill>
+                          <a:latin typeface="Arial" panose="020B0604020202020204" pitchFamily="34" charset="0"/>
+                          <a:ea typeface="+mn-ea"/>
+                          <a:cs typeface="Arial" panose="020B0604020202020204" pitchFamily="34" charset="0"/>
+                        </a:rPr>
+                        <a:t>Sprint</a:t>
+                      </a:r>
+                      <a:r>
+                        <a:rPr lang="de-DE" sz="1100" b="1" strike="noStrike" kern="1200" spc="-1" baseline="0" dirty="0">
+                          <a:solidFill>
+                            <a:srgbClr val="000000"/>
+                          </a:solidFill>
+                          <a:uFill>
+                            <a:solidFill>
+                              <a:srgbClr val="FFFFFF"/>
+                            </a:solidFill>
+                          </a:uFill>
+                          <a:latin typeface="Arial" panose="020B0604020202020204" pitchFamily="34" charset="0"/>
+                          <a:ea typeface="+mn-ea"/>
+                          <a:cs typeface="Arial" panose="020B0604020202020204" pitchFamily="34" charset="0"/>
+                        </a:rPr>
+                        <a:t> </a:t>
+                      </a:r>
+                      <a:r>
+                        <a:rPr lang="de-DE" sz="1100" b="1" strike="noStrike" kern="1200" spc="-1" baseline="0" dirty="0" err="1">
+                          <a:solidFill>
+                            <a:srgbClr val="000000"/>
+                          </a:solidFill>
+                          <a:uFill>
+                            <a:solidFill>
+                              <a:srgbClr val="FFFFFF"/>
+                            </a:solidFill>
+                          </a:uFill>
+                          <a:latin typeface="Arial" panose="020B0604020202020204" pitchFamily="34" charset="0"/>
+                          <a:ea typeface="+mn-ea"/>
+                          <a:cs typeface="Arial" panose="020B0604020202020204" pitchFamily="34" charset="0"/>
+                        </a:rPr>
+                        <a:t>Planning</a:t>
+                      </a:r>
+                      <a:endParaRPr lang="de-DE" sz="1100" b="1" strike="noStrike" kern="1200" spc="-1" baseline="0" dirty="0">
+                        <a:solidFill>
+                          <a:srgbClr val="000000"/>
+                        </a:solidFill>
+                        <a:uFill>
+                          <a:solidFill>
+                            <a:srgbClr val="FFFFFF"/>
+                          </a:solidFill>
+                        </a:uFill>
+                        <a:latin typeface="Arial" panose="020B0604020202020204" pitchFamily="34" charset="0"/>
+                        <a:ea typeface="+mn-ea"/>
+                        <a:cs typeface="Arial" panose="020B0604020202020204" pitchFamily="34" charset="0"/>
+                      </a:endParaRPr>
+                    </a:p>
+                    <a:p>
+                      <a:pPr marL="171450" indent="-171450" algn="l" defTabSz="914400" rtl="0" eaLnBrk="1" latinLnBrk="0" hangingPunct="1">
+                        <a:lnSpc>
+                          <a:spcPct val="100000"/>
+                        </a:lnSpc>
+                        <a:buFont typeface="Arial" panose="020B0604020202020204" pitchFamily="34" charset="0"/>
+                        <a:buChar char="•"/>
+                      </a:pPr>
+                      <a:r>
+                        <a:rPr lang="de-DE" sz="1100" b="1" strike="noStrike" kern="1200" spc="-1" baseline="0" dirty="0">
+                          <a:solidFill>
+                            <a:srgbClr val="000000"/>
+                          </a:solidFill>
+                          <a:uFill>
+                            <a:solidFill>
+                              <a:srgbClr val="FFFFFF"/>
+                            </a:solidFill>
+                          </a:uFill>
+                          <a:latin typeface="Arial" panose="020B0604020202020204" pitchFamily="34" charset="0"/>
+                          <a:ea typeface="+mn-ea"/>
+                          <a:cs typeface="Arial" panose="020B0604020202020204" pitchFamily="34" charset="0"/>
+                        </a:rPr>
+                        <a:t>Stand-</a:t>
+                      </a:r>
+                      <a:r>
+                        <a:rPr lang="de-DE" sz="1100" b="1" strike="noStrike" kern="1200" spc="-1" baseline="0" dirty="0" err="1">
+                          <a:solidFill>
+                            <a:srgbClr val="000000"/>
+                          </a:solidFill>
+                          <a:uFill>
+                            <a:solidFill>
+                              <a:srgbClr val="FFFFFF"/>
+                            </a:solidFill>
+                          </a:uFill>
+                          <a:latin typeface="Arial" panose="020B0604020202020204" pitchFamily="34" charset="0"/>
+                          <a:ea typeface="+mn-ea"/>
+                          <a:cs typeface="Arial" panose="020B0604020202020204" pitchFamily="34" charset="0"/>
+                        </a:rPr>
+                        <a:t>up</a:t>
+                      </a:r>
+                      <a:r>
+                        <a:rPr lang="de-DE" sz="1100" b="1" strike="noStrike" kern="1200" spc="-1" baseline="0" dirty="0">
+                          <a:solidFill>
+                            <a:srgbClr val="000000"/>
+                          </a:solidFill>
+                          <a:uFill>
+                            <a:solidFill>
+                              <a:srgbClr val="FFFFFF"/>
+                            </a:solidFill>
+                          </a:uFill>
+                          <a:latin typeface="Arial" panose="020B0604020202020204" pitchFamily="34" charset="0"/>
+                          <a:ea typeface="+mn-ea"/>
+                          <a:cs typeface="Arial" panose="020B0604020202020204" pitchFamily="34" charset="0"/>
+                        </a:rPr>
+                        <a:t> Meeting</a:t>
+                      </a:r>
+                      <a:endParaRPr lang="de-DE" sz="1100" b="1" strike="noStrike" kern="1200" spc="-1" dirty="0">
+                        <a:solidFill>
+                          <a:srgbClr val="000000"/>
+                        </a:solidFill>
+                        <a:uFill>
+                          <a:solidFill>
+                            <a:srgbClr val="FFFFFF"/>
+                          </a:solidFill>
+                        </a:uFill>
+                        <a:latin typeface="Arial" panose="020B0604020202020204" pitchFamily="34" charset="0"/>
+                        <a:ea typeface="+mn-ea"/>
+                        <a:cs typeface="Arial" panose="020B0604020202020204" pitchFamily="34" charset="0"/>
+                      </a:endParaRPr>
+                    </a:p>
+                    <a:p>
+                      <a:pPr marL="171450" indent="-171450">
+                        <a:buFont typeface="Arial" panose="020B0604020202020204" pitchFamily="34" charset="0"/>
+                        <a:buChar char="•"/>
+                      </a:pPr>
+                      <a:r>
+                        <a:rPr lang="de-CH" sz="1100" b="1" strike="noStrike" kern="1200" spc="-1" dirty="0">
+                          <a:solidFill>
+                            <a:srgbClr val="000000"/>
+                          </a:solidFill>
+                          <a:uFill>
+                            <a:solidFill>
+                              <a:srgbClr val="FFFFFF"/>
+                            </a:solidFill>
+                          </a:uFill>
+                          <a:latin typeface="Arial" panose="020B0604020202020204" pitchFamily="34" charset="0"/>
+                          <a:ea typeface="+mn-ea"/>
+                          <a:cs typeface="Arial" panose="020B0604020202020204" pitchFamily="34" charset="0"/>
+                        </a:rPr>
+                        <a:t>Retrospektive</a:t>
+                      </a:r>
+                    </a:p>
+                    <a:p>
+                      <a:pPr marL="171450" indent="-171450">
+                        <a:buFont typeface="Arial" panose="020B0604020202020204" pitchFamily="34" charset="0"/>
+                        <a:buChar char="•"/>
+                      </a:pPr>
+                      <a:endParaRPr lang="de-CH" sz="1100" b="1" strike="noStrike" kern="1200" spc="-1" dirty="0">
+                        <a:solidFill>
+                          <a:srgbClr val="000000"/>
+                        </a:solidFill>
+                        <a:uFill>
+                          <a:solidFill>
+                            <a:srgbClr val="FFFFFF"/>
+                          </a:solidFill>
+                        </a:uFill>
+                        <a:latin typeface="Arial" panose="020B0604020202020204" pitchFamily="34" charset="0"/>
+                        <a:ea typeface="+mn-ea"/>
+                        <a:cs typeface="Arial" panose="020B0604020202020204" pitchFamily="34" charset="0"/>
+                      </a:endParaRPr>
+                    </a:p>
                   </a:txBody>
                   <a:tcPr marL="88200" marR="88200">
                     <a:lnL w="9360" cap="flat" cmpd="sng" algn="ctr">
@@ -12401,6 +12675,165 @@
                         </a:rPr>
                         <a:t> Cases</a:t>
                       </a:r>
+                    </a:p>
+                    <a:p>
+                      <a:pPr marL="171450" indent="-171450" algn="l" defTabSz="914400" rtl="0" eaLnBrk="1" latinLnBrk="0" hangingPunct="1">
+                        <a:lnSpc>
+                          <a:spcPct val="100000"/>
+                        </a:lnSpc>
+                        <a:buFont typeface="Arial" panose="020B0604020202020204" pitchFamily="34" charset="0"/>
+                        <a:buChar char="•"/>
+                      </a:pPr>
+                      <a:r>
+                        <a:rPr lang="de-DE" sz="1100" b="1" strike="noStrike" kern="1200" spc="-1" dirty="0">
+                          <a:solidFill>
+                            <a:srgbClr val="000000"/>
+                          </a:solidFill>
+                          <a:uFill>
+                            <a:solidFill>
+                              <a:srgbClr val="FFFFFF"/>
+                            </a:solidFill>
+                          </a:uFill>
+                          <a:latin typeface="Arial" panose="020B0604020202020204" pitchFamily="34" charset="0"/>
+                          <a:ea typeface="+mn-ea"/>
+                          <a:cs typeface="Arial" panose="020B0604020202020204" pitchFamily="34" charset="0"/>
+                        </a:rPr>
+                        <a:t>Sprint</a:t>
+                      </a:r>
+                      <a:r>
+                        <a:rPr lang="de-DE" sz="1100" b="1" strike="noStrike" kern="1200" spc="-1" baseline="0" dirty="0">
+                          <a:solidFill>
+                            <a:srgbClr val="000000"/>
+                          </a:solidFill>
+                          <a:uFill>
+                            <a:solidFill>
+                              <a:srgbClr val="FFFFFF"/>
+                            </a:solidFill>
+                          </a:uFill>
+                          <a:latin typeface="Arial" panose="020B0604020202020204" pitchFamily="34" charset="0"/>
+                          <a:ea typeface="+mn-ea"/>
+                          <a:cs typeface="Arial" panose="020B0604020202020204" pitchFamily="34" charset="0"/>
+                        </a:rPr>
+                        <a:t> </a:t>
+                      </a:r>
+                      <a:r>
+                        <a:rPr lang="de-DE" sz="1100" b="1" strike="noStrike" kern="1200" spc="-1" baseline="0" dirty="0" err="1">
+                          <a:solidFill>
+                            <a:srgbClr val="000000"/>
+                          </a:solidFill>
+                          <a:uFill>
+                            <a:solidFill>
+                              <a:srgbClr val="FFFFFF"/>
+                            </a:solidFill>
+                          </a:uFill>
+                          <a:latin typeface="Arial" panose="020B0604020202020204" pitchFamily="34" charset="0"/>
+                          <a:ea typeface="+mn-ea"/>
+                          <a:cs typeface="Arial" panose="020B0604020202020204" pitchFamily="34" charset="0"/>
+                        </a:rPr>
+                        <a:t>Planning</a:t>
+                      </a:r>
+                      <a:endParaRPr lang="de-DE" sz="1100" b="1" strike="noStrike" kern="1200" spc="-1" baseline="0" dirty="0">
+                        <a:solidFill>
+                          <a:srgbClr val="000000"/>
+                        </a:solidFill>
+                        <a:uFill>
+                          <a:solidFill>
+                            <a:srgbClr val="FFFFFF"/>
+                          </a:solidFill>
+                        </a:uFill>
+                        <a:latin typeface="Arial" panose="020B0604020202020204" pitchFamily="34" charset="0"/>
+                        <a:ea typeface="+mn-ea"/>
+                        <a:cs typeface="Arial" panose="020B0604020202020204" pitchFamily="34" charset="0"/>
+                      </a:endParaRPr>
+                    </a:p>
+                    <a:p>
+                      <a:pPr marL="171450" indent="-171450" algn="l" defTabSz="914400" rtl="0" eaLnBrk="1" latinLnBrk="0" hangingPunct="1">
+                        <a:lnSpc>
+                          <a:spcPct val="100000"/>
+                        </a:lnSpc>
+                        <a:buFont typeface="Arial" panose="020B0604020202020204" pitchFamily="34" charset="0"/>
+                        <a:buChar char="•"/>
+                      </a:pPr>
+                      <a:r>
+                        <a:rPr lang="de-DE" sz="1100" b="1" strike="noStrike" kern="1200" spc="-1" baseline="0" dirty="0">
+                          <a:solidFill>
+                            <a:srgbClr val="000000"/>
+                          </a:solidFill>
+                          <a:uFill>
+                            <a:solidFill>
+                              <a:srgbClr val="FFFFFF"/>
+                            </a:solidFill>
+                          </a:uFill>
+                          <a:latin typeface="Arial" panose="020B0604020202020204" pitchFamily="34" charset="0"/>
+                          <a:ea typeface="+mn-ea"/>
+                          <a:cs typeface="Arial" panose="020B0604020202020204" pitchFamily="34" charset="0"/>
+                        </a:rPr>
+                        <a:t>Stand-</a:t>
+                      </a:r>
+                      <a:r>
+                        <a:rPr lang="de-DE" sz="1100" b="1" strike="noStrike" kern="1200" spc="-1" baseline="0" dirty="0" err="1">
+                          <a:solidFill>
+                            <a:srgbClr val="000000"/>
+                          </a:solidFill>
+                          <a:uFill>
+                            <a:solidFill>
+                              <a:srgbClr val="FFFFFF"/>
+                            </a:solidFill>
+                          </a:uFill>
+                          <a:latin typeface="Arial" panose="020B0604020202020204" pitchFamily="34" charset="0"/>
+                          <a:ea typeface="+mn-ea"/>
+                          <a:cs typeface="Arial" panose="020B0604020202020204" pitchFamily="34" charset="0"/>
+                        </a:rPr>
+                        <a:t>up</a:t>
+                      </a:r>
+                      <a:r>
+                        <a:rPr lang="de-DE" sz="1100" b="1" strike="noStrike" kern="1200" spc="-1" baseline="0" dirty="0">
+                          <a:solidFill>
+                            <a:srgbClr val="000000"/>
+                          </a:solidFill>
+                          <a:uFill>
+                            <a:solidFill>
+                              <a:srgbClr val="FFFFFF"/>
+                            </a:solidFill>
+                          </a:uFill>
+                          <a:latin typeface="Arial" panose="020B0604020202020204" pitchFamily="34" charset="0"/>
+                          <a:ea typeface="+mn-ea"/>
+                          <a:cs typeface="Arial" panose="020B0604020202020204" pitchFamily="34" charset="0"/>
+                        </a:rPr>
+                        <a:t> Meeting</a:t>
+                      </a:r>
+                      <a:endParaRPr lang="de-DE" sz="1100" b="1" strike="noStrike" kern="1200" spc="-1" dirty="0">
+                        <a:solidFill>
+                          <a:srgbClr val="000000"/>
+                        </a:solidFill>
+                        <a:uFill>
+                          <a:solidFill>
+                            <a:srgbClr val="FFFFFF"/>
+                          </a:solidFill>
+                        </a:uFill>
+                        <a:latin typeface="Arial" panose="020B0604020202020204" pitchFamily="34" charset="0"/>
+                        <a:ea typeface="+mn-ea"/>
+                        <a:cs typeface="Arial" panose="020B0604020202020204" pitchFamily="34" charset="0"/>
+                      </a:endParaRPr>
+                    </a:p>
+                    <a:p>
+                      <a:pPr marL="171450" indent="-171450">
+                        <a:buFont typeface="Arial" panose="020B0604020202020204" pitchFamily="34" charset="0"/>
+                        <a:buChar char="•"/>
+                      </a:pPr>
+                      <a:endParaRPr lang="de-DE" sz="1100" b="1" strike="noStrike" kern="1200" spc="-1" dirty="0">
+                        <a:solidFill>
+                          <a:srgbClr val="000000"/>
+                        </a:solidFill>
+                        <a:uFill>
+                          <a:solidFill>
+                            <a:srgbClr val="FFFFFF"/>
+                          </a:solidFill>
+                        </a:uFill>
+                        <a:latin typeface="Arial" panose="020B0604020202020204" pitchFamily="34" charset="0"/>
+                        <a:ea typeface="+mn-ea"/>
+                        <a:cs typeface="Arial" panose="020B0604020202020204" pitchFamily="34" charset="0"/>
+                      </a:endParaRPr>
                     </a:p>
                     <a:p>
                       <a:endParaRPr lang="de-DE" sz="1100" b="1" strike="noStrike" kern="1200" spc="-1" dirty="0">
@@ -12503,7 +12936,7 @@
           <p:nvPr>
             <p:extLst>
               <p:ext uri="{D42A27DB-BD31-4B8C-83A1-F6EECF244321}">
-                <p14:modId xmlns:p14="http://schemas.microsoft.com/office/powerpoint/2010/main" val="3372151375"/>
+                <p14:modId xmlns:p14="http://schemas.microsoft.com/office/powerpoint/2010/main" val="3926332276"/>
               </p:ext>
             </p:extLst>
           </p:nvPr>
@@ -13647,7 +14080,7 @@
                           <a:ea typeface="+mn-ea"/>
                           <a:cs typeface="Arial" panose="020B0604020202020204" pitchFamily="34" charset="0"/>
                         </a:rPr>
-                        <a:t>Construction</a:t>
+                        <a:t>Construction / Transition</a:t>
                       </a:r>
                     </a:p>
                   </a:txBody>
@@ -14477,6 +14910,54 @@
                     <a:bodyPr/>
                     <a:lstStyle/>
                     <a:p>
+                      <a:pPr marL="0" marR="0" lvl="0" indent="0" algn="l" defTabSz="914400" rtl="0" eaLnBrk="1" fontAlgn="auto" latinLnBrk="0" hangingPunct="1">
+                        <a:lnSpc>
+                          <a:spcPct val="100000"/>
+                        </a:lnSpc>
+                        <a:spcBef>
+                          <a:spcPts val="0"/>
+                        </a:spcBef>
+                        <a:spcAft>
+                          <a:spcPts val="0"/>
+                        </a:spcAft>
+                        <a:buClrTx/>
+                        <a:buSzTx/>
+                        <a:buFontTx/>
+                        <a:buNone/>
+                        <a:tabLst/>
+                        <a:defRPr/>
+                      </a:pPr>
+                      <a:r>
+                        <a:rPr lang="de-CH" sz="1100" b="1" strike="noStrike" kern="1200" spc="-1" dirty="0">
+                          <a:solidFill>
+                            <a:srgbClr val="000000"/>
+                          </a:solidFill>
+                          <a:uFill>
+                            <a:solidFill>
+                              <a:srgbClr val="FFFFFF"/>
+                            </a:solidFill>
+                          </a:uFill>
+                          <a:latin typeface="Arial" panose="020B0604020202020204" pitchFamily="34" charset="0"/>
+                          <a:ea typeface="+mn-ea"/>
+                          <a:cs typeface="Arial" panose="020B0604020202020204" pitchFamily="34" charset="0"/>
+                        </a:rPr>
+                        <a:t>MS Transition</a:t>
+                      </a:r>
+                      <a:endParaRPr lang="de-CH" sz="1100" b="1" strike="noStrike" kern="1200" spc="-1" dirty="0">
+                        <a:solidFill>
+                          <a:srgbClr val="000000"/>
+                        </a:solidFill>
+                        <a:uFill>
+                          <a:solidFill>
+                            <a:srgbClr val="FFFFFF"/>
+                          </a:solidFill>
+                        </a:uFill>
+                        <a:latin typeface="Arial" panose="020B0604020202020204" pitchFamily="34" charset="0"/>
+                        <a:ea typeface="+mn-ea"/>
+                        <a:cs typeface="Arial" panose="020B0604020202020204" pitchFamily="34" charset="0"/>
+                      </a:endParaRPr>
+                    </a:p>
+                    <a:p>
                       <a:pPr marL="0" algn="l" defTabSz="914400" rtl="0" eaLnBrk="1" latinLnBrk="0" hangingPunct="1">
                         <a:lnSpc>
                           <a:spcPct val="100000"/>
@@ -14497,29 +14978,6 @@
                           <a:cs typeface="Arial" panose="020B0604020202020204" pitchFamily="34" charset="0"/>
                         </a:rPr>
                         <a:t>Schlusspräsentation/-abgabe</a:t>
-                      </a:r>
-                    </a:p>
-                    <a:p>
-                      <a:pPr marL="0" algn="l" defTabSz="914400" rtl="0" eaLnBrk="1" latinLnBrk="0" hangingPunct="1">
-                        <a:lnSpc>
-                          <a:spcPct val="100000"/>
-                        </a:lnSpc>
-                      </a:pPr>
-                      <a:r>
-                        <a:rPr lang="de-CH" sz="1100" b="1" strike="noStrike" kern="1200" spc="-1" dirty="0">
-                          <a:solidFill>
-                            <a:srgbClr val="000000"/>
-                          </a:solidFill>
-                          <a:uFill>
-                            <a:solidFill>
-                              <a:srgbClr val="FFFFFF"/>
-                            </a:solidFill>
-                          </a:uFill>
-                          <a:latin typeface="Arial" panose="020B0604020202020204" pitchFamily="34" charset="0"/>
-                          <a:ea typeface="+mn-ea"/>
-                          <a:cs typeface="Arial" panose="020B0604020202020204" pitchFamily="34" charset="0"/>
-                        </a:rPr>
-                        <a:t>MS Transition</a:t>
                       </a:r>
                     </a:p>
                   </a:txBody>
@@ -15066,6 +15524,203 @@
                       </a:r>
                     </a:p>
                     <a:p>
+                      <a:pPr marL="171450" indent="-171450" algn="l" defTabSz="914400" rtl="0" eaLnBrk="1" latinLnBrk="0" hangingPunct="1">
+                        <a:lnSpc>
+                          <a:spcPct val="100000"/>
+                        </a:lnSpc>
+                        <a:buFont typeface="Arial" panose="020B0604020202020204" pitchFamily="34" charset="0"/>
+                        <a:buChar char="•"/>
+                      </a:pPr>
+                      <a:r>
+                        <a:rPr lang="de-DE" sz="1100" b="1" strike="noStrike" kern="1200" spc="-1" dirty="0">
+                          <a:solidFill>
+                            <a:srgbClr val="000000"/>
+                          </a:solidFill>
+                          <a:uFill>
+                            <a:solidFill>
+                              <a:srgbClr val="FFFFFF"/>
+                            </a:solidFill>
+                          </a:uFill>
+                          <a:latin typeface="Arial" panose="020B0604020202020204" pitchFamily="34" charset="0"/>
+                          <a:ea typeface="+mn-ea"/>
+                          <a:cs typeface="Arial" panose="020B0604020202020204" pitchFamily="34" charset="0"/>
+                        </a:rPr>
+                        <a:t>Sprint</a:t>
+                      </a:r>
+                      <a:r>
+                        <a:rPr lang="de-DE" sz="1100" b="1" strike="noStrike" kern="1200" spc="-1" baseline="0" dirty="0">
+                          <a:solidFill>
+                            <a:srgbClr val="000000"/>
+                          </a:solidFill>
+                          <a:uFill>
+                            <a:solidFill>
+                              <a:srgbClr val="FFFFFF"/>
+                            </a:solidFill>
+                          </a:uFill>
+                          <a:latin typeface="Arial" panose="020B0604020202020204" pitchFamily="34" charset="0"/>
+                          <a:ea typeface="+mn-ea"/>
+                          <a:cs typeface="Arial" panose="020B0604020202020204" pitchFamily="34" charset="0"/>
+                        </a:rPr>
+                        <a:t> </a:t>
+                      </a:r>
+                      <a:r>
+                        <a:rPr lang="de-DE" sz="1100" b="1" strike="noStrike" kern="1200" spc="-1" baseline="0" dirty="0" err="1">
+                          <a:solidFill>
+                            <a:srgbClr val="000000"/>
+                          </a:solidFill>
+                          <a:uFill>
+                            <a:solidFill>
+                              <a:srgbClr val="FFFFFF"/>
+                            </a:solidFill>
+                          </a:uFill>
+                          <a:latin typeface="Arial" panose="020B0604020202020204" pitchFamily="34" charset="0"/>
+                          <a:ea typeface="+mn-ea"/>
+                          <a:cs typeface="Arial" panose="020B0604020202020204" pitchFamily="34" charset="0"/>
+                        </a:rPr>
+                        <a:t>Planning</a:t>
+                      </a:r>
+                      <a:endParaRPr lang="de-DE" sz="1100" b="1" strike="noStrike" kern="1200" spc="-1" baseline="0" dirty="0">
+                        <a:solidFill>
+                          <a:srgbClr val="000000"/>
+                        </a:solidFill>
+                        <a:uFill>
+                          <a:solidFill>
+                            <a:srgbClr val="FFFFFF"/>
+                          </a:solidFill>
+                        </a:uFill>
+                        <a:latin typeface="Arial" panose="020B0604020202020204" pitchFamily="34" charset="0"/>
+                        <a:ea typeface="+mn-ea"/>
+                        <a:cs typeface="Arial" panose="020B0604020202020204" pitchFamily="34" charset="0"/>
+                      </a:endParaRPr>
+                    </a:p>
+                    <a:p>
+                      <a:pPr marL="171450" indent="-171450" algn="l" defTabSz="914400" rtl="0" eaLnBrk="1" latinLnBrk="0" hangingPunct="1">
+                        <a:lnSpc>
+                          <a:spcPct val="100000"/>
+                        </a:lnSpc>
+                        <a:buFont typeface="Arial" panose="020B0604020202020204" pitchFamily="34" charset="0"/>
+                        <a:buChar char="•"/>
+                      </a:pPr>
+                      <a:r>
+                        <a:rPr lang="de-DE" sz="1100" b="1" strike="noStrike" kern="1200" spc="-1" baseline="0" dirty="0">
+                          <a:solidFill>
+                            <a:srgbClr val="000000"/>
+                          </a:solidFill>
+                          <a:uFill>
+                            <a:solidFill>
+                              <a:srgbClr val="FFFFFF"/>
+                            </a:solidFill>
+                          </a:uFill>
+                          <a:latin typeface="Arial" panose="020B0604020202020204" pitchFamily="34" charset="0"/>
+                          <a:ea typeface="+mn-ea"/>
+                          <a:cs typeface="Arial" panose="020B0604020202020204" pitchFamily="34" charset="0"/>
+                        </a:rPr>
+                        <a:t>Stand-</a:t>
+                      </a:r>
+                      <a:r>
+                        <a:rPr lang="de-DE" sz="1100" b="1" strike="noStrike" kern="1200" spc="-1" baseline="0" dirty="0" err="1">
+                          <a:solidFill>
+                            <a:srgbClr val="000000"/>
+                          </a:solidFill>
+                          <a:uFill>
+                            <a:solidFill>
+                              <a:srgbClr val="FFFFFF"/>
+                            </a:solidFill>
+                          </a:uFill>
+                          <a:latin typeface="Arial" panose="020B0604020202020204" pitchFamily="34" charset="0"/>
+                          <a:ea typeface="+mn-ea"/>
+                          <a:cs typeface="Arial" panose="020B0604020202020204" pitchFamily="34" charset="0"/>
+                        </a:rPr>
+                        <a:t>up</a:t>
+                      </a:r>
+                      <a:r>
+                        <a:rPr lang="de-DE" sz="1100" b="1" strike="noStrike" kern="1200" spc="-1" baseline="0" dirty="0">
+                          <a:solidFill>
+                            <a:srgbClr val="000000"/>
+                          </a:solidFill>
+                          <a:uFill>
+                            <a:solidFill>
+                              <a:srgbClr val="FFFFFF"/>
+                            </a:solidFill>
+                          </a:uFill>
+                          <a:latin typeface="Arial" panose="020B0604020202020204" pitchFamily="34" charset="0"/>
+                          <a:ea typeface="+mn-ea"/>
+                          <a:cs typeface="Arial" panose="020B0604020202020204" pitchFamily="34" charset="0"/>
+                        </a:rPr>
+                        <a:t> Meeting</a:t>
+                      </a:r>
+                    </a:p>
+                    <a:p>
+                      <a:pPr marL="171450" indent="-171450" algn="l" defTabSz="914400" rtl="0" eaLnBrk="1" latinLnBrk="0" hangingPunct="1">
+                        <a:lnSpc>
+                          <a:spcPct val="100000"/>
+                        </a:lnSpc>
+                        <a:buFont typeface="Arial" panose="020B0604020202020204" pitchFamily="34" charset="0"/>
+                        <a:buChar char="•"/>
+                      </a:pPr>
+                      <a:r>
+                        <a:rPr lang="de-DE" sz="1100" b="1" strike="noStrike" kern="1200" spc="-1" baseline="0" dirty="0">
+                          <a:solidFill>
+                            <a:srgbClr val="000000"/>
+                          </a:solidFill>
+                          <a:uFill>
+                            <a:solidFill>
+                              <a:srgbClr val="FFFFFF"/>
+                            </a:solidFill>
+                          </a:uFill>
+                          <a:latin typeface="Arial" panose="020B0604020202020204" pitchFamily="34" charset="0"/>
+                          <a:ea typeface="+mn-ea"/>
+                          <a:cs typeface="Arial" panose="020B0604020202020204" pitchFamily="34" charset="0"/>
+                        </a:rPr>
+                        <a:t>Retrospektive</a:t>
+                      </a:r>
+                      <a:endParaRPr lang="de-DE" sz="1100" b="1" strike="noStrike" kern="1200" spc="-1" dirty="0">
+                        <a:solidFill>
+                          <a:srgbClr val="000000"/>
+                        </a:solidFill>
+                        <a:uFill>
+                          <a:solidFill>
+                            <a:srgbClr val="FFFFFF"/>
+                          </a:solidFill>
+                        </a:uFill>
+                        <a:latin typeface="Arial" panose="020B0604020202020204" pitchFamily="34" charset="0"/>
+                        <a:ea typeface="+mn-ea"/>
+                        <a:cs typeface="Arial" panose="020B0604020202020204" pitchFamily="34" charset="0"/>
+                      </a:endParaRPr>
+                    </a:p>
+                    <a:p>
+                      <a:pPr marL="171450" marR="0" lvl="0" indent="-171450" algn="l" defTabSz="914400" rtl="0" eaLnBrk="1" fontAlgn="auto" latinLnBrk="0" hangingPunct="1">
+                        <a:lnSpc>
+                          <a:spcPct val="100000"/>
+                        </a:lnSpc>
+                        <a:spcBef>
+                          <a:spcPts val="0"/>
+                        </a:spcBef>
+                        <a:spcAft>
+                          <a:spcPts val="0"/>
+                        </a:spcAft>
+                        <a:buClrTx/>
+                        <a:buSzTx/>
+                        <a:buFont typeface="Arial" panose="020B0604020202020204" pitchFamily="34" charset="0"/>
+                        <a:buChar char="•"/>
+                        <a:tabLst/>
+                        <a:defRPr/>
+                      </a:pPr>
+                      <a:endParaRPr lang="de-DE" sz="1100" b="1" strike="noStrike" kern="1200" spc="-1" dirty="0">
+                        <a:solidFill>
+                          <a:srgbClr val="000000"/>
+                        </a:solidFill>
+                        <a:uFill>
+                          <a:solidFill>
+                            <a:srgbClr val="FFFFFF"/>
+                          </a:solidFill>
+                        </a:uFill>
+                        <a:latin typeface="Arial" panose="020B0604020202020204" pitchFamily="34" charset="0"/>
+                        <a:ea typeface="+mn-ea"/>
+                        <a:cs typeface="Arial" panose="020B0604020202020204" pitchFamily="34" charset="0"/>
+                      </a:endParaRPr>
+                    </a:p>
+                    <a:p>
                       <a:endParaRPr lang="de-DE" sz="1100" b="1" strike="noStrike" kern="1200" spc="-1" dirty="0">
                         <a:solidFill>
                           <a:srgbClr val="000000"/>
@@ -15191,6 +15846,171 @@
                       </a:r>
                     </a:p>
                     <a:p>
+                      <a:pPr marL="171450" indent="-171450" algn="l" defTabSz="914400" rtl="0" eaLnBrk="1" latinLnBrk="0" hangingPunct="1">
+                        <a:lnSpc>
+                          <a:spcPct val="100000"/>
+                        </a:lnSpc>
+                        <a:buFont typeface="Arial" panose="020B0604020202020204" pitchFamily="34" charset="0"/>
+                        <a:buChar char="•"/>
+                      </a:pPr>
+                      <a:r>
+                        <a:rPr lang="de-DE" sz="1100" b="1" strike="noStrike" kern="1200" spc="-1" dirty="0">
+                          <a:solidFill>
+                            <a:srgbClr val="000000"/>
+                          </a:solidFill>
+                          <a:uFill>
+                            <a:solidFill>
+                              <a:srgbClr val="FFFFFF"/>
+                            </a:solidFill>
+                          </a:uFill>
+                          <a:latin typeface="Arial" panose="020B0604020202020204" pitchFamily="34" charset="0"/>
+                          <a:ea typeface="+mn-ea"/>
+                          <a:cs typeface="Arial" panose="020B0604020202020204" pitchFamily="34" charset="0"/>
+                        </a:rPr>
+                        <a:t>Sprint</a:t>
+                      </a:r>
+                      <a:r>
+                        <a:rPr lang="de-DE" sz="1100" b="1" strike="noStrike" kern="1200" spc="-1" baseline="0" dirty="0">
+                          <a:solidFill>
+                            <a:srgbClr val="000000"/>
+                          </a:solidFill>
+                          <a:uFill>
+                            <a:solidFill>
+                              <a:srgbClr val="FFFFFF"/>
+                            </a:solidFill>
+                          </a:uFill>
+                          <a:latin typeface="Arial" panose="020B0604020202020204" pitchFamily="34" charset="0"/>
+                          <a:ea typeface="+mn-ea"/>
+                          <a:cs typeface="Arial" panose="020B0604020202020204" pitchFamily="34" charset="0"/>
+                        </a:rPr>
+                        <a:t> </a:t>
+                      </a:r>
+                      <a:r>
+                        <a:rPr lang="de-DE" sz="1100" b="1" strike="noStrike" kern="1200" spc="-1" baseline="0" dirty="0" err="1">
+                          <a:solidFill>
+                            <a:srgbClr val="000000"/>
+                          </a:solidFill>
+                          <a:uFill>
+                            <a:solidFill>
+                              <a:srgbClr val="FFFFFF"/>
+                            </a:solidFill>
+                          </a:uFill>
+                          <a:latin typeface="Arial" panose="020B0604020202020204" pitchFamily="34" charset="0"/>
+                          <a:ea typeface="+mn-ea"/>
+                          <a:cs typeface="Arial" panose="020B0604020202020204" pitchFamily="34" charset="0"/>
+                        </a:rPr>
+                        <a:t>Planning</a:t>
+                      </a:r>
+                      <a:endParaRPr lang="de-DE" sz="1100" b="1" strike="noStrike" kern="1200" spc="-1" baseline="0" dirty="0">
+                        <a:solidFill>
+                          <a:srgbClr val="000000"/>
+                        </a:solidFill>
+                        <a:uFill>
+                          <a:solidFill>
+                            <a:srgbClr val="FFFFFF"/>
+                          </a:solidFill>
+                        </a:uFill>
+                        <a:latin typeface="Arial" panose="020B0604020202020204" pitchFamily="34" charset="0"/>
+                        <a:ea typeface="+mn-ea"/>
+                        <a:cs typeface="Arial" panose="020B0604020202020204" pitchFamily="34" charset="0"/>
+                      </a:endParaRPr>
+                    </a:p>
+                    <a:p>
+                      <a:pPr marL="171450" indent="-171450" algn="l" defTabSz="914400" rtl="0" eaLnBrk="1" latinLnBrk="0" hangingPunct="1">
+                        <a:lnSpc>
+                          <a:spcPct val="100000"/>
+                        </a:lnSpc>
+                        <a:buFont typeface="Arial" panose="020B0604020202020204" pitchFamily="34" charset="0"/>
+                        <a:buChar char="•"/>
+                      </a:pPr>
+                      <a:r>
+                        <a:rPr lang="de-DE" sz="1100" b="1" strike="noStrike" kern="1200" spc="-1" baseline="0" dirty="0">
+                          <a:solidFill>
+                            <a:srgbClr val="000000"/>
+                          </a:solidFill>
+                          <a:uFill>
+                            <a:solidFill>
+                              <a:srgbClr val="FFFFFF"/>
+                            </a:solidFill>
+                          </a:uFill>
+                          <a:latin typeface="Arial" panose="020B0604020202020204" pitchFamily="34" charset="0"/>
+                          <a:ea typeface="+mn-ea"/>
+                          <a:cs typeface="Arial" panose="020B0604020202020204" pitchFamily="34" charset="0"/>
+                        </a:rPr>
+                        <a:t>Stand-</a:t>
+                      </a:r>
+                      <a:r>
+                        <a:rPr lang="de-DE" sz="1100" b="1" strike="noStrike" kern="1200" spc="-1" baseline="0" dirty="0" err="1">
+                          <a:solidFill>
+                            <a:srgbClr val="000000"/>
+                          </a:solidFill>
+                          <a:uFill>
+                            <a:solidFill>
+                              <a:srgbClr val="FFFFFF"/>
+                            </a:solidFill>
+                          </a:uFill>
+                          <a:latin typeface="Arial" panose="020B0604020202020204" pitchFamily="34" charset="0"/>
+                          <a:ea typeface="+mn-ea"/>
+                          <a:cs typeface="Arial" panose="020B0604020202020204" pitchFamily="34" charset="0"/>
+                        </a:rPr>
+                        <a:t>up</a:t>
+                      </a:r>
+                      <a:r>
+                        <a:rPr lang="de-DE" sz="1100" b="1" strike="noStrike" kern="1200" spc="-1" baseline="0" dirty="0">
+                          <a:solidFill>
+                            <a:srgbClr val="000000"/>
+                          </a:solidFill>
+                          <a:uFill>
+                            <a:solidFill>
+                              <a:srgbClr val="FFFFFF"/>
+                            </a:solidFill>
+                          </a:uFill>
+                          <a:latin typeface="Arial" panose="020B0604020202020204" pitchFamily="34" charset="0"/>
+                          <a:ea typeface="+mn-ea"/>
+                          <a:cs typeface="Arial" panose="020B0604020202020204" pitchFamily="34" charset="0"/>
+                        </a:rPr>
+                        <a:t> Meeting</a:t>
+                      </a:r>
+                    </a:p>
+                    <a:p>
+                      <a:pPr marL="171450" indent="-171450" algn="l" defTabSz="914400" rtl="0" eaLnBrk="1" latinLnBrk="0" hangingPunct="1">
+                        <a:lnSpc>
+                          <a:spcPct val="100000"/>
+                        </a:lnSpc>
+                        <a:buFont typeface="Arial" panose="020B0604020202020204" pitchFamily="34" charset="0"/>
+                        <a:buChar char="•"/>
+                      </a:pPr>
+                      <a:r>
+                        <a:rPr lang="de-DE" sz="1100" b="1" strike="noStrike" kern="1200" spc="-1" baseline="0" dirty="0">
+                          <a:solidFill>
+                            <a:srgbClr val="000000"/>
+                          </a:solidFill>
+                          <a:uFill>
+                            <a:solidFill>
+                              <a:srgbClr val="FFFFFF"/>
+                            </a:solidFill>
+                          </a:uFill>
+                          <a:latin typeface="Arial" panose="020B0604020202020204" pitchFamily="34" charset="0"/>
+                          <a:ea typeface="+mn-ea"/>
+                          <a:cs typeface="Arial" panose="020B0604020202020204" pitchFamily="34" charset="0"/>
+                        </a:rPr>
+                        <a:t>Retrospektive</a:t>
+                      </a:r>
+                      <a:endParaRPr lang="de-DE" sz="1100" b="1" strike="noStrike" kern="1200" spc="-1" dirty="0">
+                        <a:solidFill>
+                          <a:srgbClr val="000000"/>
+                        </a:solidFill>
+                        <a:uFill>
+                          <a:solidFill>
+                            <a:srgbClr val="FFFFFF"/>
+                          </a:solidFill>
+                        </a:uFill>
+                        <a:latin typeface="Arial" panose="020B0604020202020204" pitchFamily="34" charset="0"/>
+                        <a:ea typeface="+mn-ea"/>
+                        <a:cs typeface="Arial" panose="020B0604020202020204" pitchFamily="34" charset="0"/>
+                      </a:endParaRPr>
+                    </a:p>
+                    <a:p>
                       <a:endParaRPr lang="de-DE" sz="1100" b="1" strike="noStrike" kern="1200" spc="-1" dirty="0">
                         <a:solidFill>
                           <a:srgbClr val="000000"/>
@@ -15316,6 +16136,146 @@
                       </a:r>
                     </a:p>
                     <a:p>
+                      <a:pPr marL="171450" indent="-171450" algn="l" defTabSz="914400" rtl="0" eaLnBrk="1" latinLnBrk="0" hangingPunct="1">
+                        <a:lnSpc>
+                          <a:spcPct val="100000"/>
+                        </a:lnSpc>
+                        <a:buFont typeface="Arial" panose="020B0604020202020204" pitchFamily="34" charset="0"/>
+                        <a:buChar char="•"/>
+                      </a:pPr>
+                      <a:r>
+                        <a:rPr lang="de-DE" sz="1100" b="1" strike="noStrike" kern="1200" spc="-1" dirty="0">
+                          <a:solidFill>
+                            <a:srgbClr val="000000"/>
+                          </a:solidFill>
+                          <a:uFill>
+                            <a:solidFill>
+                              <a:srgbClr val="FFFFFF"/>
+                            </a:solidFill>
+                          </a:uFill>
+                          <a:latin typeface="Arial" panose="020B0604020202020204" pitchFamily="34" charset="0"/>
+                          <a:ea typeface="+mn-ea"/>
+                          <a:cs typeface="Arial" panose="020B0604020202020204" pitchFamily="34" charset="0"/>
+                        </a:rPr>
+                        <a:t>Sprint</a:t>
+                      </a:r>
+                      <a:r>
+                        <a:rPr lang="de-DE" sz="1100" b="1" strike="noStrike" kern="1200" spc="-1" baseline="0" dirty="0">
+                          <a:solidFill>
+                            <a:srgbClr val="000000"/>
+                          </a:solidFill>
+                          <a:uFill>
+                            <a:solidFill>
+                              <a:srgbClr val="FFFFFF"/>
+                            </a:solidFill>
+                          </a:uFill>
+                          <a:latin typeface="Arial" panose="020B0604020202020204" pitchFamily="34" charset="0"/>
+                          <a:ea typeface="+mn-ea"/>
+                          <a:cs typeface="Arial" panose="020B0604020202020204" pitchFamily="34" charset="0"/>
+                        </a:rPr>
+                        <a:t> </a:t>
+                      </a:r>
+                      <a:r>
+                        <a:rPr lang="de-DE" sz="1100" b="1" strike="noStrike" kern="1200" spc="-1" baseline="0" dirty="0" err="1">
+                          <a:solidFill>
+                            <a:srgbClr val="000000"/>
+                          </a:solidFill>
+                          <a:uFill>
+                            <a:solidFill>
+                              <a:srgbClr val="FFFFFF"/>
+                            </a:solidFill>
+                          </a:uFill>
+                          <a:latin typeface="Arial" panose="020B0604020202020204" pitchFamily="34" charset="0"/>
+                          <a:ea typeface="+mn-ea"/>
+                          <a:cs typeface="Arial" panose="020B0604020202020204" pitchFamily="34" charset="0"/>
+                        </a:rPr>
+                        <a:t>Planning</a:t>
+                      </a:r>
+                      <a:endParaRPr lang="de-DE" sz="1100" b="1" strike="noStrike" kern="1200" spc="-1" baseline="0" dirty="0">
+                        <a:solidFill>
+                          <a:srgbClr val="000000"/>
+                        </a:solidFill>
+                        <a:uFill>
+                          <a:solidFill>
+                            <a:srgbClr val="FFFFFF"/>
+                          </a:solidFill>
+                        </a:uFill>
+                        <a:latin typeface="Arial" panose="020B0604020202020204" pitchFamily="34" charset="0"/>
+                        <a:ea typeface="+mn-ea"/>
+                        <a:cs typeface="Arial" panose="020B0604020202020204" pitchFamily="34" charset="0"/>
+                      </a:endParaRPr>
+                    </a:p>
+                    <a:p>
+                      <a:pPr marL="171450" indent="-171450" algn="l" defTabSz="914400" rtl="0" eaLnBrk="1" latinLnBrk="0" hangingPunct="1">
+                        <a:lnSpc>
+                          <a:spcPct val="100000"/>
+                        </a:lnSpc>
+                        <a:buFont typeface="Arial" panose="020B0604020202020204" pitchFamily="34" charset="0"/>
+                        <a:buChar char="•"/>
+                      </a:pPr>
+                      <a:r>
+                        <a:rPr lang="de-DE" sz="1100" b="1" strike="noStrike" kern="1200" spc="-1" baseline="0" dirty="0">
+                          <a:solidFill>
+                            <a:srgbClr val="000000"/>
+                          </a:solidFill>
+                          <a:uFill>
+                            <a:solidFill>
+                              <a:srgbClr val="FFFFFF"/>
+                            </a:solidFill>
+                          </a:uFill>
+                          <a:latin typeface="Arial" panose="020B0604020202020204" pitchFamily="34" charset="0"/>
+                          <a:ea typeface="+mn-ea"/>
+                          <a:cs typeface="Arial" panose="020B0604020202020204" pitchFamily="34" charset="0"/>
+                        </a:rPr>
+                        <a:t>Stand-</a:t>
+                      </a:r>
+                      <a:r>
+                        <a:rPr lang="de-DE" sz="1100" b="1" strike="noStrike" kern="1200" spc="-1" baseline="0" dirty="0" err="1">
+                          <a:solidFill>
+                            <a:srgbClr val="000000"/>
+                          </a:solidFill>
+                          <a:uFill>
+                            <a:solidFill>
+                              <a:srgbClr val="FFFFFF"/>
+                            </a:solidFill>
+                          </a:uFill>
+                          <a:latin typeface="Arial" panose="020B0604020202020204" pitchFamily="34" charset="0"/>
+                          <a:ea typeface="+mn-ea"/>
+                          <a:cs typeface="Arial" panose="020B0604020202020204" pitchFamily="34" charset="0"/>
+                        </a:rPr>
+                        <a:t>up</a:t>
+                      </a:r>
+                      <a:r>
+                        <a:rPr lang="de-DE" sz="1100" b="1" strike="noStrike" kern="1200" spc="-1" baseline="0" dirty="0">
+                          <a:solidFill>
+                            <a:srgbClr val="000000"/>
+                          </a:solidFill>
+                          <a:uFill>
+                            <a:solidFill>
+                              <a:srgbClr val="FFFFFF"/>
+                            </a:solidFill>
+                          </a:uFill>
+                          <a:latin typeface="Arial" panose="020B0604020202020204" pitchFamily="34" charset="0"/>
+                          <a:ea typeface="+mn-ea"/>
+                          <a:cs typeface="Arial" panose="020B0604020202020204" pitchFamily="34" charset="0"/>
+                        </a:rPr>
+                        <a:t> Meeting</a:t>
+                      </a:r>
+                      <a:endParaRPr lang="de-DE" sz="1100" b="1" strike="noStrike" kern="1200" spc="-1" dirty="0">
+                        <a:solidFill>
+                          <a:srgbClr val="000000"/>
+                        </a:solidFill>
+                        <a:uFill>
+                          <a:solidFill>
+                            <a:srgbClr val="FFFFFF"/>
+                          </a:solidFill>
+                        </a:uFill>
+                        <a:latin typeface="Arial" panose="020B0604020202020204" pitchFamily="34" charset="0"/>
+                        <a:ea typeface="+mn-ea"/>
+                        <a:cs typeface="Arial" panose="020B0604020202020204" pitchFamily="34" charset="0"/>
+                      </a:endParaRPr>
+                    </a:p>
+                    <a:p>
                       <a:endParaRPr lang="de-DE" sz="1100" b="1" strike="noStrike" kern="1200" spc="-1" dirty="0">
                         <a:solidFill>
                           <a:srgbClr val="000000"/>
@@ -15471,6 +16431,178 @@
                         </a:rPr>
                         <a:t>Abschluss vorbereiten</a:t>
                       </a:r>
+                    </a:p>
+                    <a:p>
+                      <a:pPr marL="171450" indent="-171450" algn="l" defTabSz="914400" rtl="0" eaLnBrk="1" latinLnBrk="0" hangingPunct="1">
+                        <a:lnSpc>
+                          <a:spcPct val="100000"/>
+                        </a:lnSpc>
+                        <a:buFont typeface="Arial" panose="020B0604020202020204" pitchFamily="34" charset="0"/>
+                        <a:buChar char="•"/>
+                      </a:pPr>
+                      <a:r>
+                        <a:rPr lang="de-DE" sz="1100" b="1" strike="noStrike" kern="1200" spc="-1" dirty="0">
+                          <a:solidFill>
+                            <a:srgbClr val="000000"/>
+                          </a:solidFill>
+                          <a:uFill>
+                            <a:solidFill>
+                              <a:srgbClr val="FFFFFF"/>
+                            </a:solidFill>
+                          </a:uFill>
+                          <a:latin typeface="Arial" panose="020B0604020202020204" pitchFamily="34" charset="0"/>
+                          <a:ea typeface="+mn-ea"/>
+                          <a:cs typeface="Arial" panose="020B0604020202020204" pitchFamily="34" charset="0"/>
+                        </a:rPr>
+                        <a:t>Sprint</a:t>
+                      </a:r>
+                      <a:r>
+                        <a:rPr lang="de-DE" sz="1100" b="1" strike="noStrike" kern="1200" spc="-1" baseline="0" dirty="0">
+                          <a:solidFill>
+                            <a:srgbClr val="000000"/>
+                          </a:solidFill>
+                          <a:uFill>
+                            <a:solidFill>
+                              <a:srgbClr val="FFFFFF"/>
+                            </a:solidFill>
+                          </a:uFill>
+                          <a:latin typeface="Arial" panose="020B0604020202020204" pitchFamily="34" charset="0"/>
+                          <a:ea typeface="+mn-ea"/>
+                          <a:cs typeface="Arial" panose="020B0604020202020204" pitchFamily="34" charset="0"/>
+                        </a:rPr>
+                        <a:t> </a:t>
+                      </a:r>
+                      <a:r>
+                        <a:rPr lang="de-DE" sz="1100" b="1" strike="noStrike" kern="1200" spc="-1" baseline="0" dirty="0" err="1">
+                          <a:solidFill>
+                            <a:srgbClr val="000000"/>
+                          </a:solidFill>
+                          <a:uFill>
+                            <a:solidFill>
+                              <a:srgbClr val="FFFFFF"/>
+                            </a:solidFill>
+                          </a:uFill>
+                          <a:latin typeface="Arial" panose="020B0604020202020204" pitchFamily="34" charset="0"/>
+                          <a:ea typeface="+mn-ea"/>
+                          <a:cs typeface="Arial" panose="020B0604020202020204" pitchFamily="34" charset="0"/>
+                        </a:rPr>
+                        <a:t>Planning</a:t>
+                      </a:r>
+                      <a:endParaRPr lang="de-DE" sz="1100" b="1" strike="noStrike" kern="1200" spc="-1" baseline="0" dirty="0">
+                        <a:solidFill>
+                          <a:srgbClr val="000000"/>
+                        </a:solidFill>
+                        <a:uFill>
+                          <a:solidFill>
+                            <a:srgbClr val="FFFFFF"/>
+                          </a:solidFill>
+                        </a:uFill>
+                        <a:latin typeface="Arial" panose="020B0604020202020204" pitchFamily="34" charset="0"/>
+                        <a:ea typeface="+mn-ea"/>
+                        <a:cs typeface="Arial" panose="020B0604020202020204" pitchFamily="34" charset="0"/>
+                      </a:endParaRPr>
+                    </a:p>
+                    <a:p>
+                      <a:pPr marL="171450" indent="-171450" algn="l" defTabSz="914400" rtl="0" eaLnBrk="1" latinLnBrk="0" hangingPunct="1">
+                        <a:lnSpc>
+                          <a:spcPct val="100000"/>
+                        </a:lnSpc>
+                        <a:buFont typeface="Arial" panose="020B0604020202020204" pitchFamily="34" charset="0"/>
+                        <a:buChar char="•"/>
+                      </a:pPr>
+                      <a:r>
+                        <a:rPr lang="de-DE" sz="1100" b="1" strike="noStrike" kern="1200" spc="-1" baseline="0" dirty="0">
+                          <a:solidFill>
+                            <a:srgbClr val="000000"/>
+                          </a:solidFill>
+                          <a:uFill>
+                            <a:solidFill>
+                              <a:srgbClr val="FFFFFF"/>
+                            </a:solidFill>
+                          </a:uFill>
+                          <a:latin typeface="Arial" panose="020B0604020202020204" pitchFamily="34" charset="0"/>
+                          <a:ea typeface="+mn-ea"/>
+                          <a:cs typeface="Arial" panose="020B0604020202020204" pitchFamily="34" charset="0"/>
+                        </a:rPr>
+                        <a:t>Stand-</a:t>
+                      </a:r>
+                      <a:r>
+                        <a:rPr lang="de-DE" sz="1100" b="1" strike="noStrike" kern="1200" spc="-1" baseline="0" dirty="0" err="1">
+                          <a:solidFill>
+                            <a:srgbClr val="000000"/>
+                          </a:solidFill>
+                          <a:uFill>
+                            <a:solidFill>
+                              <a:srgbClr val="FFFFFF"/>
+                            </a:solidFill>
+                          </a:uFill>
+                          <a:latin typeface="Arial" panose="020B0604020202020204" pitchFamily="34" charset="0"/>
+                          <a:ea typeface="+mn-ea"/>
+                          <a:cs typeface="Arial" panose="020B0604020202020204" pitchFamily="34" charset="0"/>
+                        </a:rPr>
+                        <a:t>up</a:t>
+                      </a:r>
+                      <a:r>
+                        <a:rPr lang="de-DE" sz="1100" b="1" strike="noStrike" kern="1200" spc="-1" baseline="0" dirty="0">
+                          <a:solidFill>
+                            <a:srgbClr val="000000"/>
+                          </a:solidFill>
+                          <a:uFill>
+                            <a:solidFill>
+                              <a:srgbClr val="FFFFFF"/>
+                            </a:solidFill>
+                          </a:uFill>
+                          <a:latin typeface="Arial" panose="020B0604020202020204" pitchFamily="34" charset="0"/>
+                          <a:ea typeface="+mn-ea"/>
+                          <a:cs typeface="Arial" panose="020B0604020202020204" pitchFamily="34" charset="0"/>
+                        </a:rPr>
+                        <a:t> Meeting</a:t>
+                      </a:r>
+                      <a:endParaRPr lang="de-DE" sz="1100" b="1" strike="noStrike" kern="1200" spc="-1" dirty="0">
+                        <a:solidFill>
+                          <a:srgbClr val="000000"/>
+                        </a:solidFill>
+                        <a:uFill>
+                          <a:solidFill>
+                            <a:srgbClr val="FFFFFF"/>
+                          </a:solidFill>
+                        </a:uFill>
+                        <a:latin typeface="Arial" panose="020B0604020202020204" pitchFamily="34" charset="0"/>
+                        <a:ea typeface="+mn-ea"/>
+                        <a:cs typeface="Arial" panose="020B0604020202020204" pitchFamily="34" charset="0"/>
+                      </a:endParaRPr>
+                    </a:p>
+                    <a:p>
+                      <a:pPr marL="171450" marR="0" lvl="0" indent="-171450" algn="l" defTabSz="914400" rtl="0" eaLnBrk="1" fontAlgn="auto" latinLnBrk="0" hangingPunct="1">
+                        <a:lnSpc>
+                          <a:spcPct val="100000"/>
+                        </a:lnSpc>
+                        <a:spcBef>
+                          <a:spcPts val="0"/>
+                        </a:spcBef>
+                        <a:spcAft>
+                          <a:spcPts val="0"/>
+                        </a:spcAft>
+                        <a:buClrTx/>
+                        <a:buSzTx/>
+                        <a:buFont typeface="Arial" panose="020B0604020202020204" pitchFamily="34" charset="0"/>
+                        <a:buChar char="•"/>
+                        <a:tabLst/>
+                        <a:defRPr/>
+                      </a:pPr>
+                      <a:endParaRPr lang="de-DE" sz="1100" b="1" strike="noStrike" kern="1200" spc="-1" dirty="0">
+                        <a:solidFill>
+                          <a:srgbClr val="000000"/>
+                        </a:solidFill>
+                        <a:uFill>
+                          <a:solidFill>
+                            <a:srgbClr val="FFFFFF"/>
+                          </a:solidFill>
+                        </a:uFill>
+                        <a:latin typeface="Arial" panose="020B0604020202020204" pitchFamily="34" charset="0"/>
+                        <a:ea typeface="+mn-ea"/>
+                        <a:cs typeface="Arial" panose="020B0604020202020204" pitchFamily="34" charset="0"/>
+                      </a:endParaRPr>
                     </a:p>
                   </a:txBody>
                   <a:tcPr marL="88200" marR="88200">
